--- a/Documentatie/TarcePaul_PrezentareLucrareDeDisertatie.pptx
+++ b/Documentatie/TarcePaul_PrezentareLucrareDeDisertatie.pptx
@@ -141,6 +141,179 @@
 </p:presentation>
 </file>
 
+<file path=ppt/charts/chart1.xml><?xml version="1.0" encoding="utf-8"?>
+<c:chartSpace xmlns:c="http://schemas.openxmlformats.org/drawingml/2006/chart" xmlns:a="http://schemas.openxmlformats.org/drawingml/2006/main" xmlns:r="http://schemas.openxmlformats.org/officeDocument/2006/relationships">
+  <c:lang val="en-US"/>
+  <c:chart>
+    <c:plotArea>
+      <c:layout/>
+      <c:barChart>
+        <c:barDir val="col"/>
+        <c:grouping val="clustered"/>
+        <c:ser>
+          <c:idx val="0"/>
+          <c:order val="0"/>
+          <c:tx>
+            <c:strRef>
+              <c:f>FormuleW4!$B$50</c:f>
+              <c:strCache>
+                <c:ptCount val="1"/>
+                <c:pt idx="0">
+                  <c:v>W4(σ)
+</c:v>
+                </c:pt>
+              </c:strCache>
+            </c:strRef>
+          </c:tx>
+          <c:cat>
+            <c:strRef>
+              <c:f>FormuleW4!$A$51:$A$54</c:f>
+              <c:strCache>
+                <c:ptCount val="4"/>
+                <c:pt idx="0">
+                  <c:v>CO</c:v>
+                </c:pt>
+                <c:pt idx="1">
+                  <c:v>NO2</c:v>
+                </c:pt>
+                <c:pt idx="2">
+                  <c:v>SO2</c:v>
+                </c:pt>
+                <c:pt idx="3">
+                  <c:v>O3</c:v>
+                </c:pt>
+              </c:strCache>
+            </c:strRef>
+          </c:cat>
+          <c:val>
+            <c:numRef>
+              <c:f>FormuleW4!$B$51:$B$54</c:f>
+              <c:numCache>
+                <c:formatCode>General</c:formatCode>
+                <c:ptCount val="4"/>
+                <c:pt idx="0">
+                  <c:v>10095</c:v>
+                </c:pt>
+                <c:pt idx="1">
+                  <c:v>356</c:v>
+                </c:pt>
+                <c:pt idx="2">
+                  <c:v>1618</c:v>
+                </c:pt>
+                <c:pt idx="3">
+                  <c:v>630</c:v>
+                </c:pt>
+              </c:numCache>
+            </c:numRef>
+          </c:val>
+        </c:ser>
+        <c:ser>
+          <c:idx val="1"/>
+          <c:order val="1"/>
+          <c:tx>
+            <c:strRef>
+              <c:f>FormuleW4!$C$50</c:f>
+              <c:strCache>
+                <c:ptCount val="1"/>
+                <c:pt idx="0">
+                  <c:v>W5(σ)</c:v>
+                </c:pt>
+              </c:strCache>
+            </c:strRef>
+          </c:tx>
+          <c:cat>
+            <c:strRef>
+              <c:f>FormuleW4!$A$51:$A$54</c:f>
+              <c:strCache>
+                <c:ptCount val="4"/>
+                <c:pt idx="0">
+                  <c:v>CO</c:v>
+                </c:pt>
+                <c:pt idx="1">
+                  <c:v>NO2</c:v>
+                </c:pt>
+                <c:pt idx="2">
+                  <c:v>SO2</c:v>
+                </c:pt>
+                <c:pt idx="3">
+                  <c:v>O3</c:v>
+                </c:pt>
+              </c:strCache>
+            </c:strRef>
+          </c:cat>
+          <c:val>
+            <c:numRef>
+              <c:f>FormuleW4!$C$51:$C$54</c:f>
+              <c:numCache>
+                <c:formatCode>General</c:formatCode>
+                <c:ptCount val="4"/>
+                <c:pt idx="0">
+                  <c:v>908</c:v>
+                </c:pt>
+                <c:pt idx="1">
+                  <c:v>635</c:v>
+                </c:pt>
+                <c:pt idx="2">
+                  <c:v>1230</c:v>
+                </c:pt>
+                <c:pt idx="3">
+                  <c:v>670</c:v>
+                </c:pt>
+              </c:numCache>
+            </c:numRef>
+          </c:val>
+        </c:ser>
+        <c:axId val="151769472"/>
+        <c:axId val="151772544"/>
+      </c:barChart>
+      <c:catAx>
+        <c:axId val="151769472"/>
+        <c:scaling>
+          <c:orientation val="minMax"/>
+        </c:scaling>
+        <c:axPos val="b"/>
+        <c:tickLblPos val="nextTo"/>
+        <c:crossAx val="151772544"/>
+        <c:crosses val="autoZero"/>
+        <c:auto val="1"/>
+        <c:lblAlgn val="ctr"/>
+        <c:lblOffset val="100"/>
+      </c:catAx>
+      <c:valAx>
+        <c:axId val="151772544"/>
+        <c:scaling>
+          <c:orientation val="minMax"/>
+          <c:max val="2000"/>
+        </c:scaling>
+        <c:axPos val="l"/>
+        <c:majorGridlines/>
+        <c:numFmt formatCode="General" sourceLinked="1"/>
+        <c:tickLblPos val="nextTo"/>
+        <c:crossAx val="151769472"/>
+        <c:crosses val="autoZero"/>
+        <c:crossBetween val="between"/>
+      </c:valAx>
+    </c:plotArea>
+    <c:legend>
+      <c:legendPos val="r"/>
+      <c:layout/>
+    </c:legend>
+    <c:plotVisOnly val="1"/>
+  </c:chart>
+  <c:txPr>
+    <a:bodyPr/>
+    <a:lstStyle/>
+    <a:p>
+      <a:pPr>
+        <a:defRPr sz="1200" baseline="0"/>
+      </a:pPr>
+      <a:endParaRPr lang="en-US"/>
+    </a:p>
+  </c:txPr>
+  <c:externalData r:id="rId1"/>
+</c:chartSpace>
+</file>
+
 <file path=ppt/handoutMasters/handoutMaster1.xml><?xml version="1.0" encoding="utf-8"?>
 <p:handoutMaster xmlns:a="http://schemas.openxmlformats.org/drawingml/2006/main" xmlns:r="http://schemas.openxmlformats.org/officeDocument/2006/relationships" xmlns:p="http://schemas.openxmlformats.org/presentationml/2006/main">
   <p:cSld>
@@ -224,7 +397,7 @@
             <a:fld id="{ECDA3C7E-9757-49AD-A829-CE49D08EA01A}" type="datetimeFigureOut">
               <a:rPr lang="en-US" smtClean="0"/>
               <a:pPr/>
-              <a:t>6/16/2020</a:t>
+              <a:t>6/17/2020</a:t>
             </a:fld>
             <a:endParaRPr lang="en-US"/>
           </a:p>
@@ -387,7 +560,7 @@
             <a:fld id="{76F76426-EAA0-4377-8B9B-F33A7E35ADC2}" type="datetimeFigureOut">
               <a:rPr lang="en-US" smtClean="0"/>
               <a:pPr/>
-              <a:t>6/16/2020</a:t>
+              <a:t>6/17/2020</a:t>
             </a:fld>
             <a:endParaRPr lang="en-US"/>
           </a:p>
@@ -867,34 +1040,17 @@
           </a:bodyPr>
           <a:lstStyle/>
           <a:p>
-            <a:r>
-              <a:rPr lang="ro-RO" dirty="0" smtClean="0"/>
-              <a:t>Am calculat eroarea</a:t>
-            </a:r>
-            <a:r>
-              <a:rPr lang="ro-RO" baseline="0" dirty="0" smtClean="0"/>
-              <a:t> patratica medie pentru valorile brute la fiecare </a:t>
-            </a:r>
-            <a:r>
-              <a:rPr lang="ro-RO" baseline="0" dirty="0" smtClean="0"/>
-              <a:t>experiment</a:t>
-            </a:r>
-          </a:p>
-          <a:p>
-            <a:r>
-              <a:rPr lang="ro-RO" baseline="0" dirty="0" smtClean="0"/>
-              <a:t>	- am facut asta pentru a vedea gradul de imprastiere datelor de la senzor </a:t>
-            </a:r>
-            <a:endParaRPr lang="ro-RO" baseline="0" dirty="0" smtClean="0"/>
-          </a:p>
-          <a:p>
             <a:pPr>
               <a:buFontTx/>
               <a:buChar char="-"/>
             </a:pPr>
             <a:r>
+              <a:rPr lang="ro-RO" dirty="0" smtClean="0"/>
+              <a:t>Unii parametrii se imbunatatesc cand deschid geamul iar altii se inrautateesc</a:t>
+            </a:r>
+            <a:r>
               <a:rPr lang="ro-RO" baseline="0" dirty="0" smtClean="0"/>
-              <a:t>Aici sunt rezultatele finale </a:t>
+              <a:t> </a:t>
             </a:r>
           </a:p>
           <a:p>
@@ -902,25 +1058,6 @@
               <a:buFontTx/>
               <a:buChar char="-"/>
             </a:pPr>
-            <a:r>
-              <a:rPr lang="ro-RO" baseline="0" dirty="0" smtClean="0"/>
-              <a:t>- sunt doar niste numere .. Cum le explic mai bine ? Ce relevanta au ? </a:t>
-            </a:r>
-            <a:endParaRPr lang="ro-RO" baseline="0" dirty="0" smtClean="0"/>
-          </a:p>
-          <a:p>
-            <a:pPr>
-              <a:buFontTx/>
-              <a:buChar char="-"/>
-            </a:pPr>
-            <a:r>
-              <a:rPr lang="ro-RO" baseline="0" dirty="0" smtClean="0"/>
-              <a:t>   Ce e de facut cu senzorii care au varianta/eroare </a:t>
-            </a:r>
-            <a:r>
-              <a:rPr lang="ro-RO" baseline="0" smtClean="0"/>
-              <a:t>mare ??</a:t>
-            </a:r>
             <a:endParaRPr lang="en-US" dirty="0"/>
           </a:p>
         </p:txBody>
@@ -981,11 +1118,318 @@
           <a:p>
             <a:r>
               <a:rPr lang="ro-RO" dirty="0" smtClean="0"/>
-              <a:t>- Centralizare date – creare</a:t>
+              <a:t>Am calculat eroarea</a:t>
             </a:r>
             <a:r>
               <a:rPr lang="ro-RO" baseline="0" dirty="0" smtClean="0"/>
-              <a:t> retea de senzori – adunare date pentru </a:t>
+              <a:t> patratica medie pentru valorile brute la fiecare experiment</a:t>
+            </a:r>
+          </a:p>
+          <a:p>
+            <a:r>
+              <a:rPr lang="ro-RO" baseline="0" dirty="0" smtClean="0"/>
+              <a:t>	- am facut asta pentru a vedea gradul de imprastiere datelor de la senzor </a:t>
+            </a:r>
+            <a:r>
+              <a:rPr lang="ro-RO" baseline="0" dirty="0" smtClean="0"/>
+              <a:t>– sa vad care e mai bun care e mai zgomotos </a:t>
+            </a:r>
+            <a:endParaRPr lang="ro-RO" baseline="0" dirty="0" smtClean="0"/>
+          </a:p>
+          <a:p>
+            <a:pPr>
+              <a:buFontTx/>
+              <a:buChar char="-"/>
+            </a:pPr>
+            <a:r>
+              <a:rPr lang="ro-RO" baseline="0" dirty="0" smtClean="0"/>
+              <a:t> Aici </a:t>
+            </a:r>
+            <a:r>
+              <a:rPr lang="ro-RO" baseline="0" dirty="0" smtClean="0"/>
+              <a:t>sunt rezultatele finale </a:t>
+            </a:r>
+          </a:p>
+          <a:p>
+            <a:pPr>
+              <a:buFontTx/>
+              <a:buChar char="-"/>
+            </a:pPr>
+            <a:r>
+              <a:rPr lang="ro-RO" baseline="0" dirty="0" smtClean="0"/>
+              <a:t> Ce </a:t>
+            </a:r>
+            <a:r>
+              <a:rPr lang="ro-RO" baseline="0" dirty="0" smtClean="0"/>
+              <a:t>e de facut cu senzorii care au varianta/eroare mare </a:t>
+            </a:r>
+            <a:r>
+              <a:rPr lang="ro-RO" baseline="0" dirty="0" smtClean="0"/>
+              <a:t>??</a:t>
+            </a:r>
+          </a:p>
+          <a:p>
+            <a:pPr>
+              <a:buFontTx/>
+              <a:buNone/>
+            </a:pPr>
+            <a:r>
+              <a:rPr lang="ro-RO" baseline="0" dirty="0" smtClean="0"/>
+              <a:t>- Se vede ca W5 are stabilitaet putin mai buna ca si W4 per total</a:t>
+            </a:r>
+            <a:endParaRPr lang="en-US" baseline="0" dirty="0" smtClean="0"/>
+          </a:p>
+        </p:txBody>
+      </p:sp>
+    </p:spTree>
+  </p:cSld>
+  <p:clrMapOvr>
+    <a:masterClrMapping/>
+  </p:clrMapOvr>
+</p:notes>
+</file>
+
+<file path=ppt/notesSlides/notesSlide12.xml><?xml version="1.0" encoding="utf-8"?>
+<p:notes xmlns:a="http://schemas.openxmlformats.org/drawingml/2006/main" xmlns:r="http://schemas.openxmlformats.org/officeDocument/2006/relationships" xmlns:p="http://schemas.openxmlformats.org/presentationml/2006/main">
+  <p:cSld>
+    <p:spTree>
+      <p:nvGrpSpPr>
+        <p:cNvPr id="1" name=""/>
+        <p:cNvGrpSpPr/>
+        <p:nvPr/>
+      </p:nvGrpSpPr>
+      <p:grpSpPr>
+        <a:xfrm>
+          <a:off x="0" y="0"/>
+          <a:ext cx="0" cy="0"/>
+          <a:chOff x="0" y="0"/>
+          <a:chExt cx="0" cy="0"/>
+        </a:xfrm>
+      </p:grpSpPr>
+      <p:sp>
+        <p:nvSpPr>
+          <p:cNvPr id="2" name="Slide Image Placeholder 1"/>
+          <p:cNvSpPr>
+            <a:spLocks noGrp="1" noRot="1" noChangeAspect="1"/>
+          </p:cNvSpPr>
+          <p:nvPr>
+            <p:ph type="sldImg"/>
+          </p:nvPr>
+        </p:nvSpPr>
+        <p:spPr/>
+      </p:sp>
+      <p:sp>
+        <p:nvSpPr>
+          <p:cNvPr id="3" name="Notes Placeholder 2"/>
+          <p:cNvSpPr>
+            <a:spLocks noGrp="1"/>
+          </p:cNvSpPr>
+          <p:nvPr>
+            <p:ph type="body" idx="1"/>
+          </p:nvPr>
+        </p:nvSpPr>
+        <p:spPr/>
+        <p:txBody>
+          <a:bodyPr>
+            <a:normAutofit/>
+          </a:bodyPr>
+          <a:lstStyle/>
+          <a:p>
+            <a:pPr>
+              <a:buFontTx/>
+              <a:buChar char="-"/>
+            </a:pPr>
+            <a:r>
+              <a:rPr lang="en-US" dirty="0" err="1" smtClean="0"/>
+              <a:t>Ce</a:t>
+            </a:r>
+            <a:r>
+              <a:rPr lang="en-US" baseline="0" dirty="0" smtClean="0"/>
+              <a:t> mi-am </a:t>
+            </a:r>
+            <a:r>
+              <a:rPr lang="en-US" baseline="0" dirty="0" err="1" smtClean="0"/>
+              <a:t>propus</a:t>
+            </a:r>
+            <a:r>
+              <a:rPr lang="en-US" baseline="0" dirty="0" smtClean="0"/>
+              <a:t> .. </a:t>
+            </a:r>
+            <a:r>
+              <a:rPr lang="en-US" baseline="0" dirty="0" err="1" smtClean="0"/>
+              <a:t>Ce</a:t>
+            </a:r>
+            <a:r>
+              <a:rPr lang="en-US" baseline="0" dirty="0" smtClean="0"/>
+              <a:t> am </a:t>
+            </a:r>
+            <a:r>
+              <a:rPr lang="en-US" baseline="0" dirty="0" err="1" smtClean="0"/>
+              <a:t>realizat</a:t>
+            </a:r>
+            <a:endParaRPr lang="ro-RO" baseline="0" dirty="0" smtClean="0"/>
+          </a:p>
+          <a:p>
+            <a:pPr>
+              <a:buFontTx/>
+              <a:buChar char="-"/>
+            </a:pPr>
+            <a:endParaRPr lang="ro-RO" baseline="0" dirty="0" smtClean="0"/>
+          </a:p>
+          <a:p>
+            <a:pPr>
+              <a:buFontTx/>
+              <a:buChar char="-"/>
+            </a:pPr>
+            <a:r>
+              <a:rPr lang="ro-RO" baseline="0" dirty="0" smtClean="0"/>
+              <a:t>- Mi-am propus sa fac o aplicatie ce colecteaza date de la dispo. HW prin BLE  si ce permite analiza comparativa a</a:t>
+            </a:r>
+          </a:p>
+          <a:p>
+            <a:pPr>
+              <a:buFontTx/>
+              <a:buNone/>
+            </a:pPr>
+            <a:r>
+              <a:rPr lang="ro-RO" baseline="0" dirty="0" smtClean="0"/>
+              <a:t>Dispozitivelor </a:t>
+            </a:r>
+          </a:p>
+          <a:p>
+            <a:pPr>
+              <a:buFontTx/>
+              <a:buNone/>
+            </a:pPr>
+            <a:r>
+              <a:rPr lang="ro-RO" baseline="0" dirty="0" smtClean="0"/>
+              <a:t>- </a:t>
+            </a:r>
+          </a:p>
+        </p:txBody>
+      </p:sp>
+    </p:spTree>
+  </p:cSld>
+  <p:clrMapOvr>
+    <a:masterClrMapping/>
+  </p:clrMapOvr>
+</p:notes>
+</file>
+
+<file path=ppt/notesSlides/notesSlide13.xml><?xml version="1.0" encoding="utf-8"?>
+<p:notes xmlns:a="http://schemas.openxmlformats.org/drawingml/2006/main" xmlns:r="http://schemas.openxmlformats.org/officeDocument/2006/relationships" xmlns:p="http://schemas.openxmlformats.org/presentationml/2006/main">
+  <p:cSld>
+    <p:spTree>
+      <p:nvGrpSpPr>
+        <p:cNvPr id="1" name=""/>
+        <p:cNvGrpSpPr/>
+        <p:nvPr/>
+      </p:nvGrpSpPr>
+      <p:grpSpPr>
+        <a:xfrm>
+          <a:off x="0" y="0"/>
+          <a:ext cx="0" cy="0"/>
+          <a:chOff x="0" y="0"/>
+          <a:chExt cx="0" cy="0"/>
+        </a:xfrm>
+      </p:grpSpPr>
+      <p:sp>
+        <p:nvSpPr>
+          <p:cNvPr id="2" name="Slide Image Placeholder 1"/>
+          <p:cNvSpPr>
+            <a:spLocks noGrp="1" noRot="1" noChangeAspect="1"/>
+          </p:cNvSpPr>
+          <p:nvPr>
+            <p:ph type="sldImg"/>
+          </p:nvPr>
+        </p:nvSpPr>
+        <p:spPr/>
+      </p:sp>
+      <p:sp>
+        <p:nvSpPr>
+          <p:cNvPr id="3" name="Notes Placeholder 2"/>
+          <p:cNvSpPr>
+            <a:spLocks noGrp="1"/>
+          </p:cNvSpPr>
+          <p:nvPr>
+            <p:ph type="body" idx="1"/>
+          </p:nvPr>
+        </p:nvSpPr>
+        <p:spPr/>
+        <p:txBody>
+          <a:bodyPr>
+            <a:normAutofit/>
+          </a:bodyPr>
+          <a:lstStyle/>
+          <a:p>
+            <a:pPr>
+              <a:buFontTx/>
+              <a:buChar char="-"/>
+            </a:pPr>
+            <a:r>
+              <a:rPr lang="en-US" baseline="0" dirty="0" err="1" smtClean="0"/>
+              <a:t>Acesta</a:t>
+            </a:r>
+            <a:r>
+              <a:rPr lang="en-US" baseline="0" dirty="0" smtClean="0"/>
+              <a:t> </a:t>
+            </a:r>
+            <a:r>
+              <a:rPr lang="en-US" baseline="0" dirty="0" err="1" smtClean="0"/>
+              <a:t>va</a:t>
+            </a:r>
+            <a:r>
+              <a:rPr lang="en-US" baseline="0" dirty="0" smtClean="0"/>
+              <a:t> </a:t>
+            </a:r>
+            <a:r>
+              <a:rPr lang="en-US" baseline="0" dirty="0" err="1" smtClean="0"/>
+              <a:t>fi</a:t>
+            </a:r>
+            <a:r>
+              <a:rPr lang="en-US" baseline="0" dirty="0" smtClean="0"/>
+              <a:t> un </a:t>
+            </a:r>
+            <a:r>
+              <a:rPr lang="en-US" baseline="0" dirty="0" err="1" smtClean="0"/>
+              <a:t>proiect</a:t>
+            </a:r>
+            <a:r>
+              <a:rPr lang="en-US" baseline="0" dirty="0" smtClean="0"/>
+              <a:t> al </a:t>
+            </a:r>
+            <a:r>
+              <a:rPr lang="en-US" baseline="0" dirty="0" err="1" smtClean="0"/>
+              <a:t>scolii</a:t>
+            </a:r>
+            <a:r>
+              <a:rPr lang="en-US" baseline="0" dirty="0" smtClean="0"/>
+              <a:t> in care </a:t>
+            </a:r>
+            <a:endParaRPr lang="ro-RO" baseline="0" dirty="0" smtClean="0"/>
+          </a:p>
+          <a:p>
+            <a:pPr>
+              <a:buFontTx/>
+              <a:buChar char="-"/>
+            </a:pPr>
+            <a:endParaRPr lang="ro-RO" baseline="0" dirty="0" smtClean="0"/>
+          </a:p>
+          <a:p>
+            <a:pPr>
+              <a:buFontTx/>
+              <a:buChar char="-"/>
+            </a:pPr>
+            <a:endParaRPr lang="ro-RO" baseline="0" dirty="0" smtClean="0"/>
+          </a:p>
+          <a:p>
+            <a:pPr>
+              <a:buFontTx/>
+              <a:buChar char="-"/>
+            </a:pPr>
+            <a:r>
+              <a:rPr lang="ro-RO" baseline="0" dirty="0" smtClean="0"/>
+              <a:t>- Va multumesc pentru atentie</a:t>
             </a:r>
             <a:endParaRPr lang="en-US" dirty="0"/>
           </a:p>
@@ -1046,32 +1490,14 @@
           <a:lstStyle/>
           <a:p>
             <a:r>
-              <a:rPr lang="en-US" baseline="0" dirty="0" err="1" smtClean="0"/>
-              <a:t>Voi</a:t>
-            </a:r>
-            <a:r>
-              <a:rPr lang="en-US" baseline="0" dirty="0" smtClean="0"/>
-              <a:t> </a:t>
-            </a:r>
-            <a:r>
-              <a:rPr lang="en-US" baseline="0" dirty="0" err="1" smtClean="0"/>
-              <a:t>trece</a:t>
-            </a:r>
-            <a:r>
-              <a:rPr lang="en-US" baseline="0" dirty="0" smtClean="0"/>
-              <a:t> </a:t>
-            </a:r>
-            <a:r>
-              <a:rPr lang="en-US" baseline="0" dirty="0" err="1" smtClean="0"/>
-              <a:t>prin</a:t>
-            </a:r>
-            <a:r>
-              <a:rPr lang="ro-RO" baseline="0" dirty="0"/>
-              <a:t>	</a:t>
-            </a:r>
-            <a:r>
               <a:rPr lang="ro-RO" baseline="0" dirty="0" smtClean="0"/>
-              <a:t>...</a:t>
+              <a:t>Vom vedea , contextul, stadiul actual, dezvoltarea si cercetarea problemei , </a:t>
+            </a:r>
+          </a:p>
+          <a:p>
+            <a:r>
+              <a:rPr lang="ro-RO" baseline="0" dirty="0" smtClean="0"/>
+              <a:t>Arhitercura, si functionalitatile de baza ale aplicatiei, Rezultate si concluzii</a:t>
             </a:r>
             <a:r>
               <a:rPr lang="ro-RO" baseline="0" dirty="0"/>
@@ -1143,6 +1569,86 @@
               <a:rPr lang="ro-RO" baseline="0" dirty="0" smtClean="0"/>
               <a:t> e legat de calitate aer si poluare </a:t>
             </a:r>
+            <a:r>
+              <a:rPr lang="en-US" baseline="0" dirty="0" smtClean="0"/>
+              <a:t>– </a:t>
+            </a:r>
+            <a:r>
+              <a:rPr lang="en-US" baseline="0" dirty="0" err="1" smtClean="0"/>
+              <a:t>mor</a:t>
+            </a:r>
+            <a:r>
+              <a:rPr lang="en-US" baseline="0" dirty="0" smtClean="0"/>
+              <a:t> </a:t>
+            </a:r>
+            <a:r>
+              <a:rPr lang="en-US" baseline="0" dirty="0" err="1" smtClean="0"/>
+              <a:t>atatia</a:t>
+            </a:r>
+            <a:r>
+              <a:rPr lang="en-US" baseline="0" dirty="0" smtClean="0"/>
+              <a:t> din </a:t>
+            </a:r>
+            <a:r>
+              <a:rPr lang="en-US" baseline="0" dirty="0" err="1" smtClean="0"/>
+              <a:t>cauza</a:t>
+            </a:r>
+            <a:r>
+              <a:rPr lang="en-US" baseline="0" dirty="0" smtClean="0"/>
+              <a:t> </a:t>
+            </a:r>
+            <a:r>
+              <a:rPr lang="en-US" baseline="0" dirty="0" err="1" smtClean="0"/>
+              <a:t>afectiunii</a:t>
+            </a:r>
+            <a:r>
+              <a:rPr lang="en-US" baseline="0" dirty="0" smtClean="0"/>
+              <a:t> </a:t>
+            </a:r>
+            <a:r>
+              <a:rPr lang="en-US" baseline="0" dirty="0" err="1" smtClean="0"/>
+              <a:t>cauzate</a:t>
+            </a:r>
+            <a:r>
+              <a:rPr lang="en-US" baseline="0" dirty="0" smtClean="0"/>
+              <a:t> de </a:t>
+            </a:r>
+            <a:r>
+              <a:rPr lang="en-US" baseline="0" dirty="0" err="1" smtClean="0"/>
+              <a:t>poluare</a:t>
+            </a:r>
+            <a:r>
+              <a:rPr lang="en-US" baseline="0" dirty="0" smtClean="0"/>
+              <a:t> – </a:t>
+            </a:r>
+            <a:r>
+              <a:rPr lang="en-US" baseline="0" dirty="0" err="1" smtClean="0"/>
+              <a:t>boli</a:t>
+            </a:r>
+            <a:r>
+              <a:rPr lang="en-US" baseline="0" dirty="0" smtClean="0"/>
+              <a:t>, </a:t>
+            </a:r>
+            <a:r>
+              <a:rPr lang="en-US" baseline="0" dirty="0" err="1" smtClean="0"/>
+              <a:t>costuri</a:t>
+            </a:r>
+            <a:r>
+              <a:rPr lang="en-US" baseline="0" dirty="0" smtClean="0"/>
+              <a:t> </a:t>
+            </a:r>
+            <a:r>
+              <a:rPr lang="en-US" baseline="0" dirty="0" err="1" smtClean="0"/>
+              <a:t>mari</a:t>
+            </a:r>
+            <a:r>
+              <a:rPr lang="en-US" baseline="0" dirty="0" smtClean="0"/>
+              <a:t> in </a:t>
+            </a:r>
+            <a:r>
+              <a:rPr lang="en-US" baseline="0" dirty="0" err="1" smtClean="0"/>
+              <a:t>sanatate</a:t>
+            </a:r>
             <a:endParaRPr lang="en-US" baseline="0" dirty="0" smtClean="0"/>
           </a:p>
           <a:p>
@@ -1150,8 +1656,265 @@
           </a:p>
           <a:p>
             <a:r>
-              <a:rPr lang="en-US" baseline="0" dirty="0" smtClean="0"/>
-              <a:t>- Local -&gt; </a:t>
+              <a:rPr lang="en-US" baseline="0" dirty="0" err="1" smtClean="0"/>
+              <a:t>Problema</a:t>
+            </a:r>
+            <a:r>
+              <a:rPr lang="en-US" baseline="0" dirty="0" smtClean="0"/>
+              <a:t> :  </a:t>
+            </a:r>
+            <a:r>
+              <a:rPr lang="en-US" baseline="0" dirty="0" err="1" smtClean="0"/>
+              <a:t>Statii</a:t>
+            </a:r>
+            <a:r>
+              <a:rPr lang="en-US" baseline="0" dirty="0" smtClean="0"/>
+              <a:t>, </a:t>
+            </a:r>
+            <a:r>
+              <a:rPr lang="en-US" baseline="0" dirty="0" err="1" smtClean="0"/>
+              <a:t>Exista</a:t>
+            </a:r>
+            <a:r>
+              <a:rPr lang="en-US" baseline="0" dirty="0" smtClean="0"/>
+              <a:t> </a:t>
+            </a:r>
+            <a:r>
+              <a:rPr lang="en-US" baseline="0" dirty="0" err="1" smtClean="0"/>
+              <a:t>deja</a:t>
+            </a:r>
+            <a:r>
+              <a:rPr lang="en-US" baseline="0" dirty="0" smtClean="0"/>
+              <a:t> </a:t>
+            </a:r>
+            <a:r>
+              <a:rPr lang="en-US" baseline="0" dirty="0" err="1" smtClean="0"/>
+              <a:t>pe</a:t>
+            </a:r>
+            <a:r>
+              <a:rPr lang="en-US" baseline="0" dirty="0" smtClean="0"/>
+              <a:t> </a:t>
+            </a:r>
+            <a:r>
+              <a:rPr lang="en-US" baseline="0" dirty="0" err="1" smtClean="0"/>
+              <a:t>piata</a:t>
+            </a:r>
+            <a:r>
+              <a:rPr lang="en-US" baseline="0" dirty="0" smtClean="0"/>
+              <a:t> </a:t>
+            </a:r>
+            <a:r>
+              <a:rPr lang="en-US" baseline="0" dirty="0" err="1" smtClean="0"/>
+              <a:t>dispozitive</a:t>
+            </a:r>
+            <a:r>
+              <a:rPr lang="en-US" baseline="0" dirty="0" smtClean="0"/>
+              <a:t> de </a:t>
+            </a:r>
+            <a:r>
+              <a:rPr lang="en-US" baseline="0" dirty="0" err="1" smtClean="0"/>
+              <a:t>masurare</a:t>
+            </a:r>
+            <a:r>
+              <a:rPr lang="en-US" baseline="0" dirty="0" smtClean="0"/>
+              <a:t> AQI  </a:t>
+            </a:r>
+            <a:r>
+              <a:rPr lang="en-US" baseline="0" dirty="0" err="1" smtClean="0"/>
+              <a:t>doar</a:t>
+            </a:r>
+            <a:r>
+              <a:rPr lang="en-US" baseline="0" dirty="0" smtClean="0"/>
+              <a:t> ca au </a:t>
+            </a:r>
+            <a:r>
+              <a:rPr lang="en-US" baseline="0" dirty="0" err="1" smtClean="0"/>
+              <a:t>calitate</a:t>
+            </a:r>
+            <a:r>
+              <a:rPr lang="en-US" baseline="0" dirty="0" smtClean="0"/>
+              <a:t> </a:t>
+            </a:r>
+            <a:r>
+              <a:rPr lang="en-US" baseline="0" dirty="0" err="1" smtClean="0"/>
+              <a:t>mult</a:t>
+            </a:r>
+            <a:r>
+              <a:rPr lang="en-US" baseline="0" dirty="0" smtClean="0"/>
+              <a:t> </a:t>
+            </a:r>
+            <a:r>
+              <a:rPr lang="en-US" baseline="0" dirty="0" err="1" smtClean="0"/>
+              <a:t>redusa</a:t>
+            </a:r>
+            <a:r>
+              <a:rPr lang="en-US" baseline="0" dirty="0" smtClean="0"/>
+              <a:t> </a:t>
+            </a:r>
+            <a:r>
+              <a:rPr lang="en-US" baseline="0" dirty="0" err="1" smtClean="0"/>
+              <a:t>fata</a:t>
+            </a:r>
+            <a:r>
+              <a:rPr lang="en-US" baseline="0" dirty="0" smtClean="0"/>
+              <a:t> de </a:t>
+            </a:r>
+            <a:r>
+              <a:rPr lang="en-US" baseline="0" dirty="0" err="1" smtClean="0"/>
+              <a:t>staiile</a:t>
+            </a:r>
+            <a:r>
+              <a:rPr lang="en-US" baseline="0" dirty="0" smtClean="0"/>
+              <a:t> fixe</a:t>
+            </a:r>
+            <a:r>
+              <a:rPr lang="ro-RO" baseline="0" dirty="0" smtClean="0"/>
+              <a:t>,</a:t>
+            </a:r>
+          </a:p>
+          <a:p>
+            <a:r>
+              <a:rPr lang="ro-RO" baseline="0" dirty="0" smtClean="0"/>
+              <a:t>	Utilizatorul nu stie cat se poate baza pe astfel de dispozitive</a:t>
+            </a:r>
+            <a:endParaRPr lang="en-US" baseline="0" dirty="0" smtClean="0"/>
+          </a:p>
+          <a:p>
+            <a:r>
+              <a:rPr lang="en-US" baseline="0" dirty="0" smtClean="0"/>
+              <a:t>	</a:t>
+            </a:r>
+            <a:r>
+              <a:rPr lang="en-US" baseline="0" dirty="0" err="1" smtClean="0"/>
+              <a:t>Scopu</a:t>
+            </a:r>
+            <a:r>
+              <a:rPr lang="en-US" baseline="0" dirty="0" smtClean="0"/>
+              <a:t> </a:t>
+            </a:r>
+            <a:r>
+              <a:rPr lang="en-US" baseline="0" dirty="0" err="1" smtClean="0"/>
+              <a:t>meu</a:t>
+            </a:r>
+            <a:r>
+              <a:rPr lang="en-US" baseline="0" dirty="0" smtClean="0"/>
+              <a:t> a </a:t>
+            </a:r>
+            <a:r>
+              <a:rPr lang="en-US" baseline="0" dirty="0" err="1" smtClean="0"/>
+              <a:t>fost</a:t>
+            </a:r>
+            <a:r>
+              <a:rPr lang="en-US" baseline="0" dirty="0" smtClean="0"/>
+              <a:t> </a:t>
+            </a:r>
+            <a:r>
+              <a:rPr lang="en-US" baseline="0" dirty="0" err="1" smtClean="0"/>
+              <a:t>sa</a:t>
+            </a:r>
+            <a:r>
+              <a:rPr lang="en-US" baseline="0" dirty="0" smtClean="0"/>
+              <a:t> </a:t>
+            </a:r>
+            <a:r>
+              <a:rPr lang="en-US" baseline="0" dirty="0" err="1" smtClean="0"/>
+              <a:t>fac</a:t>
+            </a:r>
+            <a:r>
+              <a:rPr lang="en-US" baseline="0" dirty="0" smtClean="0"/>
+              <a:t> o </a:t>
+            </a:r>
+            <a:r>
+              <a:rPr lang="en-US" baseline="0" dirty="0" err="1" smtClean="0"/>
+              <a:t>aplicatie</a:t>
+            </a:r>
+            <a:r>
+              <a:rPr lang="en-US" baseline="0" dirty="0" smtClean="0"/>
+              <a:t> cu care </a:t>
+            </a:r>
+            <a:r>
+              <a:rPr lang="en-US" baseline="0" dirty="0" err="1" smtClean="0"/>
+              <a:t>sa</a:t>
+            </a:r>
+            <a:r>
+              <a:rPr lang="en-US" baseline="0" dirty="0" smtClean="0"/>
+              <a:t> </a:t>
+            </a:r>
+            <a:r>
+              <a:rPr lang="en-US" baseline="0" dirty="0" err="1" smtClean="0"/>
+              <a:t>analizez</a:t>
+            </a:r>
+            <a:r>
+              <a:rPr lang="en-US" baseline="0" dirty="0" smtClean="0"/>
+              <a:t> </a:t>
+            </a:r>
+            <a:r>
+              <a:rPr lang="en-US" baseline="0" dirty="0" err="1" smtClean="0"/>
+              <a:t>acuratetea</a:t>
+            </a:r>
+            <a:r>
+              <a:rPr lang="en-US" baseline="0" dirty="0" smtClean="0"/>
+              <a:t> </a:t>
+            </a:r>
+            <a:r>
+              <a:rPr lang="en-US" baseline="0" dirty="0" err="1" smtClean="0"/>
+              <a:t>datelor</a:t>
+            </a:r>
+            <a:r>
+              <a:rPr lang="en-US" baseline="0" dirty="0" smtClean="0"/>
+              <a:t> de la </a:t>
+            </a:r>
+            <a:r>
+              <a:rPr lang="en-US" baseline="0" dirty="0" err="1" smtClean="0"/>
+              <a:t>astfel</a:t>
+            </a:r>
+            <a:r>
+              <a:rPr lang="en-US" baseline="0" dirty="0" smtClean="0"/>
+              <a:t> de </a:t>
+            </a:r>
+            <a:r>
+              <a:rPr lang="en-US" baseline="0" dirty="0" err="1" smtClean="0"/>
+              <a:t>dispozitive</a:t>
+            </a:r>
+            <a:endParaRPr lang="ro-RO" baseline="0" dirty="0" smtClean="0"/>
+          </a:p>
+          <a:p>
+            <a:endParaRPr lang="ro-RO" baseline="0" dirty="0" smtClean="0"/>
+          </a:p>
+          <a:p>
+            <a:r>
+              <a:rPr lang="ro-RO" baseline="0" dirty="0" smtClean="0"/>
+              <a:t>Solutie : -  App mobila pentru monitrizare aer, legata la disp portabil cu senzori poluare , destinata pt cercetare in cadrul </a:t>
+            </a:r>
+          </a:p>
+          <a:p>
+            <a:r>
+              <a:rPr lang="ro-RO" baseline="0" dirty="0" smtClean="0"/>
+              <a:t>facultatii</a:t>
+            </a:r>
+            <a:endParaRPr lang="en-US" baseline="0" dirty="0" smtClean="0"/>
+          </a:p>
+          <a:p>
+            <a:endParaRPr lang="en-US" baseline="0" dirty="0" smtClean="0"/>
+          </a:p>
+          <a:p>
+            <a:endParaRPr lang="en-US" baseline="0" dirty="0" smtClean="0"/>
+          </a:p>
+          <a:p>
+            <a:endParaRPr lang="en-US" baseline="0" dirty="0" smtClean="0"/>
+          </a:p>
+          <a:p>
+            <a:pPr>
+              <a:buFontTx/>
+              <a:buChar char="-"/>
+            </a:pPr>
+            <a:r>
+              <a:rPr lang="en-US" baseline="0" dirty="0" smtClean="0"/>
+              <a:t> Local </a:t>
+            </a:r>
+            <a:r>
+              <a:rPr lang="en-US" baseline="0" dirty="0" smtClean="0"/>
+              <a:t>-&gt; </a:t>
             </a:r>
             <a:r>
               <a:rPr lang="en-US" baseline="0" dirty="0" err="1" smtClean="0"/>
@@ -1173,6 +1936,47 @@
               <a:rPr lang="en-US" baseline="0" dirty="0" err="1" smtClean="0"/>
               <a:t>utilizatorululi</a:t>
             </a:r>
+            <a:endParaRPr lang="en-US" baseline="0" dirty="0" smtClean="0"/>
+          </a:p>
+          <a:p>
+            <a:pPr>
+              <a:buFontTx/>
+              <a:buChar char="-"/>
+            </a:pPr>
+            <a:endParaRPr lang="en-US" baseline="0" dirty="0" smtClean="0"/>
+          </a:p>
+          <a:p>
+            <a:pPr marL="0" marR="0" lvl="1" indent="0" algn="l" defTabSz="914400" rtl="0" eaLnBrk="1" fontAlgn="auto" latinLnBrk="0" hangingPunct="1">
+              <a:lnSpc>
+                <a:spcPct val="100000"/>
+              </a:lnSpc>
+              <a:spcBef>
+                <a:spcPts val="0"/>
+              </a:spcBef>
+              <a:spcAft>
+                <a:spcPts val="0"/>
+              </a:spcAft>
+              <a:buClrTx/>
+              <a:buSzTx/>
+              <a:buFontTx/>
+              <a:buChar char="-"/>
+              <a:tabLst/>
+              <a:defRPr/>
+            </a:pPr>
+            <a:r>
+              <a:rPr lang="en-US" baseline="0" dirty="0" smtClean="0"/>
+              <a:t>&gt; </a:t>
+            </a:r>
+            <a:r>
+              <a:rPr lang="ro-RO" sz="1600" dirty="0" smtClean="0"/>
+              <a:t>Dispozitive existente – date cu curatete redusă  -: </a:t>
+            </a:r>
+          </a:p>
+          <a:p>
+            <a:pPr>
+              <a:buFontTx/>
+              <a:buChar char="-"/>
+            </a:pPr>
             <a:endParaRPr lang="ro-RO" baseline="0" dirty="0" smtClean="0"/>
           </a:p>
           <a:p>
@@ -1367,42 +2171,162 @@
             </a:r>
             <a:r>
               <a:rPr lang="en-US" baseline="0" dirty="0" smtClean="0"/>
-              <a:t> mare ,nu local</a:t>
+              <a:t> mare ,nu </a:t>
+            </a:r>
+            <a:r>
+              <a:rPr lang="en-US" baseline="0" dirty="0" smtClean="0"/>
+              <a:t>local</a:t>
+            </a:r>
+          </a:p>
+          <a:p>
+            <a:pPr>
+              <a:buFontTx/>
+              <a:buChar char="-"/>
+            </a:pPr>
+            <a:r>
+              <a:rPr lang="en-US" baseline="0" dirty="0" smtClean="0"/>
+              <a:t>-</a:t>
+            </a:r>
+            <a:r>
+              <a:rPr lang="en-US" baseline="0" dirty="0" err="1" smtClean="0"/>
+              <a:t>Acestea</a:t>
+            </a:r>
+            <a:r>
+              <a:rPr lang="en-US" baseline="0" dirty="0" smtClean="0"/>
+              <a:t> nu </a:t>
+            </a:r>
+            <a:r>
+              <a:rPr lang="en-US" baseline="0" dirty="0" err="1" smtClean="0"/>
+              <a:t>sunt</a:t>
+            </a:r>
+            <a:r>
+              <a:rPr lang="en-US" baseline="0" dirty="0" smtClean="0"/>
+              <a:t> legate la </a:t>
+            </a:r>
+            <a:r>
+              <a:rPr lang="en-US" baseline="0" dirty="0" err="1" smtClean="0"/>
+              <a:t>aplicatie</a:t>
+            </a:r>
+            <a:r>
+              <a:rPr lang="en-US" baseline="0" dirty="0" smtClean="0"/>
+              <a:t> </a:t>
+            </a:r>
+            <a:r>
+              <a:rPr lang="en-US" baseline="0" dirty="0" err="1" smtClean="0"/>
+              <a:t>mobila</a:t>
+            </a:r>
+            <a:r>
+              <a:rPr lang="en-US" baseline="0" dirty="0" smtClean="0"/>
+              <a:t>  - </a:t>
+            </a:r>
+            <a:r>
+              <a:rPr lang="en-US" baseline="0" dirty="0" err="1" smtClean="0"/>
+              <a:t>terbuie</a:t>
+            </a:r>
+            <a:r>
+              <a:rPr lang="en-US" baseline="0" dirty="0" smtClean="0"/>
+              <a:t> </a:t>
+            </a:r>
+            <a:r>
+              <a:rPr lang="en-US" baseline="0" dirty="0" err="1" smtClean="0"/>
+              <a:t>intrat</a:t>
+            </a:r>
+            <a:r>
+              <a:rPr lang="en-US" baseline="0" dirty="0" smtClean="0"/>
+              <a:t> web </a:t>
+            </a:r>
+            <a:r>
+              <a:rPr lang="en-US" baseline="0" dirty="0" err="1" smtClean="0"/>
+              <a:t>sa</a:t>
+            </a:r>
+            <a:r>
+              <a:rPr lang="en-US" baseline="0" dirty="0" smtClean="0"/>
+              <a:t> </a:t>
+            </a:r>
+            <a:r>
+              <a:rPr lang="en-US" baseline="0" dirty="0" err="1" smtClean="0"/>
+              <a:t>vezi</a:t>
+            </a:r>
+            <a:r>
+              <a:rPr lang="en-US" baseline="0" dirty="0" smtClean="0"/>
+              <a:t> </a:t>
+            </a:r>
+            <a:r>
+              <a:rPr lang="en-US" baseline="0" dirty="0" err="1" smtClean="0"/>
+              <a:t>rezultate</a:t>
+            </a:r>
+            <a:r>
+              <a:rPr lang="ro-RO" baseline="0" dirty="0" smtClean="0"/>
+              <a:t> – nu sunt portabile </a:t>
+            </a:r>
+            <a:r>
+              <a:rPr lang="en-US" baseline="0" dirty="0" smtClean="0"/>
+              <a:t> </a:t>
             </a:r>
             <a:endParaRPr lang="ro-RO" dirty="0" smtClean="0"/>
           </a:p>
           <a:p>
+            <a:r>
+              <a:rPr lang="en-US" dirty="0" smtClean="0"/>
+              <a:t>-</a:t>
+            </a:r>
+            <a:r>
+              <a:rPr lang="en-US" baseline="0" dirty="0" smtClean="0"/>
+              <a:t> NU </a:t>
+            </a:r>
+            <a:r>
+              <a:rPr lang="en-US" baseline="0" dirty="0" err="1" smtClean="0"/>
+              <a:t>exista</a:t>
+            </a:r>
+            <a:r>
+              <a:rPr lang="en-US" baseline="0" dirty="0" smtClean="0"/>
+              <a:t> </a:t>
+            </a:r>
+            <a:r>
+              <a:rPr lang="en-US" baseline="0" dirty="0" err="1" smtClean="0"/>
+              <a:t>aplicatii</a:t>
+            </a:r>
+            <a:r>
+              <a:rPr lang="en-US" baseline="0" dirty="0" smtClean="0"/>
+              <a:t> mobile </a:t>
+            </a:r>
+            <a:r>
+              <a:rPr lang="en-US" baseline="0" dirty="0" err="1" smtClean="0"/>
+              <a:t>pentru</a:t>
+            </a:r>
+            <a:r>
+              <a:rPr lang="en-US" baseline="0" dirty="0" smtClean="0"/>
+              <a:t> </a:t>
+            </a:r>
+            <a:r>
+              <a:rPr lang="en-US" baseline="0" dirty="0" err="1" smtClean="0"/>
+              <a:t>elel</a:t>
+            </a:r>
             <a:endParaRPr lang="ro-RO" dirty="0" smtClean="0"/>
           </a:p>
           <a:p>
+            <a:endParaRPr lang="en-US" dirty="0" smtClean="0"/>
+          </a:p>
+          <a:p>
             <a:r>
               <a:rPr lang="en-US" dirty="0" smtClean="0"/>
-              <a:t>Pun </a:t>
+              <a:t>AQI</a:t>
+            </a:r>
+            <a:r>
+              <a:rPr lang="en-US" baseline="0" dirty="0" smtClean="0"/>
+              <a:t> = </a:t>
+            </a:r>
+            <a:r>
+              <a:rPr lang="en-US" dirty="0" smtClean="0"/>
+              <a:t>Index de </a:t>
             </a:r>
             <a:r>
               <a:rPr lang="en-US" dirty="0" err="1" smtClean="0"/>
-              <a:t>Numele</a:t>
-            </a:r>
-            <a:r>
-              <a:rPr lang="en-US" dirty="0" smtClean="0"/>
-              <a:t> </a:t>
-            </a:r>
-            <a:r>
-              <a:rPr lang="en-US" dirty="0" err="1" smtClean="0"/>
-              <a:t>articolelor</a:t>
-            </a:r>
-            <a:r>
-              <a:rPr lang="en-US" dirty="0" smtClean="0"/>
-              <a:t> ? </a:t>
-            </a:r>
-            <a:r>
-              <a:rPr lang="en-US" dirty="0" err="1" smtClean="0"/>
-              <a:t>Autori</a:t>
-            </a:r>
-            <a:r>
-              <a:rPr lang="en-US" dirty="0" smtClean="0"/>
-              <a:t> ? </a:t>
-            </a:r>
+              <a:t>calitate</a:t>
+            </a:r>
+            <a:endParaRPr lang="en-US" dirty="0" smtClean="0"/>
+          </a:p>
+          <a:p>
             <a:endParaRPr lang="en-US" dirty="0"/>
           </a:p>
         </p:txBody>
@@ -1766,13 +2690,257 @@
           </a:bodyPr>
           <a:lstStyle/>
           <a:p>
-            <a:r>
-              <a:rPr lang="ro-RO" dirty="0" smtClean="0"/>
-              <a:t>Pun</a:t>
-            </a:r>
+            <a:pPr marL="0" marR="0" lvl="2" indent="0" algn="l" defTabSz="914400" rtl="0" eaLnBrk="1" fontAlgn="auto" latinLnBrk="0" hangingPunct="1">
+              <a:lnSpc>
+                <a:spcPct val="100000"/>
+              </a:lnSpc>
+              <a:spcBef>
+                <a:spcPts val="0"/>
+              </a:spcBef>
+              <a:spcAft>
+                <a:spcPts val="0"/>
+              </a:spcAft>
+              <a:buClrTx/>
+              <a:buSzTx/>
+              <a:buFontTx/>
+              <a:buNone/>
+              <a:tabLst/>
+              <a:defRPr/>
+            </a:pPr>
+            <a:r>
+              <a:rPr lang="en-US" baseline="0" dirty="0" smtClean="0"/>
+              <a:t>Cum am </a:t>
+            </a:r>
+            <a:r>
+              <a:rPr lang="en-US" baseline="0" dirty="0" err="1" smtClean="0"/>
+              <a:t>calculat</a:t>
+            </a:r>
+            <a:r>
+              <a:rPr lang="en-US" baseline="0" dirty="0" smtClean="0"/>
+              <a:t> ? </a:t>
+            </a:r>
+          </a:p>
+          <a:p>
+            <a:pPr marL="0" marR="0" lvl="2" indent="0" algn="l" defTabSz="914400" rtl="0" eaLnBrk="1" fontAlgn="auto" latinLnBrk="0" hangingPunct="1">
+              <a:lnSpc>
+                <a:spcPct val="100000"/>
+              </a:lnSpc>
+              <a:spcBef>
+                <a:spcPts val="0"/>
+              </a:spcBef>
+              <a:spcAft>
+                <a:spcPts val="0"/>
+              </a:spcAft>
+              <a:buClrTx/>
+              <a:buSzTx/>
+              <a:buFontTx/>
+              <a:buChar char="-"/>
+              <a:tabLst/>
+              <a:defRPr/>
+            </a:pPr>
             <a:r>
               <a:rPr lang="ro-RO" baseline="0" dirty="0" smtClean="0"/>
-              <a:t> slide-u asta ? </a:t>
+              <a:t>-</a:t>
+            </a:r>
+            <a:r>
+              <a:rPr lang="en-US" baseline="0" dirty="0" smtClean="0"/>
+              <a:t>&gt;Am </a:t>
+            </a:r>
+            <a:r>
+              <a:rPr lang="en-US" baseline="0" dirty="0" err="1" smtClean="0"/>
+              <a:t>pornit</a:t>
+            </a:r>
+            <a:r>
+              <a:rPr lang="en-US" baseline="0" dirty="0" smtClean="0"/>
+              <a:t> de la  date brute-&gt; am </a:t>
+            </a:r>
+            <a:r>
+              <a:rPr lang="en-US" baseline="0" dirty="0" err="1" smtClean="0"/>
+              <a:t>aplicat</a:t>
+            </a:r>
+            <a:r>
+              <a:rPr lang="en-US" baseline="0" dirty="0" smtClean="0"/>
+              <a:t> </a:t>
+            </a:r>
+            <a:r>
+              <a:rPr lang="en-US" baseline="0" dirty="0" err="1" smtClean="0"/>
+              <a:t>formule</a:t>
+            </a:r>
+            <a:r>
+              <a:rPr lang="en-US" baseline="0" dirty="0" smtClean="0"/>
+              <a:t>( </a:t>
+            </a:r>
+            <a:r>
+              <a:rPr lang="en-US" baseline="0" dirty="0" err="1" smtClean="0"/>
+              <a:t>ce</a:t>
+            </a:r>
+            <a:r>
+              <a:rPr lang="en-US" baseline="0" dirty="0" smtClean="0"/>
+              <a:t> </a:t>
+            </a:r>
+            <a:r>
+              <a:rPr lang="en-US" baseline="0" dirty="0" err="1" smtClean="0"/>
+              <a:t>iau</a:t>
+            </a:r>
+            <a:r>
+              <a:rPr lang="en-US" baseline="0" dirty="0" smtClean="0"/>
+              <a:t> in </a:t>
+            </a:r>
+            <a:r>
+              <a:rPr lang="en-US" baseline="0" dirty="0" err="1" smtClean="0"/>
+              <a:t>calcul</a:t>
+            </a:r>
+            <a:r>
+              <a:rPr lang="en-US" baseline="0" dirty="0" smtClean="0"/>
+              <a:t> </a:t>
+            </a:r>
+            <a:r>
+              <a:rPr lang="en-US" baseline="0" dirty="0" err="1" smtClean="0"/>
+              <a:t>rezistente</a:t>
+            </a:r>
+            <a:r>
+              <a:rPr lang="en-US" baseline="0" dirty="0" smtClean="0"/>
+              <a:t>, date </a:t>
+            </a:r>
+            <a:r>
+              <a:rPr lang="en-US" baseline="0" dirty="0" err="1" smtClean="0"/>
+              <a:t>senzori</a:t>
+            </a:r>
+            <a:r>
+              <a:rPr lang="en-US" baseline="0" dirty="0" smtClean="0"/>
+              <a:t>, </a:t>
+            </a:r>
+            <a:r>
+              <a:rPr lang="en-US" baseline="0" dirty="0" err="1" smtClean="0"/>
+              <a:t>senzitivitate</a:t>
+            </a:r>
+            <a:r>
+              <a:rPr lang="en-US" baseline="0" dirty="0" smtClean="0"/>
+              <a:t>, </a:t>
+            </a:r>
+            <a:r>
+              <a:rPr lang="en-US" baseline="0" dirty="0" err="1" smtClean="0"/>
+              <a:t>compensare</a:t>
+            </a:r>
+            <a:r>
+              <a:rPr lang="en-US" baseline="0" dirty="0" smtClean="0"/>
+              <a:t> </a:t>
+            </a:r>
+            <a:r>
+              <a:rPr lang="en-US" baseline="0" dirty="0" err="1" smtClean="0"/>
+              <a:t>temperatura</a:t>
+            </a:r>
+            <a:r>
+              <a:rPr lang="en-US" baseline="0" dirty="0" smtClean="0"/>
+              <a:t>) -&gt; </a:t>
+            </a:r>
+            <a:r>
+              <a:rPr lang="en-US" baseline="0" dirty="0" err="1" smtClean="0"/>
+              <a:t>normalizate</a:t>
+            </a:r>
+            <a:r>
+              <a:rPr lang="en-US" baseline="0" dirty="0" smtClean="0"/>
+              <a:t> in </a:t>
+            </a:r>
+            <a:r>
+              <a:rPr lang="en-US" baseline="0" dirty="0" err="1" smtClean="0"/>
+              <a:t>valori</a:t>
+            </a:r>
+            <a:r>
+              <a:rPr lang="en-US" baseline="0" dirty="0" smtClean="0"/>
+              <a:t> standard – care pot </a:t>
+            </a:r>
+            <a:r>
+              <a:rPr lang="en-US" baseline="0" dirty="0" err="1" smtClean="0"/>
+              <a:t>fi</a:t>
+            </a:r>
+            <a:r>
+              <a:rPr lang="en-US" baseline="0" dirty="0" smtClean="0"/>
+              <a:t> </a:t>
+            </a:r>
+            <a:r>
+              <a:rPr lang="en-US" baseline="0" dirty="0" err="1" smtClean="0"/>
+              <a:t>intelese</a:t>
+            </a:r>
+            <a:r>
+              <a:rPr lang="en-US" baseline="0" dirty="0" smtClean="0"/>
+              <a:t> de </a:t>
+            </a:r>
+            <a:r>
+              <a:rPr lang="en-US" baseline="0" dirty="0" err="1" smtClean="0"/>
+              <a:t>utilizator</a:t>
+            </a:r>
+            <a:endParaRPr lang="en-US" baseline="0" dirty="0" smtClean="0"/>
+          </a:p>
+          <a:p>
+            <a:pPr marL="0" marR="0" lvl="2" indent="0" algn="l" defTabSz="914400" rtl="0" eaLnBrk="1" fontAlgn="auto" latinLnBrk="0" hangingPunct="1">
+              <a:lnSpc>
+                <a:spcPct val="100000"/>
+              </a:lnSpc>
+              <a:spcBef>
+                <a:spcPts val="0"/>
+              </a:spcBef>
+              <a:spcAft>
+                <a:spcPts val="0"/>
+              </a:spcAft>
+              <a:buClrTx/>
+              <a:buSzTx/>
+              <a:buFontTx/>
+              <a:buChar char="-"/>
+              <a:tabLst/>
+              <a:defRPr/>
+            </a:pPr>
+            <a:r>
+              <a:rPr lang="en-US" baseline="0" dirty="0" smtClean="0"/>
+              <a:t>- </a:t>
+            </a:r>
+            <a:r>
+              <a:rPr lang="en-US" baseline="0" dirty="0" err="1" smtClean="0"/>
+              <a:t>Aplicatia</a:t>
+            </a:r>
+            <a:r>
+              <a:rPr lang="en-US" baseline="0" dirty="0" smtClean="0"/>
+              <a:t> </a:t>
+            </a:r>
+            <a:r>
+              <a:rPr lang="en-US" baseline="0" dirty="0" err="1" smtClean="0"/>
+              <a:t>exporta</a:t>
+            </a:r>
+            <a:r>
+              <a:rPr lang="en-US" baseline="0" dirty="0" smtClean="0"/>
+              <a:t> </a:t>
+            </a:r>
+            <a:r>
+              <a:rPr lang="en-US" baseline="0" dirty="0" err="1" smtClean="0"/>
+              <a:t>si</a:t>
+            </a:r>
+            <a:r>
+              <a:rPr lang="en-US" baseline="0" dirty="0" smtClean="0"/>
+              <a:t> </a:t>
+            </a:r>
+            <a:r>
+              <a:rPr lang="en-US" baseline="0" dirty="0" err="1" smtClean="0"/>
+              <a:t>datele</a:t>
+            </a:r>
+            <a:r>
+              <a:rPr lang="en-US" baseline="0" dirty="0" smtClean="0"/>
+              <a:t> brute </a:t>
+            </a:r>
+            <a:r>
+              <a:rPr lang="en-US" baseline="0" dirty="0" err="1" smtClean="0"/>
+              <a:t>si</a:t>
+            </a:r>
+            <a:r>
+              <a:rPr lang="en-US" baseline="0" dirty="0" smtClean="0"/>
+              <a:t> </a:t>
+            </a:r>
+            <a:r>
+              <a:rPr lang="en-US" baseline="0" dirty="0" err="1" smtClean="0"/>
+              <a:t>cele</a:t>
+            </a:r>
+            <a:r>
+              <a:rPr lang="en-US" baseline="0" dirty="0" smtClean="0"/>
+              <a:t> calculate</a:t>
             </a:r>
           </a:p>
           <a:p>
@@ -1780,92 +2948,138 @@
               <a:buFontTx/>
               <a:buChar char="-"/>
             </a:pPr>
-            <a:r>
-              <a:rPr lang="en-US" dirty="0" smtClean="0"/>
-              <a:t>In </a:t>
-            </a:r>
-            <a:r>
-              <a:rPr lang="en-US" dirty="0" err="1" smtClean="0"/>
-              <a:t>functie</a:t>
-            </a:r>
-            <a:r>
-              <a:rPr lang="en-US" baseline="0" dirty="0" smtClean="0"/>
-              <a:t> de </a:t>
-            </a:r>
-            <a:r>
-              <a:rPr lang="en-US" baseline="0" dirty="0" err="1" smtClean="0"/>
-              <a:t>concentratia</a:t>
-            </a:r>
-            <a:r>
-              <a:rPr lang="en-US" baseline="0" dirty="0" smtClean="0"/>
-              <a:t> </a:t>
-            </a:r>
-            <a:r>
-              <a:rPr lang="en-US" baseline="0" dirty="0" err="1" smtClean="0"/>
-              <a:t>lui</a:t>
-            </a:r>
-            <a:r>
-              <a:rPr lang="en-US" baseline="0" dirty="0" smtClean="0"/>
-              <a:t>, un </a:t>
-            </a:r>
-            <a:r>
-              <a:rPr lang="en-US" baseline="0" dirty="0" err="1" smtClean="0"/>
-              <a:t>poluant</a:t>
-            </a:r>
-            <a:r>
-              <a:rPr lang="en-US" baseline="0" dirty="0" smtClean="0"/>
-              <a:t> se </a:t>
-            </a:r>
-            <a:r>
-              <a:rPr lang="en-US" baseline="0" dirty="0" err="1" smtClean="0"/>
-              <a:t>claseaza</a:t>
-            </a:r>
-            <a:r>
-              <a:rPr lang="en-US" baseline="0" dirty="0" smtClean="0"/>
-              <a:t> </a:t>
-            </a:r>
-            <a:r>
-              <a:rPr lang="en-US" baseline="0" dirty="0" err="1" smtClean="0"/>
-              <a:t>pe</a:t>
-            </a:r>
-            <a:r>
-              <a:rPr lang="en-US" baseline="0" dirty="0" smtClean="0"/>
-              <a:t> </a:t>
-            </a:r>
-            <a:r>
-              <a:rPr lang="en-US" baseline="0" dirty="0" err="1" smtClean="0"/>
-              <a:t>unul</a:t>
-            </a:r>
-            <a:r>
-              <a:rPr lang="en-US" baseline="0" dirty="0" smtClean="0"/>
-              <a:t> din </a:t>
-            </a:r>
-            <a:r>
-              <a:rPr lang="en-US" baseline="0" dirty="0" err="1" smtClean="0"/>
-              <a:t>cele</a:t>
-            </a:r>
-            <a:r>
-              <a:rPr lang="en-US" baseline="0" dirty="0" smtClean="0"/>
-              <a:t> 6 </a:t>
-            </a:r>
-            <a:r>
-              <a:rPr lang="en-US" baseline="0" dirty="0" err="1" smtClean="0"/>
-              <a:t>nivele</a:t>
-            </a:r>
-            <a:endParaRPr lang="ro-RO" baseline="0" dirty="0" smtClean="0"/>
+            <a:endParaRPr lang="en-US" dirty="0" smtClean="0"/>
           </a:p>
           <a:p>
             <a:pPr>
               <a:buFontTx/>
               <a:buChar char="-"/>
             </a:pPr>
+            <a:endParaRPr lang="en-US" dirty="0" smtClean="0"/>
+          </a:p>
+          <a:p>
+            <a:pPr>
+              <a:buFontTx/>
+              <a:buChar char="-"/>
+            </a:pPr>
+            <a:r>
+              <a:rPr lang="en-US" dirty="0" smtClean="0"/>
+              <a:t>In </a:t>
+            </a:r>
+            <a:r>
+              <a:rPr lang="en-US" dirty="0" err="1" smtClean="0"/>
+              <a:t>functie</a:t>
+            </a:r>
+            <a:r>
+              <a:rPr lang="en-US" baseline="0" dirty="0" smtClean="0"/>
+              <a:t> de </a:t>
+            </a:r>
+            <a:r>
+              <a:rPr lang="en-US" baseline="0" dirty="0" err="1" smtClean="0"/>
+              <a:t>concentratia</a:t>
+            </a:r>
+            <a:r>
+              <a:rPr lang="en-US" baseline="0" dirty="0" smtClean="0"/>
+              <a:t> </a:t>
+            </a:r>
+            <a:r>
+              <a:rPr lang="en-US" baseline="0" dirty="0" err="1" smtClean="0"/>
+              <a:t>lui</a:t>
+            </a:r>
+            <a:r>
+              <a:rPr lang="en-US" baseline="0" dirty="0" smtClean="0"/>
+              <a:t>, un </a:t>
+            </a:r>
+            <a:r>
+              <a:rPr lang="en-US" baseline="0" dirty="0" err="1" smtClean="0"/>
+              <a:t>poluant</a:t>
+            </a:r>
+            <a:r>
+              <a:rPr lang="en-US" baseline="0" dirty="0" smtClean="0"/>
+              <a:t> se </a:t>
+            </a:r>
+            <a:r>
+              <a:rPr lang="en-US" baseline="0" dirty="0" err="1" smtClean="0"/>
+              <a:t>claseaza</a:t>
+            </a:r>
+            <a:r>
+              <a:rPr lang="en-US" baseline="0" dirty="0" smtClean="0"/>
+              <a:t> </a:t>
+            </a:r>
+            <a:r>
+              <a:rPr lang="en-US" baseline="0" dirty="0" err="1" smtClean="0"/>
+              <a:t>pe</a:t>
+            </a:r>
+            <a:r>
+              <a:rPr lang="en-US" baseline="0" dirty="0" smtClean="0"/>
+              <a:t> </a:t>
+            </a:r>
+            <a:r>
+              <a:rPr lang="en-US" baseline="0" dirty="0" err="1" smtClean="0"/>
+              <a:t>unul</a:t>
+            </a:r>
+            <a:r>
+              <a:rPr lang="en-US" baseline="0" dirty="0" smtClean="0"/>
+              <a:t> din </a:t>
+            </a:r>
+            <a:r>
+              <a:rPr lang="en-US" baseline="0" dirty="0" err="1" smtClean="0"/>
+              <a:t>cele</a:t>
+            </a:r>
+            <a:r>
+              <a:rPr lang="en-US" baseline="0" dirty="0" smtClean="0"/>
+              <a:t> 6 </a:t>
+            </a:r>
+            <a:r>
+              <a:rPr lang="en-US" baseline="0" dirty="0" err="1" smtClean="0"/>
+              <a:t>nivele</a:t>
+            </a:r>
+            <a:endParaRPr lang="ro-RO" baseline="0" dirty="0" smtClean="0"/>
+          </a:p>
+          <a:p>
+            <a:pPr>
+              <a:buFontTx/>
+              <a:buChar char="-"/>
+            </a:pPr>
             <a:r>
               <a:rPr lang="ro-RO" baseline="0" dirty="0" smtClean="0"/>
-              <a:t> Pun formula ? </a:t>
-            </a:r>
-            <a:r>
-              <a:rPr lang="ro-RO" baseline="0" smtClean="0"/>
-              <a:t>– prea mult timp sa o explic ..</a:t>
+              <a:t> Pun formula ? – prea mult timp sa o explic </a:t>
+            </a:r>
+            <a:r>
+              <a:rPr lang="ro-RO" baseline="0" dirty="0" smtClean="0"/>
+              <a:t>..</a:t>
+            </a:r>
+          </a:p>
+          <a:p>
+            <a:pPr>
+              <a:buFontTx/>
+              <a:buChar char="-"/>
+            </a:pPr>
+            <a:endParaRPr lang="ro-RO" baseline="0" dirty="0" smtClean="0"/>
+          </a:p>
+          <a:p>
+            <a:pPr>
+              <a:buFontTx/>
+              <a:buChar char="-"/>
+            </a:pPr>
+            <a:endParaRPr lang="en-US" baseline="0" dirty="0" smtClean="0"/>
+          </a:p>
+          <a:p>
+            <a:pPr>
+              <a:buFontTx/>
+              <a:buChar char="-"/>
+            </a:pPr>
+            <a:r>
+              <a:rPr lang="en-US" baseline="0" dirty="0" smtClean="0"/>
+              <a:t>-&gt; Formula </a:t>
+            </a:r>
+            <a:r>
+              <a:rPr lang="en-US" baseline="0" dirty="0" err="1" smtClean="0"/>
+              <a:t>ppm</a:t>
+            </a:r>
+            <a:r>
+              <a:rPr lang="en-US" baseline="0" dirty="0" smtClean="0"/>
+              <a:t>/ppb</a:t>
             </a:r>
             <a:endParaRPr lang="en-US" dirty="0"/>
           </a:p>
@@ -2337,7 +3551,126 @@
             </a:r>
             <a:r>
               <a:rPr lang="en-US" baseline="0" dirty="0" smtClean="0"/>
-              <a:t> : BLE – are </a:t>
+              <a:t> : </a:t>
+            </a:r>
+            <a:r>
+              <a:rPr lang="en-US" baseline="0" dirty="0" smtClean="0"/>
+              <a:t>BLE</a:t>
+            </a:r>
+            <a:r>
+              <a:rPr lang="ro-RO" baseline="0" dirty="0" smtClean="0"/>
+              <a:t> -</a:t>
+            </a:r>
+            <a:r>
+              <a:rPr lang="en-US" baseline="0" dirty="0" smtClean="0"/>
+              <a:t>&gt; </a:t>
+            </a:r>
+            <a:r>
+              <a:rPr lang="en-US" baseline="0" dirty="0" err="1" smtClean="0"/>
+              <a:t>dispozitive</a:t>
+            </a:r>
+            <a:r>
+              <a:rPr lang="en-US" baseline="0" dirty="0" smtClean="0"/>
+              <a:t> </a:t>
+            </a:r>
+            <a:r>
+              <a:rPr lang="en-US" baseline="0" dirty="0" err="1" smtClean="0"/>
+              <a:t>realizat</a:t>
+            </a:r>
+            <a:r>
+              <a:rPr lang="en-US" baseline="0" dirty="0" smtClean="0"/>
+              <a:t> in </a:t>
+            </a:r>
+            <a:r>
+              <a:rPr lang="en-US" baseline="0" dirty="0" err="1" smtClean="0"/>
+              <a:t>cardul</a:t>
+            </a:r>
+            <a:r>
+              <a:rPr lang="en-US" baseline="0" dirty="0" smtClean="0"/>
+              <a:t> </a:t>
+            </a:r>
+            <a:r>
+              <a:rPr lang="en-US" baseline="0" dirty="0" err="1" smtClean="0"/>
+              <a:t>facultatii</a:t>
+            </a:r>
+            <a:r>
+              <a:rPr lang="en-US" baseline="0" dirty="0" smtClean="0"/>
+              <a:t> : </a:t>
+            </a:r>
+            <a:r>
+              <a:rPr lang="en-US" baseline="0" dirty="0" err="1" smtClean="0"/>
+              <a:t>partea</a:t>
+            </a:r>
+            <a:r>
+              <a:rPr lang="en-US" baseline="0" dirty="0" smtClean="0"/>
+              <a:t> mea </a:t>
+            </a:r>
+            <a:r>
+              <a:rPr lang="en-US" baseline="0" dirty="0" err="1" smtClean="0"/>
+              <a:t>fiind</a:t>
+            </a:r>
+            <a:r>
+              <a:rPr lang="en-US" baseline="0" dirty="0" smtClean="0"/>
+              <a:t> </a:t>
+            </a:r>
+            <a:r>
+              <a:rPr lang="en-US" baseline="0" dirty="0" err="1" smtClean="0"/>
+              <a:t>sa</a:t>
+            </a:r>
+            <a:r>
+              <a:rPr lang="en-US" baseline="0" dirty="0" smtClean="0"/>
+              <a:t> </a:t>
+            </a:r>
+            <a:r>
+              <a:rPr lang="en-US" baseline="0" dirty="0" err="1" smtClean="0"/>
+              <a:t>fac</a:t>
+            </a:r>
+            <a:r>
+              <a:rPr lang="en-US" baseline="0" dirty="0" smtClean="0"/>
+              <a:t> </a:t>
+            </a:r>
+            <a:r>
+              <a:rPr lang="en-US" baseline="0" dirty="0" err="1" smtClean="0"/>
+              <a:t>aplicatia</a:t>
+            </a:r>
+            <a:r>
+              <a:rPr lang="en-US" baseline="0" dirty="0" smtClean="0"/>
+              <a:t> de </a:t>
+            </a:r>
+            <a:r>
+              <a:rPr lang="en-US" baseline="0" dirty="0" err="1" smtClean="0"/>
+              <a:t>colectare</a:t>
+            </a:r>
+            <a:r>
+              <a:rPr lang="en-US" baseline="0" dirty="0" smtClean="0"/>
+              <a:t> </a:t>
+            </a:r>
+            <a:r>
+              <a:rPr lang="en-US" baseline="0" dirty="0" err="1" smtClean="0"/>
+              <a:t>si</a:t>
+            </a:r>
+            <a:r>
+              <a:rPr lang="en-US" baseline="0" dirty="0" smtClean="0"/>
+              <a:t> </a:t>
+            </a:r>
+            <a:r>
+              <a:rPr lang="en-US" baseline="0" dirty="0" err="1" smtClean="0"/>
+              <a:t>analiza</a:t>
+            </a:r>
+            <a:r>
+              <a:rPr lang="en-US" baseline="0" dirty="0" smtClean="0"/>
+              <a:t>  date</a:t>
+            </a:r>
+            <a:endParaRPr lang="ro-RO" baseline="0" dirty="0" smtClean="0"/>
+          </a:p>
+          <a:p>
+            <a:r>
+              <a:rPr lang="en-US" baseline="0" dirty="0" smtClean="0"/>
+              <a:t> </a:t>
+            </a:r>
+            <a:r>
+              <a:rPr lang="en-US" baseline="0" dirty="0" smtClean="0"/>
+              <a:t>– are </a:t>
             </a:r>
             <a:r>
               <a:rPr lang="en-US" baseline="0" dirty="0" err="1" smtClean="0"/>
@@ -2814,11 +4147,7 @@
             </a:pPr>
             <a:r>
               <a:rPr lang="ro-RO" baseline="0" dirty="0" smtClean="0"/>
-              <a:t>- Video il deschid separat , nu de </a:t>
-            </a:r>
-            <a:r>
-              <a:rPr lang="ro-RO" baseline="0" dirty="0" smtClean="0"/>
-              <a:t>aici</a:t>
+              <a:t>- Video il deschid separat , nu de aici</a:t>
             </a:r>
             <a:endParaRPr lang="en-US" baseline="0" dirty="0" smtClean="0"/>
           </a:p>
@@ -2915,6 +4244,78 @@
                 <a:sym typeface="Wingdings" pitchFamily="2" charset="2"/>
               </a:rPr>
               <a:t> </a:t>
+            </a:r>
+            <a:endParaRPr lang="en-US" baseline="0" dirty="0" smtClean="0">
+              <a:sym typeface="Wingdings" pitchFamily="2" charset="2"/>
+            </a:endParaRPr>
+          </a:p>
+          <a:p>
+            <a:pPr>
+              <a:buFontTx/>
+              <a:buNone/>
+            </a:pPr>
+            <a:endParaRPr lang="en-US" baseline="0" dirty="0" smtClean="0">
+              <a:sym typeface="Wingdings" pitchFamily="2" charset="2"/>
+            </a:endParaRPr>
+          </a:p>
+          <a:p>
+            <a:pPr>
+              <a:buFontTx/>
+              <a:buNone/>
+            </a:pPr>
+            <a:r>
+              <a:rPr lang="en-US" baseline="0" dirty="0" smtClean="0">
+                <a:sym typeface="Wingdings" pitchFamily="2" charset="2"/>
+              </a:rPr>
+              <a:t>-&gt; </a:t>
+            </a:r>
+            <a:r>
+              <a:rPr lang="en-US" baseline="0" dirty="0" err="1" smtClean="0">
+                <a:sym typeface="Wingdings" pitchFamily="2" charset="2"/>
+              </a:rPr>
+              <a:t>interfata</a:t>
+            </a:r>
+            <a:r>
+              <a:rPr lang="en-US" baseline="0" dirty="0" smtClean="0">
+                <a:sym typeface="Wingdings" pitchFamily="2" charset="2"/>
+              </a:rPr>
+              <a:t> </a:t>
+            </a:r>
+            <a:r>
+              <a:rPr lang="en-US" baseline="0" dirty="0" err="1" smtClean="0">
+                <a:sym typeface="Wingdings" pitchFamily="2" charset="2"/>
+              </a:rPr>
+              <a:t>complexa</a:t>
+            </a:r>
+            <a:r>
+              <a:rPr lang="en-US" baseline="0" dirty="0" smtClean="0">
+                <a:sym typeface="Wingdings" pitchFamily="2" charset="2"/>
+              </a:rPr>
+              <a:t> -&gt; </a:t>
+            </a:r>
+            <a:r>
+              <a:rPr lang="en-US" baseline="0" dirty="0" err="1" smtClean="0">
+                <a:sym typeface="Wingdings" pitchFamily="2" charset="2"/>
+              </a:rPr>
+              <a:t>pentru</a:t>
+            </a:r>
+            <a:r>
+              <a:rPr lang="en-US" baseline="0" dirty="0" smtClean="0">
+                <a:sym typeface="Wingdings" pitchFamily="2" charset="2"/>
+              </a:rPr>
+              <a:t> </a:t>
+            </a:r>
+            <a:r>
+              <a:rPr lang="en-US" baseline="0" dirty="0" err="1" smtClean="0">
+                <a:sym typeface="Wingdings" pitchFamily="2" charset="2"/>
+              </a:rPr>
+              <a:t>analiza</a:t>
+            </a:r>
+            <a:r>
+              <a:rPr lang="ro-RO" baseline="0" dirty="0" smtClean="0">
+                <a:sym typeface="Wingdings" pitchFamily="2" charset="2"/>
+              </a:rPr>
+              <a:t>( asta e scopul aplicatiei – sa ii arate parametrii in mod detaliat si apoi sa ii exporte)</a:t>
             </a:r>
             <a:endParaRPr lang="en-US" dirty="0"/>
           </a:p>
@@ -2974,15 +4375,87 @@
           </a:bodyPr>
           <a:lstStyle/>
           <a:p>
-            <a:r>
-              <a:rPr lang="ro-RO" dirty="0" smtClean="0"/>
-              <a:t>Cate</a:t>
-            </a:r>
+            <a:pPr marL="0" marR="0" indent="0" algn="l" defTabSz="914400" rtl="0" eaLnBrk="1" fontAlgn="auto" latinLnBrk="0" hangingPunct="1">
+              <a:lnSpc>
+                <a:spcPct val="100000"/>
+              </a:lnSpc>
+              <a:spcBef>
+                <a:spcPts val="0"/>
+              </a:spcBef>
+              <a:spcAft>
+                <a:spcPts val="0"/>
+              </a:spcAft>
+              <a:buClrTx/>
+              <a:buSzTx/>
+              <a:buFontTx/>
+              <a:buChar char="-"/>
+              <a:tabLst/>
+              <a:defRPr/>
+            </a:pPr>
             <a:r>
               <a:rPr lang="ro-RO" baseline="0" dirty="0" smtClean="0"/>
-              <a:t> experiemnte sa pun ? </a:t>
-            </a:r>
-            <a:endParaRPr lang="en-US" dirty="0"/>
+              <a:t> </a:t>
+            </a:r>
+            <a:r>
+              <a:rPr lang="en-US" baseline="0" dirty="0" err="1" smtClean="0"/>
+              <a:t>Grafice</a:t>
+            </a:r>
+            <a:r>
+              <a:rPr lang="en-US" baseline="0" dirty="0" smtClean="0"/>
+              <a:t> din </a:t>
+            </a:r>
+            <a:r>
+              <a:rPr lang="en-US" baseline="0" dirty="0" err="1" smtClean="0"/>
+              <a:t>datele</a:t>
+            </a:r>
+            <a:r>
+              <a:rPr lang="en-US" baseline="0" dirty="0" smtClean="0"/>
+              <a:t> </a:t>
+            </a:r>
+            <a:r>
+              <a:rPr lang="en-US" baseline="0" dirty="0" err="1" smtClean="0"/>
+              <a:t>exportate</a:t>
+            </a:r>
+            <a:r>
+              <a:rPr lang="en-US" baseline="0" dirty="0" smtClean="0"/>
+              <a:t> –</a:t>
+            </a:r>
+            <a:r>
+              <a:rPr lang="ro-RO" baseline="0" dirty="0" smtClean="0"/>
+              <a:t> din </a:t>
+            </a:r>
+            <a:r>
+              <a:rPr lang="en-US" baseline="0" dirty="0" smtClean="0"/>
+              <a:t> Excel</a:t>
+            </a:r>
+            <a:endParaRPr lang="en-US" dirty="0" smtClean="0"/>
+          </a:p>
+          <a:p>
+            <a:pPr>
+              <a:buFontTx/>
+              <a:buChar char="-"/>
+            </a:pPr>
+            <a:r>
+              <a:rPr lang="ro-RO" baseline="0" dirty="0" smtClean="0"/>
+              <a:t> Am observat variatii, senzorul nu e inca calibrat si ne-am uitat la variatii odata cu schimbarile de mediu</a:t>
+            </a:r>
+          </a:p>
+          <a:p>
+            <a:pPr>
+              <a:buFontTx/>
+              <a:buChar char="-"/>
+            </a:pPr>
+            <a:r>
+              <a:rPr lang="ro-RO" baseline="0" dirty="0" smtClean="0"/>
+              <a:t> Totusi senzorii nu au acuratetea dorita – si de aceea a fost nevoie de studiu asta</a:t>
+            </a:r>
+          </a:p>
+          <a:p>
+            <a:pPr>
+              <a:buFontTx/>
+              <a:buChar char="-"/>
+            </a:pPr>
+            <a:endParaRPr lang="ro-RO" baseline="0" dirty="0" smtClean="0"/>
           </a:p>
         </p:txBody>
       </p:sp>
@@ -3130,7 +4603,7 @@
             <a:fld id="{7408C316-1A11-4EFE-B3C7-3A078631556B}" type="datetime1">
               <a:rPr lang="en-US" smtClean="0"/>
               <a:pPr/>
-              <a:t>6/16/2020</a:t>
+              <a:t>6/17/2020</a:t>
             </a:fld>
             <a:endParaRPr lang="en-US"/>
           </a:p>
@@ -4000,7 +5473,7 @@
             <a:fld id="{9E5ABA3B-676D-4F70-B8FA-8CDE5884B0DC}" type="datetime1">
               <a:rPr lang="en-US" smtClean="0"/>
               <a:pPr/>
-              <a:t>6/16/2020</a:t>
+              <a:t>6/17/2020</a:t>
             </a:fld>
             <a:endParaRPr lang="en-US"/>
           </a:p>
@@ -4176,7 +5649,7 @@
             <a:fld id="{DBA9597E-2870-479B-A96A-E63C6EDA77DC}" type="datetime1">
               <a:rPr lang="en-US" smtClean="0"/>
               <a:pPr/>
-              <a:t>6/16/2020</a:t>
+              <a:t>6/17/2020</a:t>
             </a:fld>
             <a:endParaRPr lang="en-US"/>
           </a:p>
@@ -4347,7 +5820,7 @@
             <a:fld id="{098B3C18-253F-4B2C-B9E3-59F08DA6093C}" type="datetime1">
               <a:rPr lang="en-US" smtClean="0"/>
               <a:pPr/>
-              <a:t>6/16/2020</a:t>
+              <a:t>6/17/2020</a:t>
             </a:fld>
             <a:endParaRPr lang="en-US" dirty="0"/>
           </a:p>
@@ -4571,7 +6044,7 @@
             <a:fld id="{6A49A1C0-3796-4E97-ACA1-922FE58F48A7}" type="datetime1">
               <a:rPr lang="en-US" smtClean="0"/>
               <a:pPr/>
-              <a:t>6/16/2020</a:t>
+              <a:t>6/17/2020</a:t>
             </a:fld>
             <a:endParaRPr lang="en-US"/>
           </a:p>
@@ -5386,7 +6859,7 @@
             <a:fld id="{9C7AAB5C-85CD-4913-AFD2-280B05589710}" type="datetime1">
               <a:rPr lang="en-US" smtClean="0"/>
               <a:pPr/>
-              <a:t>6/16/2020</a:t>
+              <a:t>6/17/2020</a:t>
             </a:fld>
             <a:endParaRPr lang="en-US"/>
           </a:p>
@@ -5623,7 +7096,7 @@
             <a:fld id="{60097163-CB50-4987-827A-5308DC5CCC6F}" type="datetime1">
               <a:rPr lang="en-US" smtClean="0"/>
               <a:pPr/>
-              <a:t>6/16/2020</a:t>
+              <a:t>6/17/2020</a:t>
             </a:fld>
             <a:endParaRPr lang="en-US"/>
           </a:p>
@@ -5947,7 +7420,7 @@
             <a:fld id="{6A2674DE-5C69-4BC5-8B9F-8C6F0C8E51CA}" type="datetime1">
               <a:rPr lang="en-US" smtClean="0"/>
               <a:pPr/>
-              <a:t>6/16/2020</a:t>
+              <a:t>6/17/2020</a:t>
             </a:fld>
             <a:endParaRPr lang="en-US"/>
           </a:p>
@@ -6039,7 +7512,7 @@
             <a:fld id="{8BE5E955-1CB2-4868-A056-80BC8A0C4519}" type="datetime1">
               <a:rPr lang="en-US" smtClean="0"/>
               <a:pPr/>
-              <a:t>6/16/2020</a:t>
+              <a:t>6/17/2020</a:t>
             </a:fld>
             <a:endParaRPr lang="en-US"/>
           </a:p>
@@ -6557,7 +8030,7 @@
             <a:fld id="{9B02793A-9484-41F1-9665-48CBB4252893}" type="datetime1">
               <a:rPr lang="en-US" smtClean="0"/>
               <a:pPr/>
-              <a:t>6/16/2020</a:t>
+              <a:t>6/17/2020</a:t>
             </a:fld>
             <a:endParaRPr lang="en-US"/>
           </a:p>
@@ -7069,7 +8542,7 @@
             <a:fld id="{ABDEED1D-ACEB-47D6-BB84-A1B0C3CD3DE6}" type="datetime1">
               <a:rPr lang="en-US" smtClean="0"/>
               <a:pPr/>
-              <a:t>6/16/2020</a:t>
+              <a:t>6/17/2020</a:t>
             </a:fld>
             <a:endParaRPr lang="en-US"/>
           </a:p>
@@ -7314,7 +8787,7 @@
             <a:fld id="{77D2A6F3-99CA-4250-9347-2751847E64A5}" type="datetime1">
               <a:rPr lang="en-US" smtClean="0"/>
               <a:pPr/>
-              <a:t>6/16/2020</a:t>
+              <a:t>6/17/2020</a:t>
             </a:fld>
             <a:endParaRPr lang="en-US"/>
           </a:p>
@@ -8048,7 +9521,31 @@
                 <a:latin typeface="+mn-lt"/>
                 <a:cs typeface="Segoe UI Light" pitchFamily="34" charset="0"/>
               </a:rPr>
-              <a:t>-Lucrare de Disertație-</a:t>
+              <a:t>- Lucrare </a:t>
+            </a:r>
+            <a:r>
+              <a:rPr lang="ro-RO" sz="2400" cap="none" dirty="0" smtClean="0">
+                <a:solidFill>
+                  <a:schemeClr val="accent2">
+                    <a:lumMod val="75000"/>
+                  </a:schemeClr>
+                </a:solidFill>
+                <a:latin typeface="+mn-lt"/>
+                <a:cs typeface="Segoe UI Light" pitchFamily="34" charset="0"/>
+              </a:rPr>
+              <a:t>de </a:t>
+            </a:r>
+            <a:r>
+              <a:rPr lang="ro-RO" sz="2400" cap="none" dirty="0" smtClean="0">
+                <a:solidFill>
+                  <a:schemeClr val="accent2">
+                    <a:lumMod val="75000"/>
+                  </a:schemeClr>
+                </a:solidFill>
+                <a:latin typeface="+mn-lt"/>
+                <a:cs typeface="Segoe UI Light" pitchFamily="34" charset="0"/>
+              </a:rPr>
+              <a:t>Disertație -</a:t>
             </a:r>
             <a:endParaRPr lang="ro-RO" sz="2400" cap="none" dirty="0">
               <a:solidFill>
@@ -8404,89 +9901,16 @@
           <a:chExt cx="0" cy="0"/>
         </a:xfrm>
       </p:grpSpPr>
-      <p:sp>
-        <p:nvSpPr>
-          <p:cNvPr id="3" name="Content Placeholder 2"/>
-          <p:cNvSpPr>
-            <a:spLocks noGrp="1"/>
-          </p:cNvSpPr>
-          <p:nvPr>
-            <p:ph sz="quarter" idx="1"/>
-          </p:nvPr>
-        </p:nvSpPr>
-        <p:spPr>
-          <a:xfrm>
-            <a:off x="457200" y="228600"/>
-            <a:ext cx="7467600" cy="6245352"/>
-          </a:xfrm>
-        </p:spPr>
-        <p:txBody>
-          <a:bodyPr/>
-          <a:lstStyle/>
-          <a:p>
-            <a:pPr marL="274320" lvl="2" indent="-274320">
-              <a:spcBef>
-                <a:spcPts val="600"/>
-              </a:spcBef>
-              <a:buClr>
-                <a:schemeClr val="accent1"/>
-              </a:buClr>
-              <a:buSzPct val="70000"/>
-            </a:pPr>
-            <a:r>
-              <a:rPr lang="ro-RO" sz="1600" b="1" dirty="0" smtClean="0"/>
-              <a:t>Măsurare parametrii din aer : cameră neaerisită </a:t>
-            </a:r>
-            <a:r>
-              <a:rPr lang="ro-RO" sz="1600" b="1" dirty="0" smtClean="0"/>
-              <a:t>– aerisită(1h)</a:t>
-            </a:r>
-            <a:endParaRPr lang="ro-RO" sz="1600" b="1" dirty="0" smtClean="0"/>
-          </a:p>
-          <a:p>
-            <a:pPr>
-              <a:buNone/>
-            </a:pPr>
-            <a:endParaRPr lang="en-US" dirty="0"/>
-          </a:p>
-        </p:txBody>
-      </p:sp>
-      <p:sp>
-        <p:nvSpPr>
-          <p:cNvPr id="4" name="Slide Number Placeholder 3"/>
-          <p:cNvSpPr>
-            <a:spLocks noGrp="1"/>
-          </p:cNvSpPr>
-          <p:nvPr>
-            <p:ph type="sldNum" sz="quarter" idx="11"/>
-          </p:nvPr>
-        </p:nvSpPr>
-        <p:spPr/>
-        <p:txBody>
-          <a:bodyPr/>
-          <a:lstStyle/>
-          <a:p>
-            <a:fld id="{B6F15528-21DE-4FAA-801E-634DDDAF4B2B}" type="slidenum">
-              <a:rPr lang="en-US" smtClean="0"/>
-              <a:pPr/>
-              <a:t>10</a:t>
-            </a:fld>
-            <a:r>
-              <a:rPr lang="ro-RO" smtClean="0"/>
-              <a:t> of 10</a:t>
-            </a:r>
-            <a:endParaRPr lang="en-US" dirty="0"/>
-          </a:p>
-        </p:txBody>
-      </p:sp>
       <p:pic>
         <p:nvPicPr>
-          <p:cNvPr id="5" name="Picture 4"/>
-          <p:cNvPicPr/>
+          <p:cNvPr id="1028" name="Picture 4"/>
+          <p:cNvPicPr>
+            <a:picLocks noChangeAspect="1" noChangeArrowheads="1"/>
+          </p:cNvPicPr>
           <p:nvPr/>
         </p:nvPicPr>
         <p:blipFill>
-          <a:blip r:embed="rId2" cstate="print"/>
+          <a:blip r:embed="rId3" cstate="print"/>
           <a:srcRect/>
           <a:stretch>
             <a:fillRect/>
@@ -8494,8 +9918,8 @@
         </p:blipFill>
         <p:spPr bwMode="auto">
           <a:xfrm>
-            <a:off x="152400" y="533400"/>
-            <a:ext cx="4267200" cy="1524000"/>
+            <a:off x="228600" y="5181600"/>
+            <a:ext cx="7239000" cy="1504950"/>
           </a:xfrm>
           <a:prstGeom prst="rect">
             <a:avLst/>
@@ -8509,16 +9933,19 @@
             <a:headEnd/>
             <a:tailEnd/>
           </a:ln>
+          <a:effectLst/>
         </p:spPr>
       </p:pic>
       <p:pic>
         <p:nvPicPr>
-          <p:cNvPr id="6" name="Picture 5"/>
-          <p:cNvPicPr/>
+          <p:cNvPr id="1027" name="Picture 3"/>
+          <p:cNvPicPr>
+            <a:picLocks noChangeAspect="1" noChangeArrowheads="1"/>
+          </p:cNvPicPr>
           <p:nvPr/>
         </p:nvPicPr>
         <p:blipFill>
-          <a:blip r:embed="rId3" cstate="print"/>
+          <a:blip r:embed="rId4" cstate="print"/>
           <a:srcRect/>
           <a:stretch>
             <a:fillRect/>
@@ -8526,8 +9953,114 @@
         </p:blipFill>
         <p:spPr bwMode="auto">
           <a:xfrm>
-            <a:off x="152400" y="2133600"/>
-            <a:ext cx="4267200" cy="1447800"/>
+            <a:off x="228600" y="2133600"/>
+            <a:ext cx="7239000" cy="1371600"/>
+          </a:xfrm>
+          <a:prstGeom prst="rect">
+            <a:avLst/>
+          </a:prstGeom>
+          <a:noFill/>
+          <a:ln w="9525">
+            <a:solidFill>
+              <a:schemeClr val="accent1"/>
+            </a:solidFill>
+            <a:miter lim="800000"/>
+            <a:headEnd/>
+            <a:tailEnd/>
+          </a:ln>
+          <a:effectLst/>
+        </p:spPr>
+      </p:pic>
+      <p:sp>
+        <p:nvSpPr>
+          <p:cNvPr id="3" name="Content Placeholder 2"/>
+          <p:cNvSpPr>
+            <a:spLocks noGrp="1"/>
+          </p:cNvSpPr>
+          <p:nvPr>
+            <p:ph sz="quarter" idx="1"/>
+          </p:nvPr>
+        </p:nvSpPr>
+        <p:spPr>
+          <a:xfrm>
+            <a:off x="457200" y="228600"/>
+            <a:ext cx="7467600" cy="6245352"/>
+          </a:xfrm>
+        </p:spPr>
+        <p:txBody>
+          <a:bodyPr/>
+          <a:lstStyle/>
+          <a:p>
+            <a:pPr marL="274320" lvl="2" indent="-274320">
+              <a:spcBef>
+                <a:spcPts val="600"/>
+              </a:spcBef>
+              <a:buClr>
+                <a:schemeClr val="accent1"/>
+              </a:buClr>
+              <a:buSzPct val="70000"/>
+            </a:pPr>
+            <a:r>
+              <a:rPr lang="ro-RO" sz="1600" b="1" dirty="0" smtClean="0"/>
+              <a:t>Măsurare parametrii din aer : cameră neaerisită – aerisită(1h)</a:t>
+            </a:r>
+          </a:p>
+          <a:p>
+            <a:pPr>
+              <a:buNone/>
+            </a:pPr>
+            <a:endParaRPr lang="en-US" dirty="0"/>
+          </a:p>
+        </p:txBody>
+      </p:sp>
+      <p:sp>
+        <p:nvSpPr>
+          <p:cNvPr id="4" name="Slide Number Placeholder 3"/>
+          <p:cNvSpPr>
+            <a:spLocks noGrp="1"/>
+          </p:cNvSpPr>
+          <p:nvPr>
+            <p:ph type="sldNum" sz="quarter" idx="11"/>
+          </p:nvPr>
+        </p:nvSpPr>
+        <p:spPr/>
+        <p:txBody>
+          <a:bodyPr/>
+          <a:lstStyle/>
+          <a:p>
+            <a:r>
+              <a:rPr lang="en-US" dirty="0" smtClean="0"/>
+              <a:t>10/</a:t>
+            </a:r>
+            <a:r>
+              <a:rPr lang="ro-RO" dirty="0" smtClean="0"/>
+              <a:t>1</a:t>
+            </a:r>
+            <a:r>
+              <a:rPr lang="en-US" dirty="0" smtClean="0"/>
+              <a:t>3</a:t>
+            </a:r>
+            <a:endParaRPr lang="en-US" dirty="0"/>
+          </a:p>
+        </p:txBody>
+      </p:sp>
+      <p:pic>
+        <p:nvPicPr>
+          <p:cNvPr id="5" name="Picture 4"/>
+          <p:cNvPicPr/>
+          <p:nvPr/>
+        </p:nvPicPr>
+        <p:blipFill>
+          <a:blip r:embed="rId5" cstate="print"/>
+          <a:srcRect/>
+          <a:stretch>
+            <a:fillRect/>
+          </a:stretch>
+        </p:blipFill>
+        <p:spPr bwMode="auto">
+          <a:xfrm>
+            <a:off x="228600" y="533400"/>
+            <a:ext cx="7239000" cy="1524000"/>
           </a:xfrm>
           <a:prstGeom prst="rect">
             <a:avLst/>
@@ -8550,7 +10083,7 @@
           <p:nvPr/>
         </p:nvPicPr>
         <p:blipFill>
-          <a:blip r:embed="rId4" cstate="print"/>
+          <a:blip r:embed="rId6" cstate="print"/>
           <a:srcRect/>
           <a:stretch>
             <a:fillRect/>
@@ -8558,8 +10091,8 @@
         </p:blipFill>
         <p:spPr bwMode="auto">
           <a:xfrm>
-            <a:off x="152400" y="3733800"/>
-            <a:ext cx="4267200" cy="1371600"/>
+            <a:off x="228600" y="3657600"/>
+            <a:ext cx="7239000" cy="1447800"/>
           </a:xfrm>
           <a:prstGeom prst="rect">
             <a:avLst/>
@@ -8569,68 +10102,6 @@
             <a:solidFill>
               <a:schemeClr val="accent1"/>
             </a:solidFill>
-            <a:miter lim="800000"/>
-            <a:headEnd/>
-            <a:tailEnd/>
-          </a:ln>
-        </p:spPr>
-      </p:pic>
-      <p:pic>
-        <p:nvPicPr>
-          <p:cNvPr id="8" name="Picture 7"/>
-          <p:cNvPicPr/>
-          <p:nvPr/>
-        </p:nvPicPr>
-        <p:blipFill>
-          <a:blip r:embed="rId5" cstate="print"/>
-          <a:srcRect/>
-          <a:stretch>
-            <a:fillRect/>
-          </a:stretch>
-        </p:blipFill>
-        <p:spPr bwMode="auto">
-          <a:xfrm>
-            <a:off x="152400" y="5181600"/>
-            <a:ext cx="4267200" cy="1524000"/>
-          </a:xfrm>
-          <a:prstGeom prst="rect">
-            <a:avLst/>
-          </a:prstGeom>
-          <a:noFill/>
-          <a:ln w="9525">
-            <a:solidFill>
-              <a:schemeClr val="accent1"/>
-            </a:solidFill>
-            <a:miter lim="800000"/>
-            <a:headEnd/>
-            <a:tailEnd/>
-          </a:ln>
-        </p:spPr>
-      </p:pic>
-      <p:pic>
-        <p:nvPicPr>
-          <p:cNvPr id="10" name="Picture 9"/>
-          <p:cNvPicPr/>
-          <p:nvPr/>
-        </p:nvPicPr>
-        <p:blipFill>
-          <a:blip r:embed="rId6" cstate="print"/>
-          <a:srcRect/>
-          <a:stretch>
-            <a:fillRect/>
-          </a:stretch>
-        </p:blipFill>
-        <p:spPr bwMode="auto">
-          <a:xfrm>
-            <a:off x="3200400" y="3048000"/>
-            <a:ext cx="384711" cy="142504"/>
-          </a:xfrm>
-          <a:prstGeom prst="rect">
-            <a:avLst/>
-          </a:prstGeom>
-          <a:noFill/>
-          <a:ln w="9525">
-            <a:noFill/>
             <a:miter lim="800000"/>
             <a:headEnd/>
             <a:tailEnd/>
@@ -8652,7 +10123,7 @@
         </p:blipFill>
         <p:spPr bwMode="auto">
           <a:xfrm>
-            <a:off x="990600" y="4648200"/>
+            <a:off x="1981200" y="4648200"/>
             <a:ext cx="503464" cy="178130"/>
           </a:xfrm>
           <a:prstGeom prst="rect">
@@ -8682,98 +10153,8 @@
         </p:blipFill>
         <p:spPr bwMode="auto">
           <a:xfrm>
-            <a:off x="2743200" y="4648200"/>
+            <a:off x="6248400" y="4648200"/>
             <a:ext cx="503465" cy="166254"/>
-          </a:xfrm>
-          <a:prstGeom prst="rect">
-            <a:avLst/>
-          </a:prstGeom>
-          <a:noFill/>
-          <a:ln w="9525">
-            <a:noFill/>
-            <a:miter lim="800000"/>
-            <a:headEnd/>
-            <a:tailEnd/>
-          </a:ln>
-        </p:spPr>
-      </p:pic>
-      <p:pic>
-        <p:nvPicPr>
-          <p:cNvPr id="13" name="Picture 12"/>
-          <p:cNvPicPr/>
-          <p:nvPr/>
-        </p:nvPicPr>
-        <p:blipFill>
-          <a:blip r:embed="rId9" cstate="print"/>
-          <a:srcRect/>
-          <a:stretch>
-            <a:fillRect/>
-          </a:stretch>
-        </p:blipFill>
-        <p:spPr bwMode="auto">
-          <a:xfrm>
-            <a:off x="1219200" y="6248400"/>
-            <a:ext cx="479713" cy="154380"/>
-          </a:xfrm>
-          <a:prstGeom prst="rect">
-            <a:avLst/>
-          </a:prstGeom>
-          <a:noFill/>
-          <a:ln w="9525">
-            <a:noFill/>
-            <a:miter lim="800000"/>
-            <a:headEnd/>
-            <a:tailEnd/>
-          </a:ln>
-        </p:spPr>
-      </p:pic>
-      <p:pic>
-        <p:nvPicPr>
-          <p:cNvPr id="14" name="Picture 13"/>
-          <p:cNvPicPr/>
-          <p:nvPr/>
-        </p:nvPicPr>
-        <p:blipFill>
-          <a:blip r:embed="rId10" cstate="print"/>
-          <a:srcRect/>
-          <a:stretch>
-            <a:fillRect/>
-          </a:stretch>
-        </p:blipFill>
-        <p:spPr bwMode="auto">
-          <a:xfrm>
-            <a:off x="3505200" y="6248400"/>
-            <a:ext cx="384711" cy="142504"/>
-          </a:xfrm>
-          <a:prstGeom prst="rect">
-            <a:avLst/>
-          </a:prstGeom>
-          <a:noFill/>
-          <a:ln w="9525">
-            <a:noFill/>
-            <a:miter lim="800000"/>
-            <a:headEnd/>
-            <a:tailEnd/>
-          </a:ln>
-        </p:spPr>
-      </p:pic>
-      <p:pic>
-        <p:nvPicPr>
-          <p:cNvPr id="15" name="Picture 14"/>
-          <p:cNvPicPr/>
-          <p:nvPr/>
-        </p:nvPicPr>
-        <p:blipFill>
-          <a:blip r:embed="rId11" cstate="print"/>
-          <a:srcRect/>
-          <a:stretch>
-            <a:fillRect/>
-          </a:stretch>
-        </p:blipFill>
-        <p:spPr bwMode="auto">
-          <a:xfrm>
-            <a:off x="1219200" y="3048000"/>
-            <a:ext cx="507720" cy="166255"/>
           </a:xfrm>
           <a:prstGeom prst="rect">
             <a:avLst/>
@@ -8794,7 +10175,7 @@
           <p:nvPr/>
         </p:nvPicPr>
         <p:blipFill>
-          <a:blip r:embed="rId12" cstate="print"/>
+          <a:blip r:embed="rId9" cstate="print"/>
           <a:srcRect/>
           <a:stretch>
             <a:fillRect/>
@@ -8824,7 +10205,7 @@
           <p:nvPr/>
         </p:nvPicPr>
         <p:blipFill>
-          <a:blip r:embed="rId13" cstate="print"/>
+          <a:blip r:embed="rId10" cstate="print"/>
           <a:srcRect/>
           <a:stretch>
             <a:fillRect/>
@@ -8832,7 +10213,7 @@
         </p:blipFill>
         <p:spPr bwMode="auto">
           <a:xfrm>
-            <a:off x="2971800" y="1295400"/>
+            <a:off x="5334000" y="1371600"/>
             <a:ext cx="439008" cy="154379"/>
           </a:xfrm>
           <a:prstGeom prst="rect">
@@ -8849,12 +10230,12 @@
       </p:pic>
       <p:pic>
         <p:nvPicPr>
-          <p:cNvPr id="18" name="Picture 17"/>
+          <p:cNvPr id="22" name="Picture 21"/>
           <p:cNvPicPr/>
           <p:nvPr/>
         </p:nvPicPr>
         <p:blipFill>
-          <a:blip r:embed="rId14" cstate="print"/>
+          <a:blip r:embed="rId11" cstate="print"/>
           <a:srcRect/>
           <a:stretch>
             <a:fillRect/>
@@ -8862,135 +10243,7 @@
         </p:blipFill>
         <p:spPr bwMode="auto">
           <a:xfrm>
-            <a:off x="4495800" y="533401"/>
-            <a:ext cx="4267200" cy="1524000"/>
-          </a:xfrm>
-          <a:prstGeom prst="rect">
-            <a:avLst/>
-          </a:prstGeom>
-          <a:noFill/>
-          <a:ln w="9525">
-            <a:solidFill>
-              <a:schemeClr val="accent1"/>
-            </a:solidFill>
-            <a:miter lim="800000"/>
-            <a:headEnd/>
-            <a:tailEnd/>
-          </a:ln>
-        </p:spPr>
-      </p:pic>
-      <p:pic>
-        <p:nvPicPr>
-          <p:cNvPr id="19" name="Picture 18"/>
-          <p:cNvPicPr/>
-          <p:nvPr/>
-        </p:nvPicPr>
-        <p:blipFill>
-          <a:blip r:embed="rId15" cstate="print"/>
-          <a:srcRect/>
-          <a:stretch>
-            <a:fillRect/>
-          </a:stretch>
-        </p:blipFill>
-        <p:spPr bwMode="auto">
-          <a:xfrm>
-            <a:off x="4495800" y="2133600"/>
-            <a:ext cx="4267200" cy="1447800"/>
-          </a:xfrm>
-          <a:prstGeom prst="rect">
-            <a:avLst/>
-          </a:prstGeom>
-          <a:noFill/>
-          <a:ln w="9525">
-            <a:solidFill>
-              <a:schemeClr val="accent1"/>
-            </a:solidFill>
-            <a:miter lim="800000"/>
-            <a:headEnd/>
-            <a:tailEnd/>
-          </a:ln>
-        </p:spPr>
-      </p:pic>
-      <p:pic>
-        <p:nvPicPr>
-          <p:cNvPr id="20" name="Picture 19"/>
-          <p:cNvPicPr/>
-          <p:nvPr/>
-        </p:nvPicPr>
-        <p:blipFill>
-          <a:blip r:embed="rId16" cstate="print"/>
-          <a:srcRect/>
-          <a:stretch>
-            <a:fillRect/>
-          </a:stretch>
-        </p:blipFill>
-        <p:spPr bwMode="auto">
-          <a:xfrm>
-            <a:off x="4495800" y="3733800"/>
-            <a:ext cx="4267200" cy="1371600"/>
-          </a:xfrm>
-          <a:prstGeom prst="rect">
-            <a:avLst/>
-          </a:prstGeom>
-          <a:noFill/>
-          <a:ln w="9525">
-            <a:solidFill>
-              <a:schemeClr val="accent1"/>
-            </a:solidFill>
-            <a:miter lim="800000"/>
-            <a:headEnd/>
-            <a:tailEnd/>
-          </a:ln>
-        </p:spPr>
-      </p:pic>
-      <p:pic>
-        <p:nvPicPr>
-          <p:cNvPr id="21" name="Picture 20"/>
-          <p:cNvPicPr/>
-          <p:nvPr/>
-        </p:nvPicPr>
-        <p:blipFill>
-          <a:blip r:embed="rId17" cstate="print"/>
-          <a:srcRect/>
-          <a:stretch>
-            <a:fillRect/>
-          </a:stretch>
-        </p:blipFill>
-        <p:spPr bwMode="auto">
-          <a:xfrm>
-            <a:off x="4495800" y="5181600"/>
-            <a:ext cx="4191000" cy="1524000"/>
-          </a:xfrm>
-          <a:prstGeom prst="rect">
-            <a:avLst/>
-          </a:prstGeom>
-          <a:noFill/>
-          <a:ln w="9525">
-            <a:solidFill>
-              <a:schemeClr val="accent1"/>
-            </a:solidFill>
-            <a:miter lim="800000"/>
-            <a:headEnd/>
-            <a:tailEnd/>
-          </a:ln>
-        </p:spPr>
-      </p:pic>
-      <p:pic>
-        <p:nvPicPr>
-          <p:cNvPr id="22" name="Picture 21"/>
-          <p:cNvPicPr/>
-          <p:nvPr/>
-        </p:nvPicPr>
-        <p:blipFill>
-          <a:blip r:embed="rId18" cstate="print"/>
-          <a:srcRect/>
-          <a:stretch>
-            <a:fillRect/>
-          </a:stretch>
-        </p:blipFill>
-        <p:spPr bwMode="auto">
-          <a:xfrm>
-            <a:off x="5257800" y="3124200"/>
+            <a:off x="1600200" y="3048000"/>
             <a:ext cx="485239" cy="166255"/>
           </a:xfrm>
           <a:prstGeom prst="rect">
@@ -9012,7 +10265,7 @@
           <p:nvPr/>
         </p:nvPicPr>
         <p:blipFill>
-          <a:blip r:embed="rId19" cstate="print"/>
+          <a:blip r:embed="rId12" cstate="print"/>
           <a:srcRect/>
           <a:stretch>
             <a:fillRect/>
@@ -9020,68 +10273,8 @@
         </p:blipFill>
         <p:spPr bwMode="auto">
           <a:xfrm>
-            <a:off x="7391400" y="3124200"/>
+            <a:off x="5715000" y="3048000"/>
             <a:ext cx="434563" cy="166255"/>
-          </a:xfrm>
-          <a:prstGeom prst="rect">
-            <a:avLst/>
-          </a:prstGeom>
-          <a:noFill/>
-          <a:ln w="9525">
-            <a:noFill/>
-            <a:miter lim="800000"/>
-            <a:headEnd/>
-            <a:tailEnd/>
-          </a:ln>
-        </p:spPr>
-      </p:pic>
-      <p:pic>
-        <p:nvPicPr>
-          <p:cNvPr id="24" name="Picture 23"/>
-          <p:cNvPicPr/>
-          <p:nvPr/>
-        </p:nvPicPr>
-        <p:blipFill>
-          <a:blip r:embed="rId20" cstate="print"/>
-          <a:srcRect/>
-          <a:stretch>
-            <a:fillRect/>
-          </a:stretch>
-        </p:blipFill>
-        <p:spPr bwMode="auto">
-          <a:xfrm>
-            <a:off x="5257800" y="4724400"/>
-            <a:ext cx="434563" cy="166255"/>
-          </a:xfrm>
-          <a:prstGeom prst="rect">
-            <a:avLst/>
-          </a:prstGeom>
-          <a:noFill/>
-          <a:ln w="9525">
-            <a:noFill/>
-            <a:miter lim="800000"/>
-            <a:headEnd/>
-            <a:tailEnd/>
-          </a:ln>
-        </p:spPr>
-      </p:pic>
-      <p:pic>
-        <p:nvPicPr>
-          <p:cNvPr id="25" name="Picture 24"/>
-          <p:cNvPicPr/>
-          <p:nvPr/>
-        </p:nvPicPr>
-        <p:blipFill>
-          <a:blip r:embed="rId21" cstate="print"/>
-          <a:srcRect/>
-          <a:stretch>
-            <a:fillRect/>
-          </a:stretch>
-        </p:blipFill>
-        <p:spPr bwMode="auto">
-          <a:xfrm>
-            <a:off x="7010400" y="4724400"/>
-            <a:ext cx="327685" cy="154379"/>
           </a:xfrm>
           <a:prstGeom prst="rect">
             <a:avLst/>
@@ -9102,7 +10295,7 @@
           <p:nvPr/>
         </p:nvPicPr>
         <p:blipFill>
-          <a:blip r:embed="rId22" cstate="print"/>
+          <a:blip r:embed="rId13" cstate="print"/>
           <a:srcRect/>
           <a:stretch>
             <a:fillRect/>
@@ -9110,7 +10303,7 @@
         </p:blipFill>
         <p:spPr bwMode="auto">
           <a:xfrm>
-            <a:off x="5181600" y="6248400"/>
+            <a:off x="1676400" y="6248400"/>
             <a:ext cx="390236" cy="166254"/>
           </a:xfrm>
           <a:prstGeom prst="rect">
@@ -9132,7 +10325,7 @@
           <p:nvPr/>
         </p:nvPicPr>
         <p:blipFill>
-          <a:blip r:embed="rId23" cstate="print"/>
+          <a:blip r:embed="rId14" cstate="print"/>
           <a:srcRect/>
           <a:stretch>
             <a:fillRect/>
@@ -9140,7 +10333,7 @@
         </p:blipFill>
         <p:spPr bwMode="auto">
           <a:xfrm>
-            <a:off x="7315200" y="6248400"/>
+            <a:off x="5867400" y="6248400"/>
             <a:ext cx="412082" cy="166255"/>
           </a:xfrm>
           <a:prstGeom prst="rect">
@@ -9200,7 +10393,7 @@
         <p:spPr>
           <a:xfrm>
             <a:off x="457200" y="228600"/>
-            <a:ext cx="7467600" cy="6245352"/>
+            <a:ext cx="7467600" cy="6629400"/>
           </a:xfrm>
         </p:spPr>
         <p:txBody>
@@ -9211,8 +10404,15 @@
           <a:p>
             <a:r>
               <a:rPr lang="ro-RO" sz="1800" dirty="0" smtClean="0"/>
-              <a:t>Studiu comparativ a performanțelor senzorilor : 2 dispozitive</a:t>
-            </a:r>
+              <a:t>Studiu comparativ a performanțelor senzorilor : 2 </a:t>
+            </a:r>
+            <a:r>
+              <a:rPr lang="ro-RO" sz="1800" dirty="0" smtClean="0"/>
+              <a:t>dispozitive</a:t>
+            </a:r>
+          </a:p>
+          <a:p>
+            <a:endParaRPr lang="ro-RO" sz="1800" dirty="0" smtClean="0"/>
           </a:p>
           <a:p>
             <a:pPr lvl="1"/>
@@ -9220,12 +10420,21 @@
               <a:rPr lang="ro-RO" sz="1500" dirty="0" smtClean="0"/>
               <a:t>Calcul Eroare pătratică medie(abaterea standard) și varianță: </a:t>
             </a:r>
+            <a:endParaRPr lang="ro-RO" sz="1500" dirty="0" smtClean="0"/>
+          </a:p>
+          <a:p>
+            <a:pPr lvl="1"/>
+            <a:endParaRPr lang="ro-RO" sz="1500" dirty="0" smtClean="0"/>
           </a:p>
           <a:p>
             <a:pPr lvl="2"/>
             <a:r>
               <a:rPr lang="ro-RO" sz="1200" dirty="0" smtClean="0"/>
-              <a:t>Durată de colectare date scurtă(1h) , condiții de mediu aproximativ constante</a:t>
+              <a:t>Durată de colectare date scurtă(1h) , condiții de mediu aproximativ </a:t>
+            </a:r>
+            <a:r>
+              <a:rPr lang="ro-RO" sz="1200" dirty="0" smtClean="0"/>
+              <a:t>constante</a:t>
             </a:r>
           </a:p>
           <a:p>
@@ -9236,8 +10445,13 @@
             <a:pPr lvl="2"/>
             <a:r>
               <a:rPr lang="ro-RO" sz="1200" dirty="0" smtClean="0"/>
-              <a:t>Eroare pătratică medie – deviația medie valori față de media lor pe un interval de timp</a:t>
-            </a:r>
+              <a:t>Eroare pătratică medie – deviația medie </a:t>
+            </a:r>
+            <a:r>
+              <a:rPr lang="ro-RO" sz="1200" dirty="0" smtClean="0"/>
+              <a:t> valori</a:t>
+            </a:r>
+            <a:endParaRPr lang="ro-RO" sz="1200" dirty="0" smtClean="0"/>
           </a:p>
           <a:p>
             <a:pPr lvl="2"/>
@@ -9256,46 +10470,12 @@
             <a:endParaRPr lang="ro-RO" sz="1200" dirty="0" smtClean="0"/>
           </a:p>
           <a:p>
-            <a:pPr lvl="6">
-              <a:buNone/>
-            </a:pPr>
-            <a:r>
-              <a:rPr lang="ro-RO" sz="1200" dirty="0" smtClean="0"/>
-              <a:t>Rezultate finale Varianță, Eroare Medie Pătratică, W5</a:t>
-            </a:r>
-          </a:p>
-          <a:p>
-            <a:pPr lvl="3"/>
+            <a:pPr lvl="2"/>
             <a:endParaRPr lang="ro-RO" sz="1200" dirty="0" smtClean="0"/>
           </a:p>
           <a:p>
-            <a:pPr lvl="3"/>
+            <a:pPr lvl="2"/>
             <a:endParaRPr lang="ro-RO" sz="1200" dirty="0" smtClean="0"/>
-          </a:p>
-          <a:p>
-            <a:pPr lvl="3"/>
-            <a:endParaRPr lang="ro-RO" sz="1200" dirty="0" smtClean="0"/>
-          </a:p>
-          <a:p>
-            <a:pPr lvl="3"/>
-            <a:endParaRPr lang="ro-RO" sz="1200" dirty="0" smtClean="0"/>
-          </a:p>
-          <a:p>
-            <a:pPr lvl="3"/>
-            <a:endParaRPr lang="ro-RO" sz="1200" dirty="0" smtClean="0"/>
-          </a:p>
-          <a:p>
-            <a:pPr lvl="3"/>
-            <a:endParaRPr lang="ro-RO" sz="1200" dirty="0" smtClean="0"/>
-          </a:p>
-          <a:p>
-            <a:pPr lvl="6">
-              <a:buNone/>
-            </a:pPr>
-            <a:r>
-              <a:rPr lang="ro-RO" sz="1200" dirty="0" smtClean="0"/>
-              <a:t>Rezultate finale Varianță, Eroare Medie Pătratică, W4</a:t>
-            </a:r>
           </a:p>
           <a:p>
             <a:pPr lvl="6">
@@ -9304,24 +10484,133 @@
             <a:endParaRPr lang="ro-RO" sz="1200" dirty="0" smtClean="0"/>
           </a:p>
           <a:p>
-            <a:pPr lvl="1">
-              <a:buFont typeface="Courier New" pitchFamily="49" charset="0"/>
-              <a:buChar char="o"/>
+            <a:pPr lvl="6">
+              <a:buNone/>
             </a:pPr>
-            <a:r>
-              <a:rPr lang="ro-RO" sz="1800" dirty="0" smtClean="0"/>
-              <a:t>Concluzii studiu</a:t>
-            </a:r>
-          </a:p>
-          <a:p>
-            <a:pPr lvl="2">
-              <a:buFont typeface="Courier New" pitchFamily="49" charset="0"/>
-              <a:buChar char="o"/>
+            <a:endParaRPr lang="ro-RO" sz="1200" dirty="0" smtClean="0"/>
+          </a:p>
+          <a:p>
+            <a:pPr lvl="6">
+              <a:buNone/>
             </a:pPr>
-            <a:r>
-              <a:rPr lang="ro-RO" sz="1500" dirty="0" smtClean="0"/>
-              <a:t> ?</a:t>
-            </a:r>
+            <a:endParaRPr lang="ro-RO" sz="1200" dirty="0" smtClean="0"/>
+          </a:p>
+          <a:p>
+            <a:pPr lvl="6">
+              <a:buNone/>
+            </a:pPr>
+            <a:endParaRPr lang="ro-RO" sz="1200" dirty="0" smtClean="0"/>
+          </a:p>
+          <a:p>
+            <a:pPr lvl="6">
+              <a:buNone/>
+            </a:pPr>
+            <a:endParaRPr lang="ro-RO" sz="1200" dirty="0" smtClean="0"/>
+          </a:p>
+          <a:p>
+            <a:pPr lvl="6">
+              <a:buNone/>
+            </a:pPr>
+            <a:endParaRPr lang="ro-RO" sz="1200" dirty="0" smtClean="0"/>
+          </a:p>
+          <a:p>
+            <a:pPr lvl="6">
+              <a:buNone/>
+            </a:pPr>
+            <a:endParaRPr lang="ro-RO" sz="1200" dirty="0" smtClean="0"/>
+          </a:p>
+          <a:p>
+            <a:pPr lvl="6">
+              <a:buNone/>
+            </a:pPr>
+            <a:endParaRPr lang="ro-RO" sz="1200" dirty="0" smtClean="0"/>
+          </a:p>
+          <a:p>
+            <a:pPr lvl="6">
+              <a:buNone/>
+            </a:pPr>
+            <a:endParaRPr lang="ro-RO" sz="1200" dirty="0" smtClean="0"/>
+          </a:p>
+          <a:p>
+            <a:pPr lvl="6">
+              <a:buNone/>
+            </a:pPr>
+            <a:endParaRPr lang="ro-RO" sz="1200" dirty="0" smtClean="0"/>
+          </a:p>
+          <a:p>
+            <a:pPr lvl="6">
+              <a:buNone/>
+            </a:pPr>
+            <a:endParaRPr lang="ro-RO" sz="1200" dirty="0" smtClean="0"/>
+          </a:p>
+          <a:p>
+            <a:pPr lvl="6">
+              <a:buNone/>
+            </a:pPr>
+            <a:r>
+              <a:rPr lang="ro-RO" sz="1200" dirty="0" smtClean="0"/>
+              <a:t>       </a:t>
+            </a:r>
+          </a:p>
+          <a:p>
+            <a:pPr lvl="6">
+              <a:buNone/>
+            </a:pPr>
+            <a:endParaRPr lang="ro-RO" sz="1200" dirty="0" smtClean="0"/>
+          </a:p>
+          <a:p>
+            <a:pPr lvl="6">
+              <a:buNone/>
+            </a:pPr>
+            <a:endParaRPr lang="ro-RO" sz="1200" dirty="0" smtClean="0"/>
+          </a:p>
+          <a:p>
+            <a:pPr lvl="6">
+              <a:buNone/>
+            </a:pPr>
+            <a:r>
+              <a:rPr lang="ro-RO" sz="1200" dirty="0" smtClean="0"/>
+              <a:t>         Rezultate finale </a:t>
+            </a:r>
+            <a:r>
+              <a:rPr lang="ro-RO" sz="1200" dirty="0" smtClean="0"/>
+              <a:t>Eroare Medie Pătratică, </a:t>
+            </a:r>
+            <a:r>
+              <a:rPr lang="ro-RO" sz="1200" dirty="0" smtClean="0"/>
+              <a:t>W5, W5</a:t>
+            </a:r>
+            <a:endParaRPr lang="ro-RO" sz="1200" dirty="0" smtClean="0"/>
+          </a:p>
+          <a:p>
+            <a:pPr lvl="3"/>
+            <a:endParaRPr lang="ro-RO" sz="1200" dirty="0" smtClean="0"/>
+          </a:p>
+          <a:p>
+            <a:pPr lvl="3"/>
+            <a:endParaRPr lang="ro-RO" sz="1200" dirty="0" smtClean="0"/>
+          </a:p>
+          <a:p>
+            <a:pPr lvl="3"/>
+            <a:endParaRPr lang="ro-RO" sz="1200" dirty="0" smtClean="0"/>
+          </a:p>
+          <a:p>
+            <a:pPr lvl="3"/>
+            <a:endParaRPr lang="ro-RO" sz="1200" dirty="0" smtClean="0"/>
+          </a:p>
+          <a:p>
+            <a:pPr lvl="3"/>
+            <a:endParaRPr lang="ro-RO" sz="1200" dirty="0" smtClean="0"/>
+          </a:p>
+          <a:p>
+            <a:pPr lvl="3"/>
+            <a:endParaRPr lang="ro-RO" sz="1200" dirty="0" smtClean="0"/>
+          </a:p>
+          <a:p>
+            <a:pPr lvl="6">
+              <a:buNone/>
+            </a:pPr>
+            <a:endParaRPr lang="ro-RO" sz="1200" dirty="0" smtClean="0"/>
           </a:p>
         </p:txBody>
       </p:sp>
@@ -9346,8 +10635,16 @@
               <a:t>11</a:t>
             </a:fld>
             <a:r>
-              <a:rPr lang="ro-RO" smtClean="0"/>
-              <a:t> of 10</a:t>
+              <a:rPr lang="en-US" dirty="0" smtClean="0"/>
+              <a:t>/</a:t>
+            </a:r>
+            <a:r>
+              <a:rPr lang="ro-RO" dirty="0" smtClean="0"/>
+              <a:t>1</a:t>
+            </a:r>
+            <a:r>
+              <a:rPr lang="en-US" dirty="0" smtClean="0"/>
+              <a:t>3</a:t>
             </a:r>
             <a:endParaRPr lang="en-US" dirty="0"/>
           </a:p>
@@ -9355,2186 +10652,86 @@
       </p:sp>
       <p:graphicFrame>
         <p:nvGraphicFramePr>
-          <p:cNvPr id="5" name="Table 4"/>
-          <p:cNvGraphicFramePr>
-            <a:graphicFrameLocks noGrp="1"/>
-          </p:cNvGraphicFramePr>
+          <p:cNvPr id="9" name="Chart 8"/>
+          <p:cNvGraphicFramePr/>
           <p:nvPr/>
         </p:nvGraphicFramePr>
         <p:xfrm>
-          <a:off x="1905000" y="1524000"/>
-          <a:ext cx="3973195" cy="822960"/>
+          <a:off x="1981200" y="2209800"/>
+          <a:ext cx="4648200" cy="4191000"/>
         </p:xfrm>
         <a:graphic>
-          <a:graphicData uri="http://schemas.openxmlformats.org/drawingml/2006/table">
-            <a:tbl>
-              <a:tblPr/>
-              <a:tblGrid>
-                <a:gridCol w="697230"/>
-                <a:gridCol w="974090"/>
-                <a:gridCol w="629285"/>
-                <a:gridCol w="836295"/>
-                <a:gridCol w="836295"/>
-              </a:tblGrid>
-              <a:tr h="0">
-                <a:tc>
-                  <a:txBody>
-                    <a:bodyPr/>
-                    <a:lstStyle/>
-                    <a:p>
-                      <a:pPr marL="0" marR="0" algn="ctr">
-                        <a:lnSpc>
-                          <a:spcPct val="150000"/>
-                        </a:lnSpc>
-                        <a:spcBef>
-                          <a:spcPts val="0"/>
-                        </a:spcBef>
-                        <a:spcAft>
-                          <a:spcPts val="0"/>
-                        </a:spcAft>
-                      </a:pPr>
-                      <a:r>
-                        <a:rPr lang="ro-RO" sz="1200" b="1" dirty="0">
-                          <a:latin typeface="Times New Roman"/>
-                          <a:ea typeface="Calibri"/>
-                          <a:cs typeface="Times New Roman"/>
-                        </a:rPr>
-                        <a:t>W5</a:t>
-                      </a:r>
-                      <a:endParaRPr lang="en-US" sz="1100" dirty="0">
-                        <a:latin typeface="Calibri"/>
-                        <a:ea typeface="Calibri"/>
-                        <a:cs typeface="Times New Roman"/>
-                      </a:endParaRPr>
-                    </a:p>
-                  </a:txBody>
-                  <a:tcPr marL="68580" marR="68580" marT="0" marB="0" anchor="ctr">
-                    <a:lnL w="12700" cap="flat" cmpd="sng" algn="ctr">
-                      <a:solidFill>
-                        <a:srgbClr val="000000"/>
-                      </a:solidFill>
-                      <a:prstDash val="solid"/>
-                      <a:round/>
-                      <a:headEnd type="none" w="med" len="med"/>
-                      <a:tailEnd type="none" w="med" len="med"/>
-                    </a:lnL>
-                    <a:lnR w="12700" cap="flat" cmpd="sng" algn="ctr">
-                      <a:solidFill>
-                        <a:srgbClr val="000000"/>
-                      </a:solidFill>
-                      <a:prstDash val="solid"/>
-                      <a:round/>
-                      <a:headEnd type="none" w="med" len="med"/>
-                      <a:tailEnd type="none" w="med" len="med"/>
-                    </a:lnR>
-                    <a:lnT w="12700" cap="flat" cmpd="sng" algn="ctr">
-                      <a:solidFill>
-                        <a:srgbClr val="000000"/>
-                      </a:solidFill>
-                      <a:prstDash val="solid"/>
-                      <a:round/>
-                      <a:headEnd type="none" w="med" len="med"/>
-                      <a:tailEnd type="none" w="med" len="med"/>
-                    </a:lnT>
-                    <a:lnB w="12700" cap="flat" cmpd="sng" algn="ctr">
-                      <a:solidFill>
-                        <a:srgbClr val="000000"/>
-                      </a:solidFill>
-                      <a:prstDash val="solid"/>
-                      <a:round/>
-                      <a:headEnd type="none" w="med" len="med"/>
-                      <a:tailEnd type="none" w="med" len="med"/>
-                    </a:lnB>
-                  </a:tcPr>
-                </a:tc>
-                <a:tc>
-                  <a:txBody>
-                    <a:bodyPr/>
-                    <a:lstStyle/>
-                    <a:p>
-                      <a:pPr marL="0" marR="0" algn="ctr">
-                        <a:lnSpc>
-                          <a:spcPct val="150000"/>
-                        </a:lnSpc>
-                        <a:spcBef>
-                          <a:spcPts val="0"/>
-                        </a:spcBef>
-                        <a:spcAft>
-                          <a:spcPts val="0"/>
-                        </a:spcAft>
-                      </a:pPr>
-                      <a:r>
-                        <a:rPr lang="ro-RO" sz="1200">
-                          <a:latin typeface="Times New Roman"/>
-                          <a:ea typeface="Calibri"/>
-                          <a:cs typeface="Times New Roman"/>
-                        </a:rPr>
-                        <a:t>CO</a:t>
-                      </a:r>
-                      <a:endParaRPr lang="en-US" sz="1100">
-                        <a:latin typeface="Calibri"/>
-                        <a:ea typeface="Calibri"/>
-                        <a:cs typeface="Times New Roman"/>
-                      </a:endParaRPr>
-                    </a:p>
-                  </a:txBody>
-                  <a:tcPr marL="68580" marR="68580" marT="0" marB="0" anchor="ctr">
-                    <a:lnL w="12700" cap="flat" cmpd="sng" algn="ctr">
-                      <a:solidFill>
-                        <a:srgbClr val="000000"/>
-                      </a:solidFill>
-                      <a:prstDash val="solid"/>
-                      <a:round/>
-                      <a:headEnd type="none" w="med" len="med"/>
-                      <a:tailEnd type="none" w="med" len="med"/>
-                    </a:lnL>
-                    <a:lnR w="12700" cap="flat" cmpd="sng" algn="ctr">
-                      <a:solidFill>
-                        <a:srgbClr val="000000"/>
-                      </a:solidFill>
-                      <a:prstDash val="solid"/>
-                      <a:round/>
-                      <a:headEnd type="none" w="med" len="med"/>
-                      <a:tailEnd type="none" w="med" len="med"/>
-                    </a:lnR>
-                    <a:lnT w="12700" cap="flat" cmpd="sng" algn="ctr">
-                      <a:solidFill>
-                        <a:srgbClr val="000000"/>
-                      </a:solidFill>
-                      <a:prstDash val="solid"/>
-                      <a:round/>
-                      <a:headEnd type="none" w="med" len="med"/>
-                      <a:tailEnd type="none" w="med" len="med"/>
-                    </a:lnT>
-                    <a:lnB w="12700" cap="flat" cmpd="sng" algn="ctr">
-                      <a:solidFill>
-                        <a:srgbClr val="000000"/>
-                      </a:solidFill>
-                      <a:prstDash val="solid"/>
-                      <a:round/>
-                      <a:headEnd type="none" w="med" len="med"/>
-                      <a:tailEnd type="none" w="med" len="med"/>
-                    </a:lnB>
-                  </a:tcPr>
-                </a:tc>
-                <a:tc>
-                  <a:txBody>
-                    <a:bodyPr/>
-                    <a:lstStyle/>
-                    <a:p>
-                      <a:pPr marL="0" marR="0" algn="ctr">
-                        <a:lnSpc>
-                          <a:spcPct val="150000"/>
-                        </a:lnSpc>
-                        <a:spcBef>
-                          <a:spcPts val="0"/>
-                        </a:spcBef>
-                        <a:spcAft>
-                          <a:spcPts val="0"/>
-                        </a:spcAft>
-                      </a:pPr>
-                      <a:r>
-                        <a:rPr lang="ro-RO" sz="1200">
-                          <a:latin typeface="Times New Roman"/>
-                          <a:ea typeface="Calibri"/>
-                          <a:cs typeface="Times New Roman"/>
-                        </a:rPr>
-                        <a:t>NO2</a:t>
-                      </a:r>
-                      <a:endParaRPr lang="en-US" sz="1100">
-                        <a:latin typeface="Calibri"/>
-                        <a:ea typeface="Calibri"/>
-                        <a:cs typeface="Times New Roman"/>
-                      </a:endParaRPr>
-                    </a:p>
-                  </a:txBody>
-                  <a:tcPr marL="68580" marR="68580" marT="0" marB="0" anchor="ctr">
-                    <a:lnL w="12700" cap="flat" cmpd="sng" algn="ctr">
-                      <a:solidFill>
-                        <a:srgbClr val="000000"/>
-                      </a:solidFill>
-                      <a:prstDash val="solid"/>
-                      <a:round/>
-                      <a:headEnd type="none" w="med" len="med"/>
-                      <a:tailEnd type="none" w="med" len="med"/>
-                    </a:lnL>
-                    <a:lnR w="12700" cap="flat" cmpd="sng" algn="ctr">
-                      <a:solidFill>
-                        <a:srgbClr val="000000"/>
-                      </a:solidFill>
-                      <a:prstDash val="solid"/>
-                      <a:round/>
-                      <a:headEnd type="none" w="med" len="med"/>
-                      <a:tailEnd type="none" w="med" len="med"/>
-                    </a:lnR>
-                    <a:lnT w="12700" cap="flat" cmpd="sng" algn="ctr">
-                      <a:solidFill>
-                        <a:srgbClr val="000000"/>
-                      </a:solidFill>
-                      <a:prstDash val="solid"/>
-                      <a:round/>
-                      <a:headEnd type="none" w="med" len="med"/>
-                      <a:tailEnd type="none" w="med" len="med"/>
-                    </a:lnT>
-                    <a:lnB w="12700" cap="flat" cmpd="sng" algn="ctr">
-                      <a:solidFill>
-                        <a:srgbClr val="000000"/>
-                      </a:solidFill>
-                      <a:prstDash val="solid"/>
-                      <a:round/>
-                      <a:headEnd type="none" w="med" len="med"/>
-                      <a:tailEnd type="none" w="med" len="med"/>
-                    </a:lnB>
-                  </a:tcPr>
-                </a:tc>
-                <a:tc>
-                  <a:txBody>
-                    <a:bodyPr/>
-                    <a:lstStyle/>
-                    <a:p>
-                      <a:pPr marL="0" marR="0" algn="ctr">
-                        <a:lnSpc>
-                          <a:spcPct val="150000"/>
-                        </a:lnSpc>
-                        <a:spcBef>
-                          <a:spcPts val="0"/>
-                        </a:spcBef>
-                        <a:spcAft>
-                          <a:spcPts val="0"/>
-                        </a:spcAft>
-                      </a:pPr>
-                      <a:r>
-                        <a:rPr lang="ro-RO" sz="1200">
-                          <a:latin typeface="Times New Roman"/>
-                          <a:ea typeface="Calibri"/>
-                          <a:cs typeface="Times New Roman"/>
-                        </a:rPr>
-                        <a:t>SO2</a:t>
-                      </a:r>
-                      <a:endParaRPr lang="en-US" sz="1100">
-                        <a:latin typeface="Calibri"/>
-                        <a:ea typeface="Calibri"/>
-                        <a:cs typeface="Times New Roman"/>
-                      </a:endParaRPr>
-                    </a:p>
-                  </a:txBody>
-                  <a:tcPr marL="68580" marR="68580" marT="0" marB="0" anchor="ctr">
-                    <a:lnL w="12700" cap="flat" cmpd="sng" algn="ctr">
-                      <a:solidFill>
-                        <a:srgbClr val="000000"/>
-                      </a:solidFill>
-                      <a:prstDash val="solid"/>
-                      <a:round/>
-                      <a:headEnd type="none" w="med" len="med"/>
-                      <a:tailEnd type="none" w="med" len="med"/>
-                    </a:lnL>
-                    <a:lnR w="12700" cap="flat" cmpd="sng" algn="ctr">
-                      <a:solidFill>
-                        <a:srgbClr val="000000"/>
-                      </a:solidFill>
-                      <a:prstDash val="solid"/>
-                      <a:round/>
-                      <a:headEnd type="none" w="med" len="med"/>
-                      <a:tailEnd type="none" w="med" len="med"/>
-                    </a:lnR>
-                    <a:lnT w="12700" cap="flat" cmpd="sng" algn="ctr">
-                      <a:solidFill>
-                        <a:srgbClr val="000000"/>
-                      </a:solidFill>
-                      <a:prstDash val="solid"/>
-                      <a:round/>
-                      <a:headEnd type="none" w="med" len="med"/>
-                      <a:tailEnd type="none" w="med" len="med"/>
-                    </a:lnT>
-                    <a:lnB w="12700" cap="flat" cmpd="sng" algn="ctr">
-                      <a:solidFill>
-                        <a:srgbClr val="000000"/>
-                      </a:solidFill>
-                      <a:prstDash val="solid"/>
-                      <a:round/>
-                      <a:headEnd type="none" w="med" len="med"/>
-                      <a:tailEnd type="none" w="med" len="med"/>
-                    </a:lnB>
-                  </a:tcPr>
-                </a:tc>
-                <a:tc>
-                  <a:txBody>
-                    <a:bodyPr/>
-                    <a:lstStyle/>
-                    <a:p>
-                      <a:pPr marL="0" marR="0" algn="ctr">
-                        <a:lnSpc>
-                          <a:spcPct val="150000"/>
-                        </a:lnSpc>
-                        <a:spcBef>
-                          <a:spcPts val="0"/>
-                        </a:spcBef>
-                        <a:spcAft>
-                          <a:spcPts val="0"/>
-                        </a:spcAft>
-                      </a:pPr>
-                      <a:r>
-                        <a:rPr lang="ro-RO" sz="1200">
-                          <a:latin typeface="Times New Roman"/>
-                          <a:ea typeface="Calibri"/>
-                          <a:cs typeface="Times New Roman"/>
-                        </a:rPr>
-                        <a:t>O3</a:t>
-                      </a:r>
-                      <a:endParaRPr lang="en-US" sz="1100">
-                        <a:latin typeface="Calibri"/>
-                        <a:ea typeface="Calibri"/>
-                        <a:cs typeface="Times New Roman"/>
-                      </a:endParaRPr>
-                    </a:p>
-                  </a:txBody>
-                  <a:tcPr marL="68580" marR="68580" marT="0" marB="0" anchor="ctr">
-                    <a:lnL w="12700" cap="flat" cmpd="sng" algn="ctr">
-                      <a:solidFill>
-                        <a:srgbClr val="000000"/>
-                      </a:solidFill>
-                      <a:prstDash val="solid"/>
-                      <a:round/>
-                      <a:headEnd type="none" w="med" len="med"/>
-                      <a:tailEnd type="none" w="med" len="med"/>
-                    </a:lnL>
-                    <a:lnR w="12700" cap="flat" cmpd="sng" algn="ctr">
-                      <a:solidFill>
-                        <a:srgbClr val="000000"/>
-                      </a:solidFill>
-                      <a:prstDash val="solid"/>
-                      <a:round/>
-                      <a:headEnd type="none" w="med" len="med"/>
-                      <a:tailEnd type="none" w="med" len="med"/>
-                    </a:lnR>
-                    <a:lnT w="12700" cap="flat" cmpd="sng" algn="ctr">
-                      <a:solidFill>
-                        <a:srgbClr val="000000"/>
-                      </a:solidFill>
-                      <a:prstDash val="solid"/>
-                      <a:round/>
-                      <a:headEnd type="none" w="med" len="med"/>
-                      <a:tailEnd type="none" w="med" len="med"/>
-                    </a:lnT>
-                    <a:lnB w="12700" cap="flat" cmpd="sng" algn="ctr">
-                      <a:solidFill>
-                        <a:srgbClr val="000000"/>
-                      </a:solidFill>
-                      <a:prstDash val="solid"/>
-                      <a:round/>
-                      <a:headEnd type="none" w="med" len="med"/>
-                      <a:tailEnd type="none" w="med" len="med"/>
-                    </a:lnB>
-                  </a:tcPr>
-                </a:tc>
-              </a:tr>
-              <a:tr h="0">
-                <a:tc>
-                  <a:txBody>
-                    <a:bodyPr/>
-                    <a:lstStyle/>
-                    <a:p>
-                      <a:pPr marL="0" marR="0" algn="ctr">
-                        <a:lnSpc>
-                          <a:spcPct val="150000"/>
-                        </a:lnSpc>
-                        <a:spcBef>
-                          <a:spcPts val="0"/>
-                        </a:spcBef>
-                        <a:spcAft>
-                          <a:spcPts val="0"/>
-                        </a:spcAft>
-                      </a:pPr>
-                      <a:r>
-                        <a:rPr lang="ro-RO" sz="1200">
-                          <a:latin typeface="Times New Roman"/>
-                          <a:ea typeface="Calibri"/>
-                          <a:cs typeface="Times New Roman"/>
-                        </a:rPr>
-                        <a:t>σ</a:t>
-                      </a:r>
-                      <a:r>
-                        <a:rPr lang="ro-RO" sz="1200" baseline="30000">
-                          <a:latin typeface="Times New Roman"/>
-                          <a:ea typeface="Calibri"/>
-                          <a:cs typeface="Times New Roman"/>
-                        </a:rPr>
-                        <a:t>2</a:t>
-                      </a:r>
-                      <a:endParaRPr lang="en-US" sz="1100">
-                        <a:latin typeface="Calibri"/>
-                        <a:ea typeface="Calibri"/>
-                        <a:cs typeface="Times New Roman"/>
-                      </a:endParaRPr>
-                    </a:p>
-                  </a:txBody>
-                  <a:tcPr marL="68580" marR="68580" marT="0" marB="0" anchor="ctr">
-                    <a:lnL w="12700" cap="flat" cmpd="sng" algn="ctr">
-                      <a:solidFill>
-                        <a:srgbClr val="000000"/>
-                      </a:solidFill>
-                      <a:prstDash val="solid"/>
-                      <a:round/>
-                      <a:headEnd type="none" w="med" len="med"/>
-                      <a:tailEnd type="none" w="med" len="med"/>
-                    </a:lnL>
-                    <a:lnR w="12700" cap="flat" cmpd="sng" algn="ctr">
-                      <a:solidFill>
-                        <a:srgbClr val="000000"/>
-                      </a:solidFill>
-                      <a:prstDash val="solid"/>
-                      <a:round/>
-                      <a:headEnd type="none" w="med" len="med"/>
-                      <a:tailEnd type="none" w="med" len="med"/>
-                    </a:lnR>
-                    <a:lnT w="12700" cap="flat" cmpd="sng" algn="ctr">
-                      <a:solidFill>
-                        <a:srgbClr val="000000"/>
-                      </a:solidFill>
-                      <a:prstDash val="solid"/>
-                      <a:round/>
-                      <a:headEnd type="none" w="med" len="med"/>
-                      <a:tailEnd type="none" w="med" len="med"/>
-                    </a:lnT>
-                    <a:lnB w="12700" cap="flat" cmpd="sng" algn="ctr">
-                      <a:solidFill>
-                        <a:srgbClr val="000000"/>
-                      </a:solidFill>
-                      <a:prstDash val="solid"/>
-                      <a:round/>
-                      <a:headEnd type="none" w="med" len="med"/>
-                      <a:tailEnd type="none" w="med" len="med"/>
-                    </a:lnB>
-                  </a:tcPr>
-                </a:tc>
-                <a:tc>
-                  <a:txBody>
-                    <a:bodyPr/>
-                    <a:lstStyle/>
-                    <a:p>
-                      <a:pPr marL="0" marR="0" algn="ctr">
-                        <a:lnSpc>
-                          <a:spcPct val="150000"/>
-                        </a:lnSpc>
-                        <a:spcBef>
-                          <a:spcPts val="0"/>
-                        </a:spcBef>
-                        <a:spcAft>
-                          <a:spcPts val="0"/>
-                        </a:spcAft>
-                      </a:pPr>
-                      <a:r>
-                        <a:rPr lang="ro-RO" sz="1200">
-                          <a:latin typeface="Times New Roman"/>
-                          <a:ea typeface="Calibri"/>
-                          <a:cs typeface="Times New Roman"/>
-                        </a:rPr>
-                        <a:t>824464</a:t>
-                      </a:r>
-                      <a:endParaRPr lang="en-US" sz="1100">
-                        <a:latin typeface="Calibri"/>
-                        <a:ea typeface="Calibri"/>
-                        <a:cs typeface="Times New Roman"/>
-                      </a:endParaRPr>
-                    </a:p>
-                  </a:txBody>
-                  <a:tcPr marL="68580" marR="68580" marT="0" marB="0" anchor="ctr">
-                    <a:lnL w="12700" cap="flat" cmpd="sng" algn="ctr">
-                      <a:solidFill>
-                        <a:srgbClr val="000000"/>
-                      </a:solidFill>
-                      <a:prstDash val="solid"/>
-                      <a:round/>
-                      <a:headEnd type="none" w="med" len="med"/>
-                      <a:tailEnd type="none" w="med" len="med"/>
-                    </a:lnL>
-                    <a:lnR w="12700" cap="flat" cmpd="sng" algn="ctr">
-                      <a:solidFill>
-                        <a:srgbClr val="000000"/>
-                      </a:solidFill>
-                      <a:prstDash val="solid"/>
-                      <a:round/>
-                      <a:headEnd type="none" w="med" len="med"/>
-                      <a:tailEnd type="none" w="med" len="med"/>
-                    </a:lnR>
-                    <a:lnT w="12700" cap="flat" cmpd="sng" algn="ctr">
-                      <a:solidFill>
-                        <a:srgbClr val="000000"/>
-                      </a:solidFill>
-                      <a:prstDash val="solid"/>
-                      <a:round/>
-                      <a:headEnd type="none" w="med" len="med"/>
-                      <a:tailEnd type="none" w="med" len="med"/>
-                    </a:lnT>
-                    <a:lnB w="12700" cap="flat" cmpd="sng" algn="ctr">
-                      <a:solidFill>
-                        <a:srgbClr val="000000"/>
-                      </a:solidFill>
-                      <a:prstDash val="solid"/>
-                      <a:round/>
-                      <a:headEnd type="none" w="med" len="med"/>
-                      <a:tailEnd type="none" w="med" len="med"/>
-                    </a:lnB>
-                  </a:tcPr>
-                </a:tc>
-                <a:tc>
-                  <a:txBody>
-                    <a:bodyPr/>
-                    <a:lstStyle/>
-                    <a:p>
-                      <a:pPr marL="0" marR="0" algn="ctr">
-                        <a:lnSpc>
-                          <a:spcPct val="150000"/>
-                        </a:lnSpc>
-                        <a:spcBef>
-                          <a:spcPts val="0"/>
-                        </a:spcBef>
-                        <a:spcAft>
-                          <a:spcPts val="0"/>
-                        </a:spcAft>
-                      </a:pPr>
-                      <a:r>
-                        <a:rPr lang="ro-RO" sz="1200">
-                          <a:latin typeface="Times New Roman"/>
-                          <a:ea typeface="Calibri"/>
-                          <a:cs typeface="Times New Roman"/>
-                        </a:rPr>
-                        <a:t>403225</a:t>
-                      </a:r>
-                      <a:endParaRPr lang="en-US" sz="1100">
-                        <a:latin typeface="Calibri"/>
-                        <a:ea typeface="Calibri"/>
-                        <a:cs typeface="Times New Roman"/>
-                      </a:endParaRPr>
-                    </a:p>
-                  </a:txBody>
-                  <a:tcPr marL="68580" marR="68580" marT="0" marB="0" anchor="ctr">
-                    <a:lnL w="12700" cap="flat" cmpd="sng" algn="ctr">
-                      <a:solidFill>
-                        <a:srgbClr val="000000"/>
-                      </a:solidFill>
-                      <a:prstDash val="solid"/>
-                      <a:round/>
-                      <a:headEnd type="none" w="med" len="med"/>
-                      <a:tailEnd type="none" w="med" len="med"/>
-                    </a:lnL>
-                    <a:lnR w="12700" cap="flat" cmpd="sng" algn="ctr">
-                      <a:solidFill>
-                        <a:srgbClr val="000000"/>
-                      </a:solidFill>
-                      <a:prstDash val="solid"/>
-                      <a:round/>
-                      <a:headEnd type="none" w="med" len="med"/>
-                      <a:tailEnd type="none" w="med" len="med"/>
-                    </a:lnR>
-                    <a:lnT w="12700" cap="flat" cmpd="sng" algn="ctr">
-                      <a:solidFill>
-                        <a:srgbClr val="000000"/>
-                      </a:solidFill>
-                      <a:prstDash val="solid"/>
-                      <a:round/>
-                      <a:headEnd type="none" w="med" len="med"/>
-                      <a:tailEnd type="none" w="med" len="med"/>
-                    </a:lnT>
-                    <a:lnB w="12700" cap="flat" cmpd="sng" algn="ctr">
-                      <a:solidFill>
-                        <a:srgbClr val="000000"/>
-                      </a:solidFill>
-                      <a:prstDash val="solid"/>
-                      <a:round/>
-                      <a:headEnd type="none" w="med" len="med"/>
-                      <a:tailEnd type="none" w="med" len="med"/>
-                    </a:lnB>
-                  </a:tcPr>
-                </a:tc>
-                <a:tc>
-                  <a:txBody>
-                    <a:bodyPr/>
-                    <a:lstStyle/>
-                    <a:p>
-                      <a:pPr marL="0" marR="0" algn="ctr">
-                        <a:lnSpc>
-                          <a:spcPct val="150000"/>
-                        </a:lnSpc>
-                        <a:spcBef>
-                          <a:spcPts val="0"/>
-                        </a:spcBef>
-                        <a:spcAft>
-                          <a:spcPts val="0"/>
-                        </a:spcAft>
-                      </a:pPr>
-                      <a:r>
-                        <a:rPr lang="ro-RO" sz="1200">
-                          <a:latin typeface="Times New Roman"/>
-                          <a:ea typeface="Calibri"/>
-                          <a:cs typeface="Times New Roman"/>
-                        </a:rPr>
-                        <a:t>1512900</a:t>
-                      </a:r>
-                      <a:endParaRPr lang="en-US" sz="1100">
-                        <a:latin typeface="Calibri"/>
-                        <a:ea typeface="Calibri"/>
-                        <a:cs typeface="Times New Roman"/>
-                      </a:endParaRPr>
-                    </a:p>
-                  </a:txBody>
-                  <a:tcPr marL="68580" marR="68580" marT="0" marB="0" anchor="ctr">
-                    <a:lnL w="12700" cap="flat" cmpd="sng" algn="ctr">
-                      <a:solidFill>
-                        <a:srgbClr val="000000"/>
-                      </a:solidFill>
-                      <a:prstDash val="solid"/>
-                      <a:round/>
-                      <a:headEnd type="none" w="med" len="med"/>
-                      <a:tailEnd type="none" w="med" len="med"/>
-                    </a:lnL>
-                    <a:lnR w="12700" cap="flat" cmpd="sng" algn="ctr">
-                      <a:solidFill>
-                        <a:srgbClr val="000000"/>
-                      </a:solidFill>
-                      <a:prstDash val="solid"/>
-                      <a:round/>
-                      <a:headEnd type="none" w="med" len="med"/>
-                      <a:tailEnd type="none" w="med" len="med"/>
-                    </a:lnR>
-                    <a:lnT w="12700" cap="flat" cmpd="sng" algn="ctr">
-                      <a:solidFill>
-                        <a:srgbClr val="000000"/>
-                      </a:solidFill>
-                      <a:prstDash val="solid"/>
-                      <a:round/>
-                      <a:headEnd type="none" w="med" len="med"/>
-                      <a:tailEnd type="none" w="med" len="med"/>
-                    </a:lnT>
-                    <a:lnB w="12700" cap="flat" cmpd="sng" algn="ctr">
-                      <a:solidFill>
-                        <a:srgbClr val="000000"/>
-                      </a:solidFill>
-                      <a:prstDash val="solid"/>
-                      <a:round/>
-                      <a:headEnd type="none" w="med" len="med"/>
-                      <a:tailEnd type="none" w="med" len="med"/>
-                    </a:lnB>
-                  </a:tcPr>
-                </a:tc>
-                <a:tc>
-                  <a:txBody>
-                    <a:bodyPr/>
-                    <a:lstStyle/>
-                    <a:p>
-                      <a:pPr marL="0" marR="0" algn="ctr">
-                        <a:lnSpc>
-                          <a:spcPct val="150000"/>
-                        </a:lnSpc>
-                        <a:spcBef>
-                          <a:spcPts val="0"/>
-                        </a:spcBef>
-                        <a:spcAft>
-                          <a:spcPts val="0"/>
-                        </a:spcAft>
-                      </a:pPr>
-                      <a:r>
-                        <a:rPr lang="ro-RO" sz="1200">
-                          <a:latin typeface="Times New Roman"/>
-                          <a:ea typeface="Calibri"/>
-                          <a:cs typeface="Times New Roman"/>
-                        </a:rPr>
-                        <a:t>448900</a:t>
-                      </a:r>
-                      <a:endParaRPr lang="en-US" sz="1100">
-                        <a:latin typeface="Calibri"/>
-                        <a:ea typeface="Calibri"/>
-                        <a:cs typeface="Times New Roman"/>
-                      </a:endParaRPr>
-                    </a:p>
-                  </a:txBody>
-                  <a:tcPr marL="68580" marR="68580" marT="0" marB="0" anchor="ctr">
-                    <a:lnL w="12700" cap="flat" cmpd="sng" algn="ctr">
-                      <a:solidFill>
-                        <a:srgbClr val="000000"/>
-                      </a:solidFill>
-                      <a:prstDash val="solid"/>
-                      <a:round/>
-                      <a:headEnd type="none" w="med" len="med"/>
-                      <a:tailEnd type="none" w="med" len="med"/>
-                    </a:lnL>
-                    <a:lnR w="12700" cap="flat" cmpd="sng" algn="ctr">
-                      <a:solidFill>
-                        <a:srgbClr val="000000"/>
-                      </a:solidFill>
-                      <a:prstDash val="solid"/>
-                      <a:round/>
-                      <a:headEnd type="none" w="med" len="med"/>
-                      <a:tailEnd type="none" w="med" len="med"/>
-                    </a:lnR>
-                    <a:lnT w="12700" cap="flat" cmpd="sng" algn="ctr">
-                      <a:solidFill>
-                        <a:srgbClr val="000000"/>
-                      </a:solidFill>
-                      <a:prstDash val="solid"/>
-                      <a:round/>
-                      <a:headEnd type="none" w="med" len="med"/>
-                      <a:tailEnd type="none" w="med" len="med"/>
-                    </a:lnT>
-                    <a:lnB w="12700" cap="flat" cmpd="sng" algn="ctr">
-                      <a:solidFill>
-                        <a:srgbClr val="000000"/>
-                      </a:solidFill>
-                      <a:prstDash val="solid"/>
-                      <a:round/>
-                      <a:headEnd type="none" w="med" len="med"/>
-                      <a:tailEnd type="none" w="med" len="med"/>
-                    </a:lnB>
-                  </a:tcPr>
-                </a:tc>
-              </a:tr>
-              <a:tr h="0">
-                <a:tc>
-                  <a:txBody>
-                    <a:bodyPr/>
-                    <a:lstStyle/>
-                    <a:p>
-                      <a:pPr marL="0" marR="0" algn="ctr">
-                        <a:lnSpc>
-                          <a:spcPct val="150000"/>
-                        </a:lnSpc>
-                        <a:spcBef>
-                          <a:spcPts val="0"/>
-                        </a:spcBef>
-                        <a:spcAft>
-                          <a:spcPts val="0"/>
-                        </a:spcAft>
-                      </a:pPr>
-                      <a:r>
-                        <a:rPr lang="ro-RO" sz="1200" dirty="0">
-                          <a:latin typeface="Times New Roman"/>
-                          <a:ea typeface="Calibri"/>
-                          <a:cs typeface="Times New Roman"/>
-                        </a:rPr>
-                        <a:t>σ</a:t>
-                      </a:r>
-                      <a:endParaRPr lang="en-US" sz="1100" dirty="0">
-                        <a:latin typeface="Calibri"/>
-                        <a:ea typeface="Calibri"/>
-                        <a:cs typeface="Times New Roman"/>
-                      </a:endParaRPr>
-                    </a:p>
-                  </a:txBody>
-                  <a:tcPr marL="68580" marR="68580" marT="0" marB="0" anchor="ctr">
-                    <a:lnL w="12700" cap="flat" cmpd="sng" algn="ctr">
-                      <a:solidFill>
-                        <a:srgbClr val="000000"/>
-                      </a:solidFill>
-                      <a:prstDash val="solid"/>
-                      <a:round/>
-                      <a:headEnd type="none" w="med" len="med"/>
-                      <a:tailEnd type="none" w="med" len="med"/>
-                    </a:lnL>
-                    <a:lnR w="12700" cap="flat" cmpd="sng" algn="ctr">
-                      <a:solidFill>
-                        <a:srgbClr val="000000"/>
-                      </a:solidFill>
-                      <a:prstDash val="solid"/>
-                      <a:round/>
-                      <a:headEnd type="none" w="med" len="med"/>
-                      <a:tailEnd type="none" w="med" len="med"/>
-                    </a:lnR>
-                    <a:lnT w="12700" cap="flat" cmpd="sng" algn="ctr">
-                      <a:solidFill>
-                        <a:srgbClr val="000000"/>
-                      </a:solidFill>
-                      <a:prstDash val="solid"/>
-                      <a:round/>
-                      <a:headEnd type="none" w="med" len="med"/>
-                      <a:tailEnd type="none" w="med" len="med"/>
-                    </a:lnT>
-                    <a:lnB w="12700" cap="flat" cmpd="sng" algn="ctr">
-                      <a:solidFill>
-                        <a:srgbClr val="000000"/>
-                      </a:solidFill>
-                      <a:prstDash val="solid"/>
-                      <a:round/>
-                      <a:headEnd type="none" w="med" len="med"/>
-                      <a:tailEnd type="none" w="med" len="med"/>
-                    </a:lnB>
-                  </a:tcPr>
-                </a:tc>
-                <a:tc>
-                  <a:txBody>
-                    <a:bodyPr/>
-                    <a:lstStyle/>
-                    <a:p>
-                      <a:pPr marL="0" marR="0" algn="ctr">
-                        <a:lnSpc>
-                          <a:spcPct val="150000"/>
-                        </a:lnSpc>
-                        <a:spcBef>
-                          <a:spcPts val="0"/>
-                        </a:spcBef>
-                        <a:spcAft>
-                          <a:spcPts val="0"/>
-                        </a:spcAft>
-                      </a:pPr>
-                      <a:r>
-                        <a:rPr lang="ro-RO" sz="1200" dirty="0">
-                          <a:latin typeface="Times New Roman"/>
-                          <a:ea typeface="Calibri"/>
-                          <a:cs typeface="Times New Roman"/>
-                        </a:rPr>
-                        <a:t>908</a:t>
-                      </a:r>
-                      <a:endParaRPr lang="en-US" sz="1100" dirty="0">
-                        <a:latin typeface="Calibri"/>
-                        <a:ea typeface="Calibri"/>
-                        <a:cs typeface="Times New Roman"/>
-                      </a:endParaRPr>
-                    </a:p>
-                  </a:txBody>
-                  <a:tcPr marL="68580" marR="68580" marT="0" marB="0" anchor="ctr">
-                    <a:lnL w="12700" cap="flat" cmpd="sng" algn="ctr">
-                      <a:solidFill>
-                        <a:srgbClr val="000000"/>
-                      </a:solidFill>
-                      <a:prstDash val="solid"/>
-                      <a:round/>
-                      <a:headEnd type="none" w="med" len="med"/>
-                      <a:tailEnd type="none" w="med" len="med"/>
-                    </a:lnL>
-                    <a:lnR w="12700" cap="flat" cmpd="sng" algn="ctr">
-                      <a:solidFill>
-                        <a:srgbClr val="000000"/>
-                      </a:solidFill>
-                      <a:prstDash val="solid"/>
-                      <a:round/>
-                      <a:headEnd type="none" w="med" len="med"/>
-                      <a:tailEnd type="none" w="med" len="med"/>
-                    </a:lnR>
-                    <a:lnT w="12700" cap="flat" cmpd="sng" algn="ctr">
-                      <a:solidFill>
-                        <a:srgbClr val="000000"/>
-                      </a:solidFill>
-                      <a:prstDash val="solid"/>
-                      <a:round/>
-                      <a:headEnd type="none" w="med" len="med"/>
-                      <a:tailEnd type="none" w="med" len="med"/>
-                    </a:lnT>
-                    <a:lnB w="12700" cap="flat" cmpd="sng" algn="ctr">
-                      <a:solidFill>
-                        <a:srgbClr val="000000"/>
-                      </a:solidFill>
-                      <a:prstDash val="solid"/>
-                      <a:round/>
-                      <a:headEnd type="none" w="med" len="med"/>
-                      <a:tailEnd type="none" w="med" len="med"/>
-                    </a:lnB>
-                  </a:tcPr>
-                </a:tc>
-                <a:tc>
-                  <a:txBody>
-                    <a:bodyPr/>
-                    <a:lstStyle/>
-                    <a:p>
-                      <a:pPr marL="0" marR="0" algn="ctr">
-                        <a:lnSpc>
-                          <a:spcPct val="150000"/>
-                        </a:lnSpc>
-                        <a:spcBef>
-                          <a:spcPts val="0"/>
-                        </a:spcBef>
-                        <a:spcAft>
-                          <a:spcPts val="0"/>
-                        </a:spcAft>
-                      </a:pPr>
-                      <a:r>
-                        <a:rPr lang="ro-RO" sz="1200" dirty="0">
-                          <a:latin typeface="Times New Roman"/>
-                          <a:ea typeface="Calibri"/>
-                          <a:cs typeface="Times New Roman"/>
-                        </a:rPr>
-                        <a:t>635</a:t>
-                      </a:r>
-                      <a:endParaRPr lang="en-US" sz="1100" dirty="0">
-                        <a:latin typeface="Calibri"/>
-                        <a:ea typeface="Calibri"/>
-                        <a:cs typeface="Times New Roman"/>
-                      </a:endParaRPr>
-                    </a:p>
-                  </a:txBody>
-                  <a:tcPr marL="68580" marR="68580" marT="0" marB="0" anchor="ctr">
-                    <a:lnL w="12700" cap="flat" cmpd="sng" algn="ctr">
-                      <a:solidFill>
-                        <a:srgbClr val="000000"/>
-                      </a:solidFill>
-                      <a:prstDash val="solid"/>
-                      <a:round/>
-                      <a:headEnd type="none" w="med" len="med"/>
-                      <a:tailEnd type="none" w="med" len="med"/>
-                    </a:lnL>
-                    <a:lnR w="12700" cap="flat" cmpd="sng" algn="ctr">
-                      <a:solidFill>
-                        <a:srgbClr val="000000"/>
-                      </a:solidFill>
-                      <a:prstDash val="solid"/>
-                      <a:round/>
-                      <a:headEnd type="none" w="med" len="med"/>
-                      <a:tailEnd type="none" w="med" len="med"/>
-                    </a:lnR>
-                    <a:lnT w="12700" cap="flat" cmpd="sng" algn="ctr">
-                      <a:solidFill>
-                        <a:srgbClr val="000000"/>
-                      </a:solidFill>
-                      <a:prstDash val="solid"/>
-                      <a:round/>
-                      <a:headEnd type="none" w="med" len="med"/>
-                      <a:tailEnd type="none" w="med" len="med"/>
-                    </a:lnT>
-                    <a:lnB w="12700" cap="flat" cmpd="sng" algn="ctr">
-                      <a:solidFill>
-                        <a:srgbClr val="000000"/>
-                      </a:solidFill>
-                      <a:prstDash val="solid"/>
-                      <a:round/>
-                      <a:headEnd type="none" w="med" len="med"/>
-                      <a:tailEnd type="none" w="med" len="med"/>
-                    </a:lnB>
-                  </a:tcPr>
-                </a:tc>
-                <a:tc>
-                  <a:txBody>
-                    <a:bodyPr/>
-                    <a:lstStyle/>
-                    <a:p>
-                      <a:pPr marL="0" marR="0" algn="ctr">
-                        <a:lnSpc>
-                          <a:spcPct val="150000"/>
-                        </a:lnSpc>
-                        <a:spcBef>
-                          <a:spcPts val="0"/>
-                        </a:spcBef>
-                        <a:spcAft>
-                          <a:spcPts val="0"/>
-                        </a:spcAft>
-                      </a:pPr>
-                      <a:r>
-                        <a:rPr lang="ro-RO" sz="1200">
-                          <a:latin typeface="Times New Roman"/>
-                          <a:ea typeface="Calibri"/>
-                          <a:cs typeface="Times New Roman"/>
-                        </a:rPr>
-                        <a:t>1230</a:t>
-                      </a:r>
-                      <a:endParaRPr lang="en-US" sz="1100">
-                        <a:latin typeface="Calibri"/>
-                        <a:ea typeface="Calibri"/>
-                        <a:cs typeface="Times New Roman"/>
-                      </a:endParaRPr>
-                    </a:p>
-                  </a:txBody>
-                  <a:tcPr marL="68580" marR="68580" marT="0" marB="0" anchor="ctr">
-                    <a:lnL w="12700" cap="flat" cmpd="sng" algn="ctr">
-                      <a:solidFill>
-                        <a:srgbClr val="000000"/>
-                      </a:solidFill>
-                      <a:prstDash val="solid"/>
-                      <a:round/>
-                      <a:headEnd type="none" w="med" len="med"/>
-                      <a:tailEnd type="none" w="med" len="med"/>
-                    </a:lnL>
-                    <a:lnR w="12700" cap="flat" cmpd="sng" algn="ctr">
-                      <a:solidFill>
-                        <a:srgbClr val="000000"/>
-                      </a:solidFill>
-                      <a:prstDash val="solid"/>
-                      <a:round/>
-                      <a:headEnd type="none" w="med" len="med"/>
-                      <a:tailEnd type="none" w="med" len="med"/>
-                    </a:lnR>
-                    <a:lnT w="12700" cap="flat" cmpd="sng" algn="ctr">
-                      <a:solidFill>
-                        <a:srgbClr val="000000"/>
-                      </a:solidFill>
-                      <a:prstDash val="solid"/>
-                      <a:round/>
-                      <a:headEnd type="none" w="med" len="med"/>
-                      <a:tailEnd type="none" w="med" len="med"/>
-                    </a:lnT>
-                    <a:lnB w="12700" cap="flat" cmpd="sng" algn="ctr">
-                      <a:solidFill>
-                        <a:srgbClr val="000000"/>
-                      </a:solidFill>
-                      <a:prstDash val="solid"/>
-                      <a:round/>
-                      <a:headEnd type="none" w="med" len="med"/>
-                      <a:tailEnd type="none" w="med" len="med"/>
-                    </a:lnB>
-                  </a:tcPr>
-                </a:tc>
-                <a:tc>
-                  <a:txBody>
-                    <a:bodyPr/>
-                    <a:lstStyle/>
-                    <a:p>
-                      <a:pPr marL="0" marR="0" algn="ctr">
-                        <a:lnSpc>
-                          <a:spcPct val="150000"/>
-                        </a:lnSpc>
-                        <a:spcBef>
-                          <a:spcPts val="0"/>
-                        </a:spcBef>
-                        <a:spcAft>
-                          <a:spcPts val="0"/>
-                        </a:spcAft>
-                      </a:pPr>
-                      <a:r>
-                        <a:rPr lang="ro-RO" sz="1200" dirty="0">
-                          <a:latin typeface="Times New Roman"/>
-                          <a:ea typeface="Calibri"/>
-                          <a:cs typeface="Times New Roman"/>
-                        </a:rPr>
-                        <a:t>670</a:t>
-                      </a:r>
-                      <a:endParaRPr lang="en-US" sz="1100" dirty="0">
-                        <a:latin typeface="Calibri"/>
-                        <a:ea typeface="Calibri"/>
-                        <a:cs typeface="Times New Roman"/>
-                      </a:endParaRPr>
-                    </a:p>
-                  </a:txBody>
-                  <a:tcPr marL="68580" marR="68580" marT="0" marB="0" anchor="ctr">
-                    <a:lnL w="12700" cap="flat" cmpd="sng" algn="ctr">
-                      <a:solidFill>
-                        <a:srgbClr val="000000"/>
-                      </a:solidFill>
-                      <a:prstDash val="solid"/>
-                      <a:round/>
-                      <a:headEnd type="none" w="med" len="med"/>
-                      <a:tailEnd type="none" w="med" len="med"/>
-                    </a:lnL>
-                    <a:lnR w="12700" cap="flat" cmpd="sng" algn="ctr">
-                      <a:solidFill>
-                        <a:srgbClr val="000000"/>
-                      </a:solidFill>
-                      <a:prstDash val="solid"/>
-                      <a:round/>
-                      <a:headEnd type="none" w="med" len="med"/>
-                      <a:tailEnd type="none" w="med" len="med"/>
-                    </a:lnR>
-                    <a:lnT w="12700" cap="flat" cmpd="sng" algn="ctr">
-                      <a:solidFill>
-                        <a:srgbClr val="000000"/>
-                      </a:solidFill>
-                      <a:prstDash val="solid"/>
-                      <a:round/>
-                      <a:headEnd type="none" w="med" len="med"/>
-                      <a:tailEnd type="none" w="med" len="med"/>
-                    </a:lnT>
-                    <a:lnB w="12700" cap="flat" cmpd="sng" algn="ctr">
-                      <a:solidFill>
-                        <a:srgbClr val="000000"/>
-                      </a:solidFill>
-                      <a:prstDash val="solid"/>
-                      <a:round/>
-                      <a:headEnd type="none" w="med" len="med"/>
-                      <a:tailEnd type="none" w="med" len="med"/>
-                    </a:lnB>
-                  </a:tcPr>
-                </a:tc>
-              </a:tr>
-            </a:tbl>
+          <a:graphicData uri="http://schemas.openxmlformats.org/drawingml/2006/chart">
+            <c:chart xmlns:c="http://schemas.openxmlformats.org/drawingml/2006/chart" xmlns:r="http://schemas.openxmlformats.org/officeDocument/2006/relationships" r:id="rId3"/>
           </a:graphicData>
         </a:graphic>
       </p:graphicFrame>
-      <p:graphicFrame>
-        <p:nvGraphicFramePr>
-          <p:cNvPr id="6" name="Table 5"/>
-          <p:cNvGraphicFramePr>
-            <a:graphicFrameLocks noGrp="1"/>
-          </p:cNvGraphicFramePr>
+      <p:pic>
+        <p:nvPicPr>
+          <p:cNvPr id="2051" name="Picture 3"/>
+          <p:cNvPicPr>
+            <a:picLocks noChangeAspect="1" noChangeArrowheads="1"/>
+          </p:cNvPicPr>
           <p:nvPr/>
-        </p:nvGraphicFramePr>
-        <p:xfrm>
-          <a:off x="1905000" y="3048000"/>
-          <a:ext cx="4179570" cy="822960"/>
-        </p:xfrm>
-        <a:graphic>
-          <a:graphicData uri="http://schemas.openxmlformats.org/drawingml/2006/table">
-            <a:tbl>
-              <a:tblPr/>
-              <a:tblGrid>
-                <a:gridCol w="697230"/>
-                <a:gridCol w="974090"/>
-                <a:gridCol w="835660"/>
-                <a:gridCol w="836295"/>
-                <a:gridCol w="836295"/>
-              </a:tblGrid>
-              <a:tr h="0">
-                <a:tc>
-                  <a:txBody>
-                    <a:bodyPr/>
-                    <a:lstStyle/>
-                    <a:p>
-                      <a:pPr marL="0" marR="0" algn="ctr">
-                        <a:lnSpc>
-                          <a:spcPct val="150000"/>
-                        </a:lnSpc>
-                        <a:spcBef>
-                          <a:spcPts val="0"/>
-                        </a:spcBef>
-                        <a:spcAft>
-                          <a:spcPts val="0"/>
-                        </a:spcAft>
-                      </a:pPr>
-                      <a:r>
-                        <a:rPr lang="ro-RO" sz="1200" b="1" dirty="0">
-                          <a:latin typeface="Times New Roman"/>
-                          <a:ea typeface="Calibri"/>
-                          <a:cs typeface="Times New Roman"/>
-                        </a:rPr>
-                        <a:t>W4</a:t>
-                      </a:r>
-                      <a:endParaRPr lang="en-US" sz="1100" dirty="0">
-                        <a:latin typeface="Calibri"/>
-                        <a:ea typeface="Calibri"/>
-                        <a:cs typeface="Times New Roman"/>
-                      </a:endParaRPr>
-                    </a:p>
-                  </a:txBody>
-                  <a:tcPr marL="68580" marR="68580" marT="0" marB="0" anchor="ctr">
-                    <a:lnL w="12700" cap="flat" cmpd="sng" algn="ctr">
-                      <a:solidFill>
-                        <a:srgbClr val="000000"/>
-                      </a:solidFill>
-                      <a:prstDash val="solid"/>
-                      <a:round/>
-                      <a:headEnd type="none" w="med" len="med"/>
-                      <a:tailEnd type="none" w="med" len="med"/>
-                    </a:lnL>
-                    <a:lnR w="12700" cap="flat" cmpd="sng" algn="ctr">
-                      <a:solidFill>
-                        <a:srgbClr val="000000"/>
-                      </a:solidFill>
-                      <a:prstDash val="solid"/>
-                      <a:round/>
-                      <a:headEnd type="none" w="med" len="med"/>
-                      <a:tailEnd type="none" w="med" len="med"/>
-                    </a:lnR>
-                    <a:lnT w="12700" cap="flat" cmpd="sng" algn="ctr">
-                      <a:solidFill>
-                        <a:srgbClr val="000000"/>
-                      </a:solidFill>
-                      <a:prstDash val="solid"/>
-                      <a:round/>
-                      <a:headEnd type="none" w="med" len="med"/>
-                      <a:tailEnd type="none" w="med" len="med"/>
-                    </a:lnT>
-                    <a:lnB w="12700" cap="flat" cmpd="sng" algn="ctr">
-                      <a:solidFill>
-                        <a:srgbClr val="000000"/>
-                      </a:solidFill>
-                      <a:prstDash val="solid"/>
-                      <a:round/>
-                      <a:headEnd type="none" w="med" len="med"/>
-                      <a:tailEnd type="none" w="med" len="med"/>
-                    </a:lnB>
-                  </a:tcPr>
-                </a:tc>
-                <a:tc>
-                  <a:txBody>
-                    <a:bodyPr/>
-                    <a:lstStyle/>
-                    <a:p>
-                      <a:pPr marL="0" marR="0" algn="ctr">
-                        <a:lnSpc>
-                          <a:spcPct val="150000"/>
-                        </a:lnSpc>
-                        <a:spcBef>
-                          <a:spcPts val="0"/>
-                        </a:spcBef>
-                        <a:spcAft>
-                          <a:spcPts val="0"/>
-                        </a:spcAft>
-                      </a:pPr>
-                      <a:r>
-                        <a:rPr lang="ro-RO" sz="1200">
-                          <a:latin typeface="Times New Roman"/>
-                          <a:ea typeface="Calibri"/>
-                          <a:cs typeface="Times New Roman"/>
-                        </a:rPr>
-                        <a:t>CO</a:t>
-                      </a:r>
-                      <a:endParaRPr lang="en-US" sz="1100">
-                        <a:latin typeface="Calibri"/>
-                        <a:ea typeface="Calibri"/>
-                        <a:cs typeface="Times New Roman"/>
-                      </a:endParaRPr>
-                    </a:p>
-                  </a:txBody>
-                  <a:tcPr marL="68580" marR="68580" marT="0" marB="0" anchor="ctr">
-                    <a:lnL w="12700" cap="flat" cmpd="sng" algn="ctr">
-                      <a:solidFill>
-                        <a:srgbClr val="000000"/>
-                      </a:solidFill>
-                      <a:prstDash val="solid"/>
-                      <a:round/>
-                      <a:headEnd type="none" w="med" len="med"/>
-                      <a:tailEnd type="none" w="med" len="med"/>
-                    </a:lnL>
-                    <a:lnR w="12700" cap="flat" cmpd="sng" algn="ctr">
-                      <a:solidFill>
-                        <a:srgbClr val="000000"/>
-                      </a:solidFill>
-                      <a:prstDash val="solid"/>
-                      <a:round/>
-                      <a:headEnd type="none" w="med" len="med"/>
-                      <a:tailEnd type="none" w="med" len="med"/>
-                    </a:lnR>
-                    <a:lnT w="12700" cap="flat" cmpd="sng" algn="ctr">
-                      <a:solidFill>
-                        <a:srgbClr val="000000"/>
-                      </a:solidFill>
-                      <a:prstDash val="solid"/>
-                      <a:round/>
-                      <a:headEnd type="none" w="med" len="med"/>
-                      <a:tailEnd type="none" w="med" len="med"/>
-                    </a:lnT>
-                    <a:lnB w="12700" cap="flat" cmpd="sng" algn="ctr">
-                      <a:solidFill>
-                        <a:srgbClr val="000000"/>
-                      </a:solidFill>
-                      <a:prstDash val="solid"/>
-                      <a:round/>
-                      <a:headEnd type="none" w="med" len="med"/>
-                      <a:tailEnd type="none" w="med" len="med"/>
-                    </a:lnB>
-                  </a:tcPr>
-                </a:tc>
-                <a:tc>
-                  <a:txBody>
-                    <a:bodyPr/>
-                    <a:lstStyle/>
-                    <a:p>
-                      <a:pPr marL="0" marR="0" algn="ctr">
-                        <a:lnSpc>
-                          <a:spcPct val="150000"/>
-                        </a:lnSpc>
-                        <a:spcBef>
-                          <a:spcPts val="0"/>
-                        </a:spcBef>
-                        <a:spcAft>
-                          <a:spcPts val="0"/>
-                        </a:spcAft>
-                      </a:pPr>
-                      <a:r>
-                        <a:rPr lang="ro-RO" sz="1200">
-                          <a:latin typeface="Times New Roman"/>
-                          <a:ea typeface="Calibri"/>
-                          <a:cs typeface="Times New Roman"/>
-                        </a:rPr>
-                        <a:t>NO2</a:t>
-                      </a:r>
-                      <a:endParaRPr lang="en-US" sz="1100">
-                        <a:latin typeface="Calibri"/>
-                        <a:ea typeface="Calibri"/>
-                        <a:cs typeface="Times New Roman"/>
-                      </a:endParaRPr>
-                    </a:p>
-                  </a:txBody>
-                  <a:tcPr marL="68580" marR="68580" marT="0" marB="0" anchor="ctr">
-                    <a:lnL w="12700" cap="flat" cmpd="sng" algn="ctr">
-                      <a:solidFill>
-                        <a:srgbClr val="000000"/>
-                      </a:solidFill>
-                      <a:prstDash val="solid"/>
-                      <a:round/>
-                      <a:headEnd type="none" w="med" len="med"/>
-                      <a:tailEnd type="none" w="med" len="med"/>
-                    </a:lnL>
-                    <a:lnR w="12700" cap="flat" cmpd="sng" algn="ctr">
-                      <a:solidFill>
-                        <a:srgbClr val="000000"/>
-                      </a:solidFill>
-                      <a:prstDash val="solid"/>
-                      <a:round/>
-                      <a:headEnd type="none" w="med" len="med"/>
-                      <a:tailEnd type="none" w="med" len="med"/>
-                    </a:lnR>
-                    <a:lnT w="12700" cap="flat" cmpd="sng" algn="ctr">
-                      <a:solidFill>
-                        <a:srgbClr val="000000"/>
-                      </a:solidFill>
-                      <a:prstDash val="solid"/>
-                      <a:round/>
-                      <a:headEnd type="none" w="med" len="med"/>
-                      <a:tailEnd type="none" w="med" len="med"/>
-                    </a:lnT>
-                    <a:lnB w="12700" cap="flat" cmpd="sng" algn="ctr">
-                      <a:solidFill>
-                        <a:srgbClr val="000000"/>
-                      </a:solidFill>
-                      <a:prstDash val="solid"/>
-                      <a:round/>
-                      <a:headEnd type="none" w="med" len="med"/>
-                      <a:tailEnd type="none" w="med" len="med"/>
-                    </a:lnB>
-                  </a:tcPr>
-                </a:tc>
-                <a:tc>
-                  <a:txBody>
-                    <a:bodyPr/>
-                    <a:lstStyle/>
-                    <a:p>
-                      <a:pPr marL="0" marR="0" algn="ctr">
-                        <a:lnSpc>
-                          <a:spcPct val="150000"/>
-                        </a:lnSpc>
-                        <a:spcBef>
-                          <a:spcPts val="0"/>
-                        </a:spcBef>
-                        <a:spcAft>
-                          <a:spcPts val="0"/>
-                        </a:spcAft>
-                      </a:pPr>
-                      <a:r>
-                        <a:rPr lang="ro-RO" sz="1200">
-                          <a:latin typeface="Times New Roman"/>
-                          <a:ea typeface="Calibri"/>
-                          <a:cs typeface="Times New Roman"/>
-                        </a:rPr>
-                        <a:t>SO2</a:t>
-                      </a:r>
-                      <a:endParaRPr lang="en-US" sz="1100">
-                        <a:latin typeface="Calibri"/>
-                        <a:ea typeface="Calibri"/>
-                        <a:cs typeface="Times New Roman"/>
-                      </a:endParaRPr>
-                    </a:p>
-                  </a:txBody>
-                  <a:tcPr marL="68580" marR="68580" marT="0" marB="0" anchor="ctr">
-                    <a:lnL w="12700" cap="flat" cmpd="sng" algn="ctr">
-                      <a:solidFill>
-                        <a:srgbClr val="000000"/>
-                      </a:solidFill>
-                      <a:prstDash val="solid"/>
-                      <a:round/>
-                      <a:headEnd type="none" w="med" len="med"/>
-                      <a:tailEnd type="none" w="med" len="med"/>
-                    </a:lnL>
-                    <a:lnR w="12700" cap="flat" cmpd="sng" algn="ctr">
-                      <a:solidFill>
-                        <a:srgbClr val="000000"/>
-                      </a:solidFill>
-                      <a:prstDash val="solid"/>
-                      <a:round/>
-                      <a:headEnd type="none" w="med" len="med"/>
-                      <a:tailEnd type="none" w="med" len="med"/>
-                    </a:lnR>
-                    <a:lnT w="12700" cap="flat" cmpd="sng" algn="ctr">
-                      <a:solidFill>
-                        <a:srgbClr val="000000"/>
-                      </a:solidFill>
-                      <a:prstDash val="solid"/>
-                      <a:round/>
-                      <a:headEnd type="none" w="med" len="med"/>
-                      <a:tailEnd type="none" w="med" len="med"/>
-                    </a:lnT>
-                    <a:lnB w="12700" cap="flat" cmpd="sng" algn="ctr">
-                      <a:solidFill>
-                        <a:srgbClr val="000000"/>
-                      </a:solidFill>
-                      <a:prstDash val="solid"/>
-                      <a:round/>
-                      <a:headEnd type="none" w="med" len="med"/>
-                      <a:tailEnd type="none" w="med" len="med"/>
-                    </a:lnB>
-                  </a:tcPr>
-                </a:tc>
-                <a:tc>
-                  <a:txBody>
-                    <a:bodyPr/>
-                    <a:lstStyle/>
-                    <a:p>
-                      <a:pPr marL="0" marR="0" algn="ctr">
-                        <a:lnSpc>
-                          <a:spcPct val="150000"/>
-                        </a:lnSpc>
-                        <a:spcBef>
-                          <a:spcPts val="0"/>
-                        </a:spcBef>
-                        <a:spcAft>
-                          <a:spcPts val="0"/>
-                        </a:spcAft>
-                      </a:pPr>
-                      <a:r>
-                        <a:rPr lang="ro-RO" sz="1200">
-                          <a:latin typeface="Times New Roman"/>
-                          <a:ea typeface="Calibri"/>
-                          <a:cs typeface="Times New Roman"/>
-                        </a:rPr>
-                        <a:t>O3</a:t>
-                      </a:r>
-                      <a:endParaRPr lang="en-US" sz="1100">
-                        <a:latin typeface="Calibri"/>
-                        <a:ea typeface="Calibri"/>
-                        <a:cs typeface="Times New Roman"/>
-                      </a:endParaRPr>
-                    </a:p>
-                  </a:txBody>
-                  <a:tcPr marL="68580" marR="68580" marT="0" marB="0" anchor="ctr">
-                    <a:lnL w="12700" cap="flat" cmpd="sng" algn="ctr">
-                      <a:solidFill>
-                        <a:srgbClr val="000000"/>
-                      </a:solidFill>
-                      <a:prstDash val="solid"/>
-                      <a:round/>
-                      <a:headEnd type="none" w="med" len="med"/>
-                      <a:tailEnd type="none" w="med" len="med"/>
-                    </a:lnL>
-                    <a:lnR w="12700" cap="flat" cmpd="sng" algn="ctr">
-                      <a:solidFill>
-                        <a:srgbClr val="000000"/>
-                      </a:solidFill>
-                      <a:prstDash val="solid"/>
-                      <a:round/>
-                      <a:headEnd type="none" w="med" len="med"/>
-                      <a:tailEnd type="none" w="med" len="med"/>
-                    </a:lnR>
-                    <a:lnT w="12700" cap="flat" cmpd="sng" algn="ctr">
-                      <a:solidFill>
-                        <a:srgbClr val="000000"/>
-                      </a:solidFill>
-                      <a:prstDash val="solid"/>
-                      <a:round/>
-                      <a:headEnd type="none" w="med" len="med"/>
-                      <a:tailEnd type="none" w="med" len="med"/>
-                    </a:lnT>
-                    <a:lnB w="12700" cap="flat" cmpd="sng" algn="ctr">
-                      <a:solidFill>
-                        <a:srgbClr val="000000"/>
-                      </a:solidFill>
-                      <a:prstDash val="solid"/>
-                      <a:round/>
-                      <a:headEnd type="none" w="med" len="med"/>
-                      <a:tailEnd type="none" w="med" len="med"/>
-                    </a:lnB>
-                  </a:tcPr>
-                </a:tc>
-              </a:tr>
-              <a:tr h="0">
-                <a:tc>
-                  <a:txBody>
-                    <a:bodyPr/>
-                    <a:lstStyle/>
-                    <a:p>
-                      <a:pPr marL="0" marR="0" algn="ctr">
-                        <a:lnSpc>
-                          <a:spcPct val="150000"/>
-                        </a:lnSpc>
-                        <a:spcBef>
-                          <a:spcPts val="0"/>
-                        </a:spcBef>
-                        <a:spcAft>
-                          <a:spcPts val="0"/>
-                        </a:spcAft>
-                      </a:pPr>
-                      <a:r>
-                        <a:rPr lang="ro-RO" sz="1200">
-                          <a:latin typeface="Times New Roman"/>
-                          <a:ea typeface="Calibri"/>
-                          <a:cs typeface="Times New Roman"/>
-                        </a:rPr>
-                        <a:t>σ</a:t>
-                      </a:r>
-                      <a:r>
-                        <a:rPr lang="ro-RO" sz="1200" baseline="30000">
-                          <a:latin typeface="Times New Roman"/>
-                          <a:ea typeface="Calibri"/>
-                          <a:cs typeface="Times New Roman"/>
-                        </a:rPr>
-                        <a:t>2</a:t>
-                      </a:r>
-                      <a:endParaRPr lang="en-US" sz="1100">
-                        <a:latin typeface="Calibri"/>
-                        <a:ea typeface="Calibri"/>
-                        <a:cs typeface="Times New Roman"/>
-                      </a:endParaRPr>
-                    </a:p>
-                  </a:txBody>
-                  <a:tcPr marL="68580" marR="68580" marT="0" marB="0" anchor="ctr">
-                    <a:lnL w="12700" cap="flat" cmpd="sng" algn="ctr">
-                      <a:solidFill>
-                        <a:srgbClr val="000000"/>
-                      </a:solidFill>
-                      <a:prstDash val="solid"/>
-                      <a:round/>
-                      <a:headEnd type="none" w="med" len="med"/>
-                      <a:tailEnd type="none" w="med" len="med"/>
-                    </a:lnL>
-                    <a:lnR w="12700" cap="flat" cmpd="sng" algn="ctr">
-                      <a:solidFill>
-                        <a:srgbClr val="000000"/>
-                      </a:solidFill>
-                      <a:prstDash val="solid"/>
-                      <a:round/>
-                      <a:headEnd type="none" w="med" len="med"/>
-                      <a:tailEnd type="none" w="med" len="med"/>
-                    </a:lnR>
-                    <a:lnT w="12700" cap="flat" cmpd="sng" algn="ctr">
-                      <a:solidFill>
-                        <a:srgbClr val="000000"/>
-                      </a:solidFill>
-                      <a:prstDash val="solid"/>
-                      <a:round/>
-                      <a:headEnd type="none" w="med" len="med"/>
-                      <a:tailEnd type="none" w="med" len="med"/>
-                    </a:lnT>
-                    <a:lnB w="12700" cap="flat" cmpd="sng" algn="ctr">
-                      <a:solidFill>
-                        <a:srgbClr val="000000"/>
-                      </a:solidFill>
-                      <a:prstDash val="solid"/>
-                      <a:round/>
-                      <a:headEnd type="none" w="med" len="med"/>
-                      <a:tailEnd type="none" w="med" len="med"/>
-                    </a:lnB>
-                  </a:tcPr>
-                </a:tc>
-                <a:tc>
-                  <a:txBody>
-                    <a:bodyPr/>
-                    <a:lstStyle/>
-                    <a:p>
-                      <a:pPr marL="0" marR="0" algn="ctr">
-                        <a:lnSpc>
-                          <a:spcPct val="150000"/>
-                        </a:lnSpc>
-                        <a:spcBef>
-                          <a:spcPts val="0"/>
-                        </a:spcBef>
-                        <a:spcAft>
-                          <a:spcPts val="0"/>
-                        </a:spcAft>
-                      </a:pPr>
-                      <a:r>
-                        <a:rPr lang="ro-RO" sz="1200">
-                          <a:latin typeface="Times New Roman"/>
-                          <a:ea typeface="Calibri"/>
-                          <a:cs typeface="Times New Roman"/>
-                        </a:rPr>
-                        <a:t>101909025</a:t>
-                      </a:r>
-                      <a:endParaRPr lang="en-US" sz="1100">
-                        <a:latin typeface="Calibri"/>
-                        <a:ea typeface="Calibri"/>
-                        <a:cs typeface="Times New Roman"/>
-                      </a:endParaRPr>
-                    </a:p>
-                  </a:txBody>
-                  <a:tcPr marL="68580" marR="68580" marT="0" marB="0" anchor="ctr">
-                    <a:lnL w="12700" cap="flat" cmpd="sng" algn="ctr">
-                      <a:solidFill>
-                        <a:srgbClr val="000000"/>
-                      </a:solidFill>
-                      <a:prstDash val="solid"/>
-                      <a:round/>
-                      <a:headEnd type="none" w="med" len="med"/>
-                      <a:tailEnd type="none" w="med" len="med"/>
-                    </a:lnL>
-                    <a:lnR w="12700" cap="flat" cmpd="sng" algn="ctr">
-                      <a:solidFill>
-                        <a:srgbClr val="000000"/>
-                      </a:solidFill>
-                      <a:prstDash val="solid"/>
-                      <a:round/>
-                      <a:headEnd type="none" w="med" len="med"/>
-                      <a:tailEnd type="none" w="med" len="med"/>
-                    </a:lnR>
-                    <a:lnT w="12700" cap="flat" cmpd="sng" algn="ctr">
-                      <a:solidFill>
-                        <a:srgbClr val="000000"/>
-                      </a:solidFill>
-                      <a:prstDash val="solid"/>
-                      <a:round/>
-                      <a:headEnd type="none" w="med" len="med"/>
-                      <a:tailEnd type="none" w="med" len="med"/>
-                    </a:lnT>
-                    <a:lnB w="12700" cap="flat" cmpd="sng" algn="ctr">
-                      <a:solidFill>
-                        <a:srgbClr val="000000"/>
-                      </a:solidFill>
-                      <a:prstDash val="solid"/>
-                      <a:round/>
-                      <a:headEnd type="none" w="med" len="med"/>
-                      <a:tailEnd type="none" w="med" len="med"/>
-                    </a:lnB>
-                  </a:tcPr>
-                </a:tc>
-                <a:tc>
-                  <a:txBody>
-                    <a:bodyPr/>
-                    <a:lstStyle/>
-                    <a:p>
-                      <a:pPr marL="0" marR="0" algn="ctr">
-                        <a:lnSpc>
-                          <a:spcPct val="150000"/>
-                        </a:lnSpc>
-                        <a:spcBef>
-                          <a:spcPts val="0"/>
-                        </a:spcBef>
-                        <a:spcAft>
-                          <a:spcPts val="0"/>
-                        </a:spcAft>
-                      </a:pPr>
-                      <a:r>
-                        <a:rPr lang="ro-RO" sz="1200">
-                          <a:latin typeface="Times New Roman"/>
-                          <a:ea typeface="Calibri"/>
-                          <a:cs typeface="Times New Roman"/>
-                        </a:rPr>
-                        <a:t>126736</a:t>
-                      </a:r>
-                      <a:endParaRPr lang="en-US" sz="1100">
-                        <a:latin typeface="Calibri"/>
-                        <a:ea typeface="Calibri"/>
-                        <a:cs typeface="Times New Roman"/>
-                      </a:endParaRPr>
-                    </a:p>
-                  </a:txBody>
-                  <a:tcPr marL="68580" marR="68580" marT="0" marB="0" anchor="ctr">
-                    <a:lnL w="12700" cap="flat" cmpd="sng" algn="ctr">
-                      <a:solidFill>
-                        <a:srgbClr val="000000"/>
-                      </a:solidFill>
-                      <a:prstDash val="solid"/>
-                      <a:round/>
-                      <a:headEnd type="none" w="med" len="med"/>
-                      <a:tailEnd type="none" w="med" len="med"/>
-                    </a:lnL>
-                    <a:lnR w="12700" cap="flat" cmpd="sng" algn="ctr">
-                      <a:solidFill>
-                        <a:srgbClr val="000000"/>
-                      </a:solidFill>
-                      <a:prstDash val="solid"/>
-                      <a:round/>
-                      <a:headEnd type="none" w="med" len="med"/>
-                      <a:tailEnd type="none" w="med" len="med"/>
-                    </a:lnR>
-                    <a:lnT w="12700" cap="flat" cmpd="sng" algn="ctr">
-                      <a:solidFill>
-                        <a:srgbClr val="000000"/>
-                      </a:solidFill>
-                      <a:prstDash val="solid"/>
-                      <a:round/>
-                      <a:headEnd type="none" w="med" len="med"/>
-                      <a:tailEnd type="none" w="med" len="med"/>
-                    </a:lnT>
-                    <a:lnB w="12700" cap="flat" cmpd="sng" algn="ctr">
-                      <a:solidFill>
-                        <a:srgbClr val="000000"/>
-                      </a:solidFill>
-                      <a:prstDash val="solid"/>
-                      <a:round/>
-                      <a:headEnd type="none" w="med" len="med"/>
-                      <a:tailEnd type="none" w="med" len="med"/>
-                    </a:lnB>
-                  </a:tcPr>
-                </a:tc>
-                <a:tc>
-                  <a:txBody>
-                    <a:bodyPr/>
-                    <a:lstStyle/>
-                    <a:p>
-                      <a:pPr marL="0" marR="0" algn="ctr">
-                        <a:lnSpc>
-                          <a:spcPct val="150000"/>
-                        </a:lnSpc>
-                        <a:spcBef>
-                          <a:spcPts val="0"/>
-                        </a:spcBef>
-                        <a:spcAft>
-                          <a:spcPts val="0"/>
-                        </a:spcAft>
-                      </a:pPr>
-                      <a:r>
-                        <a:rPr lang="ro-RO" sz="1200">
-                          <a:latin typeface="Times New Roman"/>
-                          <a:ea typeface="Calibri"/>
-                          <a:cs typeface="Times New Roman"/>
-                        </a:rPr>
-                        <a:t>2617924</a:t>
-                      </a:r>
-                      <a:endParaRPr lang="en-US" sz="1100">
-                        <a:latin typeface="Calibri"/>
-                        <a:ea typeface="Calibri"/>
-                        <a:cs typeface="Times New Roman"/>
-                      </a:endParaRPr>
-                    </a:p>
-                  </a:txBody>
-                  <a:tcPr marL="68580" marR="68580" marT="0" marB="0" anchor="ctr">
-                    <a:lnL w="12700" cap="flat" cmpd="sng" algn="ctr">
-                      <a:solidFill>
-                        <a:srgbClr val="000000"/>
-                      </a:solidFill>
-                      <a:prstDash val="solid"/>
-                      <a:round/>
-                      <a:headEnd type="none" w="med" len="med"/>
-                      <a:tailEnd type="none" w="med" len="med"/>
-                    </a:lnL>
-                    <a:lnR w="12700" cap="flat" cmpd="sng" algn="ctr">
-                      <a:solidFill>
-                        <a:srgbClr val="000000"/>
-                      </a:solidFill>
-                      <a:prstDash val="solid"/>
-                      <a:round/>
-                      <a:headEnd type="none" w="med" len="med"/>
-                      <a:tailEnd type="none" w="med" len="med"/>
-                    </a:lnR>
-                    <a:lnT w="12700" cap="flat" cmpd="sng" algn="ctr">
-                      <a:solidFill>
-                        <a:srgbClr val="000000"/>
-                      </a:solidFill>
-                      <a:prstDash val="solid"/>
-                      <a:round/>
-                      <a:headEnd type="none" w="med" len="med"/>
-                      <a:tailEnd type="none" w="med" len="med"/>
-                    </a:lnT>
-                    <a:lnB w="12700" cap="flat" cmpd="sng" algn="ctr">
-                      <a:solidFill>
-                        <a:srgbClr val="000000"/>
-                      </a:solidFill>
-                      <a:prstDash val="solid"/>
-                      <a:round/>
-                      <a:headEnd type="none" w="med" len="med"/>
-                      <a:tailEnd type="none" w="med" len="med"/>
-                    </a:lnB>
-                  </a:tcPr>
-                </a:tc>
-                <a:tc>
-                  <a:txBody>
-                    <a:bodyPr/>
-                    <a:lstStyle/>
-                    <a:p>
-                      <a:pPr marL="0" marR="0" algn="ctr">
-                        <a:lnSpc>
-                          <a:spcPct val="150000"/>
-                        </a:lnSpc>
-                        <a:spcBef>
-                          <a:spcPts val="0"/>
-                        </a:spcBef>
-                        <a:spcAft>
-                          <a:spcPts val="0"/>
-                        </a:spcAft>
-                      </a:pPr>
-                      <a:r>
-                        <a:rPr lang="ro-RO" sz="1200">
-                          <a:latin typeface="Times New Roman"/>
-                          <a:ea typeface="Calibri"/>
-                          <a:cs typeface="Times New Roman"/>
-                        </a:rPr>
-                        <a:t>396900</a:t>
-                      </a:r>
-                      <a:endParaRPr lang="en-US" sz="1100">
-                        <a:latin typeface="Calibri"/>
-                        <a:ea typeface="Calibri"/>
-                        <a:cs typeface="Times New Roman"/>
-                      </a:endParaRPr>
-                    </a:p>
-                  </a:txBody>
-                  <a:tcPr marL="68580" marR="68580" marT="0" marB="0" anchor="ctr">
-                    <a:lnL w="12700" cap="flat" cmpd="sng" algn="ctr">
-                      <a:solidFill>
-                        <a:srgbClr val="000000"/>
-                      </a:solidFill>
-                      <a:prstDash val="solid"/>
-                      <a:round/>
-                      <a:headEnd type="none" w="med" len="med"/>
-                      <a:tailEnd type="none" w="med" len="med"/>
-                    </a:lnL>
-                    <a:lnR w="12700" cap="flat" cmpd="sng" algn="ctr">
-                      <a:solidFill>
-                        <a:srgbClr val="000000"/>
-                      </a:solidFill>
-                      <a:prstDash val="solid"/>
-                      <a:round/>
-                      <a:headEnd type="none" w="med" len="med"/>
-                      <a:tailEnd type="none" w="med" len="med"/>
-                    </a:lnR>
-                    <a:lnT w="12700" cap="flat" cmpd="sng" algn="ctr">
-                      <a:solidFill>
-                        <a:srgbClr val="000000"/>
-                      </a:solidFill>
-                      <a:prstDash val="solid"/>
-                      <a:round/>
-                      <a:headEnd type="none" w="med" len="med"/>
-                      <a:tailEnd type="none" w="med" len="med"/>
-                    </a:lnT>
-                    <a:lnB w="12700" cap="flat" cmpd="sng" algn="ctr">
-                      <a:solidFill>
-                        <a:srgbClr val="000000"/>
-                      </a:solidFill>
-                      <a:prstDash val="solid"/>
-                      <a:round/>
-                      <a:headEnd type="none" w="med" len="med"/>
-                      <a:tailEnd type="none" w="med" len="med"/>
-                    </a:lnB>
-                  </a:tcPr>
-                </a:tc>
-              </a:tr>
-              <a:tr h="0">
-                <a:tc>
-                  <a:txBody>
-                    <a:bodyPr/>
-                    <a:lstStyle/>
-                    <a:p>
-                      <a:pPr marL="0" marR="0" algn="ctr">
-                        <a:lnSpc>
-                          <a:spcPct val="150000"/>
-                        </a:lnSpc>
-                        <a:spcBef>
-                          <a:spcPts val="0"/>
-                        </a:spcBef>
-                        <a:spcAft>
-                          <a:spcPts val="0"/>
-                        </a:spcAft>
-                      </a:pPr>
-                      <a:r>
-                        <a:rPr lang="ro-RO" sz="1200">
-                          <a:latin typeface="Times New Roman"/>
-                          <a:ea typeface="Calibri"/>
-                          <a:cs typeface="Times New Roman"/>
-                        </a:rPr>
-                        <a:t>σ</a:t>
-                      </a:r>
-                      <a:endParaRPr lang="en-US" sz="1100">
-                        <a:latin typeface="Calibri"/>
-                        <a:ea typeface="Calibri"/>
-                        <a:cs typeface="Times New Roman"/>
-                      </a:endParaRPr>
-                    </a:p>
-                  </a:txBody>
-                  <a:tcPr marL="68580" marR="68580" marT="0" marB="0" anchor="ctr">
-                    <a:lnL w="12700" cap="flat" cmpd="sng" algn="ctr">
-                      <a:solidFill>
-                        <a:srgbClr val="000000"/>
-                      </a:solidFill>
-                      <a:prstDash val="solid"/>
-                      <a:round/>
-                      <a:headEnd type="none" w="med" len="med"/>
-                      <a:tailEnd type="none" w="med" len="med"/>
-                    </a:lnL>
-                    <a:lnR w="12700" cap="flat" cmpd="sng" algn="ctr">
-                      <a:solidFill>
-                        <a:srgbClr val="000000"/>
-                      </a:solidFill>
-                      <a:prstDash val="solid"/>
-                      <a:round/>
-                      <a:headEnd type="none" w="med" len="med"/>
-                      <a:tailEnd type="none" w="med" len="med"/>
-                    </a:lnR>
-                    <a:lnT w="12700" cap="flat" cmpd="sng" algn="ctr">
-                      <a:solidFill>
-                        <a:srgbClr val="000000"/>
-                      </a:solidFill>
-                      <a:prstDash val="solid"/>
-                      <a:round/>
-                      <a:headEnd type="none" w="med" len="med"/>
-                      <a:tailEnd type="none" w="med" len="med"/>
-                    </a:lnT>
-                    <a:lnB w="12700" cap="flat" cmpd="sng" algn="ctr">
-                      <a:solidFill>
-                        <a:srgbClr val="000000"/>
-                      </a:solidFill>
-                      <a:prstDash val="solid"/>
-                      <a:round/>
-                      <a:headEnd type="none" w="med" len="med"/>
-                      <a:tailEnd type="none" w="med" len="med"/>
-                    </a:lnB>
-                  </a:tcPr>
-                </a:tc>
-                <a:tc>
-                  <a:txBody>
-                    <a:bodyPr/>
-                    <a:lstStyle/>
-                    <a:p>
-                      <a:pPr marL="0" marR="0" algn="ctr">
-                        <a:lnSpc>
-                          <a:spcPct val="150000"/>
-                        </a:lnSpc>
-                        <a:spcBef>
-                          <a:spcPts val="0"/>
-                        </a:spcBef>
-                        <a:spcAft>
-                          <a:spcPts val="0"/>
-                        </a:spcAft>
-                      </a:pPr>
-                      <a:r>
-                        <a:rPr lang="ro-RO" sz="1200" dirty="0">
-                          <a:latin typeface="Times New Roman"/>
-                          <a:ea typeface="Calibri"/>
-                          <a:cs typeface="Times New Roman"/>
-                        </a:rPr>
-                        <a:t>10095</a:t>
-                      </a:r>
-                      <a:endParaRPr lang="en-US" sz="1100" dirty="0">
-                        <a:latin typeface="Calibri"/>
-                        <a:ea typeface="Calibri"/>
-                        <a:cs typeface="Times New Roman"/>
-                      </a:endParaRPr>
-                    </a:p>
-                  </a:txBody>
-                  <a:tcPr marL="68580" marR="68580" marT="0" marB="0" anchor="ctr">
-                    <a:lnL w="12700" cap="flat" cmpd="sng" algn="ctr">
-                      <a:solidFill>
-                        <a:srgbClr val="000000"/>
-                      </a:solidFill>
-                      <a:prstDash val="solid"/>
-                      <a:round/>
-                      <a:headEnd type="none" w="med" len="med"/>
-                      <a:tailEnd type="none" w="med" len="med"/>
-                    </a:lnL>
-                    <a:lnR w="12700" cap="flat" cmpd="sng" algn="ctr">
-                      <a:solidFill>
-                        <a:srgbClr val="000000"/>
-                      </a:solidFill>
-                      <a:prstDash val="solid"/>
-                      <a:round/>
-                      <a:headEnd type="none" w="med" len="med"/>
-                      <a:tailEnd type="none" w="med" len="med"/>
-                    </a:lnR>
-                    <a:lnT w="12700" cap="flat" cmpd="sng" algn="ctr">
-                      <a:solidFill>
-                        <a:srgbClr val="000000"/>
-                      </a:solidFill>
-                      <a:prstDash val="solid"/>
-                      <a:round/>
-                      <a:headEnd type="none" w="med" len="med"/>
-                      <a:tailEnd type="none" w="med" len="med"/>
-                    </a:lnT>
-                    <a:lnB w="12700" cap="flat" cmpd="sng" algn="ctr">
-                      <a:solidFill>
-                        <a:srgbClr val="000000"/>
-                      </a:solidFill>
-                      <a:prstDash val="solid"/>
-                      <a:round/>
-                      <a:headEnd type="none" w="med" len="med"/>
-                      <a:tailEnd type="none" w="med" len="med"/>
-                    </a:lnB>
-                  </a:tcPr>
-                </a:tc>
-                <a:tc>
-                  <a:txBody>
-                    <a:bodyPr/>
-                    <a:lstStyle/>
-                    <a:p>
-                      <a:pPr marL="0" marR="0" algn="ctr">
-                        <a:lnSpc>
-                          <a:spcPct val="150000"/>
-                        </a:lnSpc>
-                        <a:spcBef>
-                          <a:spcPts val="0"/>
-                        </a:spcBef>
-                        <a:spcAft>
-                          <a:spcPts val="0"/>
-                        </a:spcAft>
-                      </a:pPr>
-                      <a:r>
-                        <a:rPr lang="ro-RO" sz="1200">
-                          <a:latin typeface="Times New Roman"/>
-                          <a:ea typeface="Calibri"/>
-                          <a:cs typeface="Times New Roman"/>
-                        </a:rPr>
-                        <a:t>356</a:t>
-                      </a:r>
-                      <a:endParaRPr lang="en-US" sz="1100">
-                        <a:latin typeface="Calibri"/>
-                        <a:ea typeface="Calibri"/>
-                        <a:cs typeface="Times New Roman"/>
-                      </a:endParaRPr>
-                    </a:p>
-                  </a:txBody>
-                  <a:tcPr marL="68580" marR="68580" marT="0" marB="0" anchor="ctr">
-                    <a:lnL w="12700" cap="flat" cmpd="sng" algn="ctr">
-                      <a:solidFill>
-                        <a:srgbClr val="000000"/>
-                      </a:solidFill>
-                      <a:prstDash val="solid"/>
-                      <a:round/>
-                      <a:headEnd type="none" w="med" len="med"/>
-                      <a:tailEnd type="none" w="med" len="med"/>
-                    </a:lnL>
-                    <a:lnR w="12700" cap="flat" cmpd="sng" algn="ctr">
-                      <a:solidFill>
-                        <a:srgbClr val="000000"/>
-                      </a:solidFill>
-                      <a:prstDash val="solid"/>
-                      <a:round/>
-                      <a:headEnd type="none" w="med" len="med"/>
-                      <a:tailEnd type="none" w="med" len="med"/>
-                    </a:lnR>
-                    <a:lnT w="12700" cap="flat" cmpd="sng" algn="ctr">
-                      <a:solidFill>
-                        <a:srgbClr val="000000"/>
-                      </a:solidFill>
-                      <a:prstDash val="solid"/>
-                      <a:round/>
-                      <a:headEnd type="none" w="med" len="med"/>
-                      <a:tailEnd type="none" w="med" len="med"/>
-                    </a:lnT>
-                    <a:lnB w="12700" cap="flat" cmpd="sng" algn="ctr">
-                      <a:solidFill>
-                        <a:srgbClr val="000000"/>
-                      </a:solidFill>
-                      <a:prstDash val="solid"/>
-                      <a:round/>
-                      <a:headEnd type="none" w="med" len="med"/>
-                      <a:tailEnd type="none" w="med" len="med"/>
-                    </a:lnB>
-                  </a:tcPr>
-                </a:tc>
-                <a:tc>
-                  <a:txBody>
-                    <a:bodyPr/>
-                    <a:lstStyle/>
-                    <a:p>
-                      <a:pPr marL="0" marR="0" algn="ctr">
-                        <a:lnSpc>
-                          <a:spcPct val="150000"/>
-                        </a:lnSpc>
-                        <a:spcBef>
-                          <a:spcPts val="0"/>
-                        </a:spcBef>
-                        <a:spcAft>
-                          <a:spcPts val="0"/>
-                        </a:spcAft>
-                      </a:pPr>
-                      <a:r>
-                        <a:rPr lang="ro-RO" sz="1200">
-                          <a:latin typeface="Times New Roman"/>
-                          <a:ea typeface="Calibri"/>
-                          <a:cs typeface="Times New Roman"/>
-                        </a:rPr>
-                        <a:t>1618</a:t>
-                      </a:r>
-                      <a:endParaRPr lang="en-US" sz="1100">
-                        <a:latin typeface="Calibri"/>
-                        <a:ea typeface="Calibri"/>
-                        <a:cs typeface="Times New Roman"/>
-                      </a:endParaRPr>
-                    </a:p>
-                  </a:txBody>
-                  <a:tcPr marL="68580" marR="68580" marT="0" marB="0" anchor="ctr">
-                    <a:lnL w="12700" cap="flat" cmpd="sng" algn="ctr">
-                      <a:solidFill>
-                        <a:srgbClr val="000000"/>
-                      </a:solidFill>
-                      <a:prstDash val="solid"/>
-                      <a:round/>
-                      <a:headEnd type="none" w="med" len="med"/>
-                      <a:tailEnd type="none" w="med" len="med"/>
-                    </a:lnL>
-                    <a:lnR w="12700" cap="flat" cmpd="sng" algn="ctr">
-                      <a:solidFill>
-                        <a:srgbClr val="000000"/>
-                      </a:solidFill>
-                      <a:prstDash val="solid"/>
-                      <a:round/>
-                      <a:headEnd type="none" w="med" len="med"/>
-                      <a:tailEnd type="none" w="med" len="med"/>
-                    </a:lnR>
-                    <a:lnT w="12700" cap="flat" cmpd="sng" algn="ctr">
-                      <a:solidFill>
-                        <a:srgbClr val="000000"/>
-                      </a:solidFill>
-                      <a:prstDash val="solid"/>
-                      <a:round/>
-                      <a:headEnd type="none" w="med" len="med"/>
-                      <a:tailEnd type="none" w="med" len="med"/>
-                    </a:lnT>
-                    <a:lnB w="12700" cap="flat" cmpd="sng" algn="ctr">
-                      <a:solidFill>
-                        <a:srgbClr val="000000"/>
-                      </a:solidFill>
-                      <a:prstDash val="solid"/>
-                      <a:round/>
-                      <a:headEnd type="none" w="med" len="med"/>
-                      <a:tailEnd type="none" w="med" len="med"/>
-                    </a:lnB>
-                  </a:tcPr>
-                </a:tc>
-                <a:tc>
-                  <a:txBody>
-                    <a:bodyPr/>
-                    <a:lstStyle/>
-                    <a:p>
-                      <a:pPr marL="0" marR="0" algn="ctr">
-                        <a:lnSpc>
-                          <a:spcPct val="150000"/>
-                        </a:lnSpc>
-                        <a:spcBef>
-                          <a:spcPts val="0"/>
-                        </a:spcBef>
-                        <a:spcAft>
-                          <a:spcPts val="0"/>
-                        </a:spcAft>
-                      </a:pPr>
-                      <a:r>
-                        <a:rPr lang="ro-RO" sz="1200" dirty="0">
-                          <a:latin typeface="Times New Roman"/>
-                          <a:ea typeface="Calibri"/>
-                          <a:cs typeface="Times New Roman"/>
-                        </a:rPr>
-                        <a:t>630</a:t>
-                      </a:r>
-                      <a:endParaRPr lang="en-US" sz="1100" dirty="0">
-                        <a:latin typeface="Calibri"/>
-                        <a:ea typeface="Calibri"/>
-                        <a:cs typeface="Times New Roman"/>
-                      </a:endParaRPr>
-                    </a:p>
-                  </a:txBody>
-                  <a:tcPr marL="68580" marR="68580" marT="0" marB="0" anchor="ctr">
-                    <a:lnL w="12700" cap="flat" cmpd="sng" algn="ctr">
-                      <a:solidFill>
-                        <a:srgbClr val="000000"/>
-                      </a:solidFill>
-                      <a:prstDash val="solid"/>
-                      <a:round/>
-                      <a:headEnd type="none" w="med" len="med"/>
-                      <a:tailEnd type="none" w="med" len="med"/>
-                    </a:lnL>
-                    <a:lnR w="12700" cap="flat" cmpd="sng" algn="ctr">
-                      <a:solidFill>
-                        <a:srgbClr val="000000"/>
-                      </a:solidFill>
-                      <a:prstDash val="solid"/>
-                      <a:round/>
-                      <a:headEnd type="none" w="med" len="med"/>
-                      <a:tailEnd type="none" w="med" len="med"/>
-                    </a:lnR>
-                    <a:lnT w="12700" cap="flat" cmpd="sng" algn="ctr">
-                      <a:solidFill>
-                        <a:srgbClr val="000000"/>
-                      </a:solidFill>
-                      <a:prstDash val="solid"/>
-                      <a:round/>
-                      <a:headEnd type="none" w="med" len="med"/>
-                      <a:tailEnd type="none" w="med" len="med"/>
-                    </a:lnT>
-                    <a:lnB w="12700" cap="flat" cmpd="sng" algn="ctr">
-                      <a:solidFill>
-                        <a:srgbClr val="000000"/>
-                      </a:solidFill>
-                      <a:prstDash val="solid"/>
-                      <a:round/>
-                      <a:headEnd type="none" w="med" len="med"/>
-                      <a:tailEnd type="none" w="med" len="med"/>
-                    </a:lnB>
-                  </a:tcPr>
-                </a:tc>
-              </a:tr>
-            </a:tbl>
-          </a:graphicData>
-        </a:graphic>
-      </p:graphicFrame>
+        </p:nvPicPr>
+        <p:blipFill>
+          <a:blip r:embed="rId4" cstate="print"/>
+          <a:srcRect/>
+          <a:stretch>
+            <a:fillRect/>
+          </a:stretch>
+        </p:blipFill>
+        <p:spPr bwMode="auto">
+          <a:xfrm>
+            <a:off x="2209800" y="2133600"/>
+            <a:ext cx="304800" cy="163286"/>
+          </a:xfrm>
+          <a:prstGeom prst="rect">
+            <a:avLst/>
+          </a:prstGeom>
+          <a:noFill/>
+          <a:ln w="9525">
+            <a:noFill/>
+            <a:miter lim="800000"/>
+            <a:headEnd/>
+            <a:tailEnd/>
+          </a:ln>
+          <a:effectLst/>
+        </p:spPr>
+      </p:pic>
+      <p:pic>
+        <p:nvPicPr>
+          <p:cNvPr id="2055" name="Picture 7"/>
+          <p:cNvPicPr>
+            <a:picLocks noChangeAspect="1" noChangeArrowheads="1"/>
+          </p:cNvPicPr>
+          <p:nvPr/>
+        </p:nvPicPr>
+        <p:blipFill>
+          <a:blip r:embed="rId5" cstate="print"/>
+          <a:srcRect/>
+          <a:stretch>
+            <a:fillRect/>
+          </a:stretch>
+        </p:blipFill>
+        <p:spPr bwMode="auto">
+          <a:xfrm>
+            <a:off x="2743200" y="2133600"/>
+            <a:ext cx="190500" cy="228600"/>
+          </a:xfrm>
+          <a:prstGeom prst="rect">
+            <a:avLst/>
+          </a:prstGeom>
+          <a:noFill/>
+          <a:ln w="9525">
+            <a:noFill/>
+            <a:miter lim="800000"/>
+            <a:headEnd/>
+            <a:tailEnd/>
+          </a:ln>
+          <a:effectLst/>
+        </p:spPr>
+      </p:pic>
     </p:spTree>
   </p:cSld>
   <p:clrMapOvr>
@@ -11629,20 +10826,75 @@
               <a:rPr lang="ro-RO" dirty="0" smtClean="0"/>
               <a:t>Concluzii : </a:t>
             </a:r>
+          </a:p>
+          <a:p>
             <a:endParaRPr lang="ro-RO" dirty="0" smtClean="0"/>
           </a:p>
           <a:p>
+            <a:pPr lvl="2"/>
+            <a:r>
+              <a:rPr lang="ro-RO" dirty="0" smtClean="0"/>
+              <a:t>Aplicație propusă – dezvoltată </a:t>
+            </a:r>
+            <a:endParaRPr lang="en-US" dirty="0" smtClean="0"/>
+          </a:p>
+          <a:p>
+            <a:pPr lvl="2"/>
+            <a:endParaRPr lang="en-US" dirty="0" smtClean="0"/>
+          </a:p>
+          <a:p>
+            <a:pPr lvl="2"/>
+            <a:endParaRPr lang="en-US" dirty="0" smtClean="0"/>
+          </a:p>
+          <a:p>
+            <a:pPr lvl="2"/>
+            <a:r>
+              <a:rPr lang="en-US" dirty="0" err="1" smtClean="0"/>
+              <a:t>Colectare</a:t>
+            </a:r>
+            <a:r>
+              <a:rPr lang="en-US" dirty="0" smtClean="0"/>
+              <a:t> date(</a:t>
+            </a:r>
+            <a:r>
+              <a:rPr lang="en-US" dirty="0" err="1" smtClean="0"/>
+              <a:t>prin</a:t>
+            </a:r>
+            <a:r>
+              <a:rPr lang="en-US" dirty="0" smtClean="0"/>
+              <a:t> BLE) -&gt; </a:t>
+            </a:r>
+            <a:r>
+              <a:rPr lang="en-US" dirty="0" err="1" smtClean="0"/>
+              <a:t>Analiza</a:t>
+            </a:r>
+            <a:r>
+              <a:rPr lang="en-US" dirty="0" smtClean="0"/>
+              <a:t> date</a:t>
+            </a:r>
             <a:endParaRPr lang="ro-RO" dirty="0" smtClean="0"/>
           </a:p>
           <a:p>
+            <a:pPr lvl="2">
+              <a:buNone/>
+            </a:pPr>
+            <a:endParaRPr lang="en-US" dirty="0" smtClean="0"/>
+          </a:p>
+          <a:p>
+            <a:pPr lvl="2">
+              <a:buNone/>
+            </a:pPr>
+            <a:endParaRPr lang="ro-RO" dirty="0" smtClean="0"/>
+          </a:p>
+          <a:p>
             <a:pPr lvl="2"/>
             <a:r>
               <a:rPr lang="ro-RO" dirty="0" smtClean="0"/>
-              <a:t>Calitatea aerului – fundamentală pentru o viață </a:t>
+              <a:t>Sistemul </a:t>
             </a:r>
             <a:r>
               <a:rPr lang="ro-RO" dirty="0" smtClean="0"/>
-              <a:t>sănătoasă</a:t>
+              <a:t>este rentabil, ușor de folosit, consumă puțin(BLE)</a:t>
             </a:r>
           </a:p>
           <a:p>
@@ -11651,52 +10903,7 @@
           </a:p>
           <a:p>
             <a:pPr lvl="2"/>
-            <a:r>
-              <a:rPr lang="ro-RO" dirty="0" smtClean="0"/>
-              <a:t>Sistemul este rentabil, ușor de </a:t>
-            </a:r>
-            <a:r>
-              <a:rPr lang="ro-RO" dirty="0" smtClean="0"/>
-              <a:t>folosit, consumă puțin(BLE)</a:t>
-            </a:r>
-          </a:p>
-          <a:p>
-            <a:pPr lvl="2"/>
             <a:endParaRPr lang="ro-RO" dirty="0" smtClean="0"/>
-          </a:p>
-          <a:p>
-            <a:pPr lvl="2"/>
-            <a:r>
-              <a:rPr lang="ro-RO" dirty="0" smtClean="0"/>
-              <a:t>Senzorii accesibili(cost) – oferă date precise d.p.d.v </a:t>
-            </a:r>
-            <a:r>
-              <a:rPr lang="ro-RO" dirty="0" smtClean="0"/>
-              <a:t>variație/zgomot</a:t>
-            </a:r>
-          </a:p>
-          <a:p>
-            <a:pPr lvl="2"/>
-            <a:endParaRPr lang="ro-RO" dirty="0" smtClean="0"/>
-          </a:p>
-          <a:p>
-            <a:pPr lvl="2"/>
-            <a:r>
-              <a:rPr lang="ro-RO" dirty="0" smtClean="0"/>
-              <a:t>Calibrare senzori – va facilita calculul AQI</a:t>
-            </a:r>
-          </a:p>
-          <a:p>
-            <a:pPr lvl="2"/>
-            <a:endParaRPr lang="ro-RO" dirty="0" smtClean="0"/>
-          </a:p>
-          <a:p>
-            <a:pPr lvl="2"/>
-            <a:r>
-              <a:rPr lang="ro-RO" dirty="0" smtClean="0"/>
-              <a:t>Aplicație potrivită pentru cercetare </a:t>
-            </a:r>
-            <a:endParaRPr lang="en-US" dirty="0" smtClean="0"/>
           </a:p>
           <a:p>
             <a:pPr lvl="2">
@@ -11729,14 +10936,9 @@
           <a:bodyPr/>
           <a:lstStyle/>
           <a:p>
-            <a:fld id="{B6F15528-21DE-4FAA-801E-634DDDAF4B2B}" type="slidenum">
-              <a:rPr lang="en-US" smtClean="0"/>
-              <a:pPr/>
-              <a:t>12</a:t>
-            </a:fld>
-            <a:r>
-              <a:rPr lang="ro-RO" smtClean="0"/>
-              <a:t> of 10</a:t>
+            <a:r>
+              <a:rPr lang="en-US" dirty="0" smtClean="0"/>
+              <a:t>12/13</a:t>
             </a:r>
             <a:endParaRPr lang="en-US" dirty="0"/>
           </a:p>
@@ -11751,7 +10953,7 @@
           <p:nvPr/>
         </p:nvPicPr>
         <p:blipFill>
-          <a:blip r:embed="rId2" cstate="print"/>
+          <a:blip r:embed="rId3" cstate="print"/>
           <a:srcRect/>
           <a:stretch>
             <a:fillRect/>
@@ -11783,7 +10985,7 @@
           <p:nvPr/>
         </p:nvPicPr>
         <p:blipFill>
-          <a:blip r:embed="rId3" cstate="print"/>
+          <a:blip r:embed="rId4" cstate="print"/>
           <a:srcRect/>
           <a:stretch>
             <a:fillRect/>
@@ -11791,7 +10993,7 @@
         </p:blipFill>
         <p:spPr bwMode="auto">
           <a:xfrm>
-            <a:off x="6705600" y="4572000"/>
+            <a:off x="7467600" y="3657600"/>
             <a:ext cx="1060853" cy="1086416"/>
           </a:xfrm>
           <a:prstGeom prst="rect">
@@ -11840,25 +11042,6 @@
       </p:grpSpPr>
       <p:sp>
         <p:nvSpPr>
-          <p:cNvPr id="2" name="Title 1"/>
-          <p:cNvSpPr>
-            <a:spLocks noGrp="1"/>
-          </p:cNvSpPr>
-          <p:nvPr>
-            <p:ph type="title"/>
-          </p:nvPr>
-        </p:nvSpPr>
-        <p:spPr/>
-        <p:txBody>
-          <a:bodyPr/>
-          <a:lstStyle/>
-          <a:p>
-            <a:endParaRPr lang="en-US"/>
-          </a:p>
-        </p:txBody>
-      </p:sp>
-      <p:sp>
-        <p:nvSpPr>
           <p:cNvPr id="3" name="Content Placeholder 2"/>
           <p:cNvSpPr>
             <a:spLocks noGrp="1"/>
@@ -11869,8 +11052,8 @@
         </p:nvSpPr>
         <p:spPr>
           <a:xfrm>
-            <a:off x="457200" y="1219200"/>
-            <a:ext cx="7467600" cy="5254752"/>
+            <a:off x="457200" y="838200"/>
+            <a:ext cx="7924800" cy="5635752"/>
           </a:xfrm>
         </p:spPr>
         <p:txBody>
@@ -11883,59 +11066,56 @@
             </a:r>
             <a:r>
               <a:rPr lang="ro-RO" dirty="0" smtClean="0"/>
-              <a:t>ții de </a:t>
-            </a:r>
+              <a:t>ții de dezvoltare</a:t>
+            </a:r>
+          </a:p>
+          <a:p>
+            <a:endParaRPr lang="ro-RO" dirty="0" smtClean="0"/>
+          </a:p>
+          <a:p>
+            <a:pPr lvl="2"/>
             <a:r>
               <a:rPr lang="ro-RO" dirty="0" smtClean="0"/>
-              <a:t>dezvoltare</a:t>
-            </a:r>
-          </a:p>
-          <a:p>
-            <a:endParaRPr lang="ro-RO" dirty="0" smtClean="0"/>
+              <a:t>Aplicație folosită în cadrul școlii</a:t>
+            </a:r>
+            <a:endParaRPr lang="ro-RO" sz="1600" dirty="0" smtClean="0"/>
+          </a:p>
+          <a:p>
+            <a:pPr lvl="3"/>
+            <a:r>
+              <a:rPr lang="ro-RO" sz="1600" dirty="0" smtClean="0"/>
+              <a:t>Calibrare senzori – va facilita calculul AQI</a:t>
+            </a:r>
+          </a:p>
+          <a:p>
+            <a:pPr lvl="3">
+              <a:buNone/>
+            </a:pPr>
+            <a:endParaRPr lang="ro-RO" sz="1600" dirty="0" smtClean="0"/>
+          </a:p>
+          <a:p>
+            <a:pPr lvl="3">
+              <a:buNone/>
+            </a:pPr>
+            <a:endParaRPr lang="ro-RO" sz="1600" dirty="0" smtClean="0"/>
           </a:p>
           <a:p>
             <a:pPr lvl="2"/>
             <a:r>
               <a:rPr lang="ro-RO" sz="1600" dirty="0" smtClean="0"/>
-              <a:t>Conectare simultană la mai mulți </a:t>
-            </a:r>
-            <a:r>
-              <a:rPr lang="ro-RO" sz="1600" dirty="0" smtClean="0"/>
-              <a:t>senzori</a:t>
-            </a:r>
-          </a:p>
-          <a:p>
-            <a:pPr lvl="2"/>
+              <a:t>Aplicație disponibilă pentru utilizatorul final(pe piață)</a:t>
+            </a:r>
             <a:endParaRPr lang="ro-RO" sz="1600" dirty="0" smtClean="0"/>
           </a:p>
           <a:p>
-            <a:pPr lvl="2"/>
-            <a:r>
-              <a:rPr lang="ro-RO" sz="1600" dirty="0" smtClean="0"/>
-              <a:t>Adunare date de la mai mulți utilizatori – centralizare </a:t>
-            </a:r>
-            <a:r>
-              <a:rPr lang="ro-RO" sz="1600" dirty="0" smtClean="0"/>
-              <a:t>date</a:t>
-            </a:r>
-          </a:p>
-          <a:p>
-            <a:pPr lvl="2"/>
-            <a:endParaRPr lang="ro-RO" sz="1600" dirty="0" smtClean="0"/>
-          </a:p>
-          <a:p>
-            <a:pPr lvl="2"/>
+            <a:pPr lvl="3"/>
             <a:r>
               <a:rPr lang="ro-RO" sz="1600" dirty="0" smtClean="0"/>
               <a:t>Notificări</a:t>
             </a:r>
             <a:r>
               <a:rPr lang="en-US" sz="1600" dirty="0" smtClean="0"/>
-              <a:t> </a:t>
-            </a:r>
-            <a:r>
-              <a:rPr lang="en-US" sz="1600" dirty="0" smtClean="0"/>
-              <a:t>– </a:t>
+              <a:t> – </a:t>
             </a:r>
             <a:r>
               <a:rPr lang="en-US" sz="1600" dirty="0" err="1" smtClean="0"/>
@@ -11949,18 +11129,30 @@
               <a:rPr lang="en-US" sz="1600" dirty="0" err="1" smtClean="0"/>
               <a:t>risc</a:t>
             </a:r>
+            <a:endParaRPr lang="en-US" sz="1600" dirty="0" smtClean="0"/>
+          </a:p>
+          <a:p>
+            <a:pPr lvl="3"/>
+            <a:r>
+              <a:rPr lang="ro-RO" sz="1600" dirty="0" smtClean="0"/>
+              <a:t>Recomandări – persoane vulnerabile</a:t>
+            </a:r>
+          </a:p>
+          <a:p>
+            <a:pPr lvl="3"/>
+            <a:r>
+              <a:rPr lang="ro-RO" sz="1600" dirty="0" smtClean="0"/>
+              <a:t>Adunare date de la utilizatori – Analiza AQI pe trasee ciclism, alergat</a:t>
+            </a:r>
+            <a:r>
+              <a:rPr lang="en-US" sz="1600" dirty="0" smtClean="0"/>
+              <a:t> – hart</a:t>
+            </a:r>
+            <a:r>
+              <a:rPr lang="ro-RO" sz="1600" dirty="0" smtClean="0"/>
+              <a:t>ă</a:t>
+            </a:r>
             <a:endParaRPr lang="ro-RO" sz="1600" dirty="0" smtClean="0"/>
-          </a:p>
-          <a:p>
-            <a:pPr lvl="2"/>
-            <a:endParaRPr lang="ro-RO" sz="1600" dirty="0" smtClean="0"/>
-          </a:p>
-          <a:p>
-            <a:pPr lvl="2"/>
-            <a:r>
-              <a:rPr lang="ro-RO" sz="1600" dirty="0" smtClean="0"/>
-              <a:t>Recomandări pentru persoane vulnerabile în funcție de nivelul poluării</a:t>
-            </a:r>
           </a:p>
           <a:p>
             <a:endParaRPr lang="en-US" dirty="0"/>
@@ -11988,8 +11180,16 @@
               <a:t>13</a:t>
             </a:fld>
             <a:r>
-              <a:rPr lang="ro-RO" smtClean="0"/>
-              <a:t> of 10</a:t>
+              <a:rPr lang="en-US" dirty="0" smtClean="0"/>
+              <a:t>/</a:t>
+            </a:r>
+            <a:r>
+              <a:rPr lang="ro-RO" dirty="0" smtClean="0"/>
+              <a:t>1</a:t>
+            </a:r>
+            <a:r>
+              <a:rPr lang="en-US" dirty="0" smtClean="0"/>
+              <a:t>3</a:t>
             </a:r>
             <a:endParaRPr lang="en-US" dirty="0"/>
           </a:p>
@@ -12012,8 +11212,8 @@
         </p:blipFill>
         <p:spPr bwMode="auto">
           <a:xfrm>
-            <a:off x="1752600" y="4689010"/>
-            <a:ext cx="4800600" cy="2028713"/>
+            <a:off x="2057400" y="4495800"/>
+            <a:ext cx="4800600" cy="1840923"/>
           </a:xfrm>
           <a:prstGeom prst="rect">
             <a:avLst/>
@@ -12044,7 +11244,7 @@
         </p:blipFill>
         <p:spPr bwMode="auto">
           <a:xfrm>
-            <a:off x="6629400" y="2209800"/>
+            <a:off x="6629400" y="1905000"/>
             <a:ext cx="2026722" cy="1219200"/>
           </a:xfrm>
           <a:prstGeom prst="rect">
@@ -12233,7 +11433,7 @@
             </a:r>
             <a:r>
               <a:rPr lang="ro-RO" b="1" i="1" dirty="0" smtClean="0"/>
-              <a:t>sistemului. Tehnologii folosite</a:t>
+              <a:t>sistemului</a:t>
             </a:r>
             <a:endParaRPr lang="en-US" b="1" i="1" dirty="0"/>
           </a:p>
@@ -12326,13 +11526,14 @@
               <a:t>2</a:t>
             </a:fld>
             <a:r>
-              <a:rPr lang="ro-RO" dirty="0"/>
+              <a:rPr lang="ro-RO" dirty="0" smtClean="0"/>
               <a:t>/</a:t>
             </a:r>
             <a:r>
-              <a:rPr lang="en-US" dirty="0"/>
-              <a:t>16</a:t>
-            </a:r>
+              <a:rPr lang="en-US" dirty="0" smtClean="0"/>
+              <a:t>13</a:t>
+            </a:r>
+            <a:endParaRPr lang="en-US" dirty="0"/>
           </a:p>
         </p:txBody>
       </p:sp>
@@ -12432,7 +11633,7 @@
         </p:spPr>
         <p:txBody>
           <a:bodyPr>
-            <a:normAutofit lnSpcReduction="10000"/>
+            <a:normAutofit/>
           </a:bodyPr>
           <a:lstStyle/>
           <a:p>
@@ -12445,18 +11646,22 @@
             <a:pPr lvl="1"/>
             <a:r>
               <a:rPr lang="ro-RO" sz="1600" dirty="0" smtClean="0"/>
-              <a:t>Calitatea aerului </a:t>
-            </a:r>
-            <a:r>
-              <a:rPr lang="ro-RO" sz="1600" dirty="0" smtClean="0"/>
-              <a:t>– efectul poluării asupra populației</a:t>
+              <a:t>Calitatea aerului – efectul poluării asupra populației</a:t>
             </a:r>
           </a:p>
           <a:p>
             <a:pPr lvl="2"/>
             <a:r>
               <a:rPr lang="ro-RO" sz="1300" dirty="0" smtClean="0"/>
-              <a:t>4.2 Milioane de decese anual – 7.6%  din decese  anuale (date OMS)</a:t>
+              <a:t>4.2 Milioane de decese anual – 7.6%  din decese </a:t>
+            </a:r>
+            <a:r>
+              <a:rPr lang="ro-RO" sz="1300" dirty="0" smtClean="0"/>
+              <a:t>anuale </a:t>
+            </a:r>
+            <a:r>
+              <a:rPr lang="ro-RO" sz="1300" dirty="0" smtClean="0"/>
+              <a:t>(date OMS)</a:t>
             </a:r>
             <a:endParaRPr lang="en-US" sz="1300" dirty="0" smtClean="0"/>
           </a:p>
@@ -12492,11 +11697,12 @@
             </a:r>
             <a:r>
               <a:rPr lang="ro-RO" sz="1600" dirty="0" smtClean="0"/>
-              <a:t>e pentru studiul calității aerului local</a:t>
-            </a:r>
-          </a:p>
-          <a:p>
-            <a:pPr lvl="1"/>
+              <a:t>e pentru studiul calității </a:t>
+            </a:r>
+            <a:r>
+              <a:rPr lang="ro-RO" sz="1600" dirty="0" smtClean="0"/>
+              <a:t>aerului</a:t>
+            </a:r>
             <a:endParaRPr lang="ro-RO" sz="1800" dirty="0" smtClean="0"/>
           </a:p>
           <a:p>
@@ -12512,34 +11718,56 @@
             <a:pPr lvl="1"/>
             <a:r>
               <a:rPr lang="ro-RO" sz="1600" dirty="0" smtClean="0"/>
-              <a:t>Studiul calității aerului cu senzori accesibili</a:t>
-            </a:r>
+              <a:t>Stații de măsurare puține – orașe mari</a:t>
+            </a:r>
+            <a:endParaRPr lang="en-US" sz="1600" dirty="0" smtClean="0"/>
           </a:p>
           <a:p>
             <a:pPr lvl="1"/>
             <a:r>
               <a:rPr lang="ro-RO" sz="1600" dirty="0" smtClean="0"/>
-              <a:t>Calitatea aerului în timp real, </a:t>
+              <a:t>Dispozitive existente – date cu </a:t>
+            </a:r>
+            <a:r>
+              <a:rPr lang="en-US" sz="1600" dirty="0" smtClean="0"/>
+              <a:t>a</a:t>
+            </a:r>
+            <a:r>
+              <a:rPr lang="ro-RO" sz="1600" dirty="0" smtClean="0"/>
+              <a:t>curate</a:t>
+            </a:r>
+            <a:r>
+              <a:rPr lang="ro-RO" sz="1600" dirty="0" smtClean="0"/>
+              <a:t>ț</a:t>
+            </a:r>
+            <a:r>
+              <a:rPr lang="ro-RO" sz="1600" dirty="0" smtClean="0"/>
+              <a:t>e redusă</a:t>
+            </a:r>
+          </a:p>
+          <a:p>
+            <a:pPr lvl="1"/>
+            <a:r>
+              <a:rPr lang="ro-RO" sz="1600" dirty="0" smtClean="0"/>
+              <a:t>Lipsa soluții studiu calitate aerului în timp real, </a:t>
             </a:r>
             <a:r>
               <a:rPr lang="ro-RO" sz="1600" dirty="0" smtClean="0"/>
               <a:t>local</a:t>
             </a:r>
+            <a:endParaRPr lang="ro-RO" sz="1600" dirty="0" smtClean="0"/>
           </a:p>
           <a:p>
             <a:pPr lvl="1"/>
             <a:r>
               <a:rPr lang="ro-RO" sz="1600" dirty="0" smtClean="0"/>
-              <a:t>Analiză parametrii  de calitatea aer ,  Analiză senzori </a:t>
-            </a:r>
-            <a:endParaRPr lang="ro-RO" sz="1600" dirty="0" smtClean="0"/>
-          </a:p>
-          <a:p>
-            <a:pPr lvl="1"/>
-            <a:endParaRPr lang="ro-RO" sz="1800" dirty="0" smtClean="0"/>
-          </a:p>
-          <a:p>
-            <a:pPr lvl="1"/>
+              <a:t>Studiul calității aerului cu senzori accesibili</a:t>
+            </a:r>
+          </a:p>
+          <a:p>
+            <a:pPr lvl="1">
+              <a:buNone/>
+            </a:pPr>
             <a:endParaRPr lang="ro-RO" sz="1800" dirty="0" smtClean="0"/>
           </a:p>
           <a:p>
@@ -12552,8 +11780,29 @@
             <a:pPr lvl="1"/>
             <a:r>
               <a:rPr lang="ro-RO" sz="1600" dirty="0" smtClean="0"/>
-              <a:t>Aplicație mobilă monitorizare – Dispozitiv portabil cu senzori de poluare</a:t>
-            </a:r>
+              <a:t>Aplicație mobilă </a:t>
+            </a:r>
+            <a:r>
+              <a:rPr lang="ro-RO" sz="1600" dirty="0" smtClean="0"/>
+              <a:t>monitorizare aer </a:t>
+            </a:r>
+            <a:r>
+              <a:rPr lang="ro-RO" sz="1600" dirty="0" smtClean="0"/>
+              <a:t>– </a:t>
+            </a:r>
+            <a:r>
+              <a:rPr lang="ro-RO" sz="1600" dirty="0" smtClean="0"/>
+              <a:t>dispozitiv </a:t>
+            </a:r>
+            <a:r>
+              <a:rPr lang="ro-RO" sz="1600" dirty="0" smtClean="0"/>
+              <a:t>portabil </a:t>
+            </a:r>
+            <a:r>
+              <a:rPr lang="ro-RO" sz="1600" dirty="0" smtClean="0"/>
+              <a:t>–senzori poluare</a:t>
+            </a:r>
+            <a:endParaRPr lang="ro-RO" sz="1600" dirty="0" smtClean="0"/>
           </a:p>
           <a:p>
             <a:pPr lvl="1"/>
@@ -12563,8 +11812,16 @@
             </a:r>
             <a:r>
               <a:rPr lang="ro-RO" sz="1600" dirty="0" smtClean="0"/>
-              <a:t>senzori</a:t>
-            </a:r>
+              <a:t>senzori </a:t>
+            </a:r>
+            <a:r>
+              <a:rPr lang="ro-RO" sz="1600" dirty="0" smtClean="0"/>
+              <a:t>– Colecatare, Analiză date</a:t>
+            </a:r>
+          </a:p>
+          <a:p>
+            <a:pPr lvl="1"/>
+            <a:endParaRPr lang="ro-RO" sz="1600" dirty="0" smtClean="0"/>
           </a:p>
           <a:p>
             <a:pPr lvl="1"/>
@@ -12599,8 +11856,8 @@
               <a:t>3</a:t>
             </a:fld>
             <a:r>
-              <a:rPr lang="ro-RO" smtClean="0"/>
-              <a:t> of 10</a:t>
+              <a:rPr lang="en-US" dirty="0" smtClean="0"/>
+              <a:t>/13</a:t>
             </a:r>
             <a:endParaRPr lang="en-US" dirty="0"/>
           </a:p>
@@ -12649,7 +11906,7 @@
         </p:blipFill>
         <p:spPr bwMode="auto">
           <a:xfrm>
-            <a:off x="6934200" y="1676400"/>
+            <a:off x="6934200" y="1371600"/>
             <a:ext cx="1747838" cy="1085224"/>
           </a:xfrm>
           <a:prstGeom prst="rect">
@@ -12766,7 +12023,12 @@
             <p:ph type="title"/>
           </p:nvPr>
         </p:nvSpPr>
-        <p:spPr/>
+        <p:spPr>
+          <a:xfrm>
+            <a:off x="457200" y="274638"/>
+            <a:ext cx="7467600" cy="868362"/>
+          </a:xfrm>
+        </p:spPr>
         <p:txBody>
           <a:bodyPr>
             <a:normAutofit/>
@@ -12774,14 +12036,14 @@
           <a:lstStyle/>
           <a:p>
             <a:r>
-              <a:rPr lang="ro-RO" b="1" cap="none" dirty="0" smtClean="0">
+              <a:rPr lang="ro-RO" sz="2600" b="1" cap="none" dirty="0" smtClean="0">
                 <a:solidFill>
                   <a:srgbClr val="0070C0"/>
                 </a:solidFill>
               </a:rPr>
               <a:t>2. Analiza Stadiului Actual în Domeniul Problemei</a:t>
             </a:r>
-            <a:endParaRPr lang="en-US" b="1" dirty="0"/>
+            <a:endParaRPr lang="en-US" sz="2600" b="1" dirty="0"/>
           </a:p>
         </p:txBody>
       </p:sp>
@@ -12838,14 +12100,18 @@
               <a:rPr lang="ro-RO" sz="1600" dirty="0" smtClean="0"/>
               <a:t>Wi-fi </a:t>
             </a:r>
+          </a:p>
+          <a:p>
+            <a:pPr lvl="1"/>
+            <a:r>
+              <a:rPr lang="ro-RO" sz="1600" dirty="0" smtClean="0"/>
+              <a:t>Rețea de senzori – </a:t>
+            </a:r>
+            <a:r>
+              <a:rPr lang="ro-RO" sz="1600" dirty="0" smtClean="0"/>
+              <a:t>extensibilă</a:t>
+            </a:r>
             <a:endParaRPr lang="ro-RO" sz="1600" dirty="0" smtClean="0"/>
-          </a:p>
-          <a:p>
-            <a:pPr lvl="1"/>
-            <a:r>
-              <a:rPr lang="ro-RO" sz="1600" dirty="0" smtClean="0"/>
-              <a:t>Rețea de senzori – extenxibilă</a:t>
-            </a:r>
           </a:p>
           <a:p>
             <a:pPr lvl="1"/>
@@ -12937,8 +12203,16 @@
               <a:t>4</a:t>
             </a:fld>
             <a:r>
-              <a:rPr lang="ro-RO" smtClean="0"/>
-              <a:t> of 10</a:t>
+              <a:rPr lang="en-US" dirty="0" smtClean="0"/>
+              <a:t>/</a:t>
+            </a:r>
+            <a:r>
+              <a:rPr lang="ro-RO" dirty="0" smtClean="0"/>
+              <a:t>1</a:t>
+            </a:r>
+            <a:r>
+              <a:rPr lang="en-US" dirty="0" smtClean="0"/>
+              <a:t>3</a:t>
             </a:r>
             <a:endParaRPr lang="en-US" dirty="0"/>
           </a:p>
@@ -13081,7 +12355,607 @@
   <p:timing>
     <p:tnLst>
       <p:par>
-        <p:cTn id="1" dur="indefinite" restart="never" nodeType="tmRoot"/>
+        <p:cTn id="1" dur="indefinite" restart="never" nodeType="tmRoot">
+          <p:childTnLst>
+            <p:seq concurrent="1" nextAc="seek">
+              <p:cTn id="2" dur="indefinite" nodeType="mainSeq">
+                <p:childTnLst>
+                  <p:par>
+                    <p:cTn id="3" fill="hold">
+                      <p:stCondLst>
+                        <p:cond delay="indefinite"/>
+                      </p:stCondLst>
+                      <p:childTnLst>
+                        <p:par>
+                          <p:cTn id="4" fill="hold">
+                            <p:stCondLst>
+                              <p:cond delay="0"/>
+                            </p:stCondLst>
+                            <p:childTnLst>
+                              <p:par>
+                                <p:cTn id="5" presetID="2" presetClass="entr" presetSubtype="4" fill="hold" nodeType="clickEffect">
+                                  <p:stCondLst>
+                                    <p:cond delay="0"/>
+                                  </p:stCondLst>
+                                  <p:childTnLst>
+                                    <p:set>
+                                      <p:cBhvr>
+                                        <p:cTn id="6" dur="1" fill="hold">
+                                          <p:stCondLst>
+                                            <p:cond delay="0"/>
+                                          </p:stCondLst>
+                                        </p:cTn>
+                                        <p:tgtEl>
+                                          <p:spTgt spid="3">
+                                            <p:txEl>
+                                              <p:pRg st="6" end="6"/>
+                                            </p:txEl>
+                                          </p:spTgt>
+                                        </p:tgtEl>
+                                        <p:attrNameLst>
+                                          <p:attrName>style.visibility</p:attrName>
+                                        </p:attrNameLst>
+                                      </p:cBhvr>
+                                      <p:to>
+                                        <p:strVal val="visible"/>
+                                      </p:to>
+                                    </p:set>
+                                    <p:anim calcmode="lin" valueType="num">
+                                      <p:cBhvr additive="base">
+                                        <p:cTn id="7" dur="500" fill="hold"/>
+                                        <p:tgtEl>
+                                          <p:spTgt spid="3">
+                                            <p:txEl>
+                                              <p:pRg st="6" end="6"/>
+                                            </p:txEl>
+                                          </p:spTgt>
+                                        </p:tgtEl>
+                                        <p:attrNameLst>
+                                          <p:attrName>ppt_x</p:attrName>
+                                        </p:attrNameLst>
+                                      </p:cBhvr>
+                                      <p:tavLst>
+                                        <p:tav tm="0">
+                                          <p:val>
+                                            <p:strVal val="#ppt_x"/>
+                                          </p:val>
+                                        </p:tav>
+                                        <p:tav tm="100000">
+                                          <p:val>
+                                            <p:strVal val="#ppt_x"/>
+                                          </p:val>
+                                        </p:tav>
+                                      </p:tavLst>
+                                    </p:anim>
+                                    <p:anim calcmode="lin" valueType="num">
+                                      <p:cBhvr additive="base">
+                                        <p:cTn id="8" dur="500" fill="hold"/>
+                                        <p:tgtEl>
+                                          <p:spTgt spid="3">
+                                            <p:txEl>
+                                              <p:pRg st="6" end="6"/>
+                                            </p:txEl>
+                                          </p:spTgt>
+                                        </p:tgtEl>
+                                        <p:attrNameLst>
+                                          <p:attrName>ppt_y</p:attrName>
+                                        </p:attrNameLst>
+                                      </p:cBhvr>
+                                      <p:tavLst>
+                                        <p:tav tm="0">
+                                          <p:val>
+                                            <p:strVal val="1+#ppt_h/2"/>
+                                          </p:val>
+                                        </p:tav>
+                                        <p:tav tm="100000">
+                                          <p:val>
+                                            <p:strVal val="#ppt_y"/>
+                                          </p:val>
+                                        </p:tav>
+                                      </p:tavLst>
+                                    </p:anim>
+                                  </p:childTnLst>
+                                </p:cTn>
+                              </p:par>
+                              <p:par>
+                                <p:cTn id="9" presetID="2" presetClass="entr" presetSubtype="4" fill="hold" nodeType="withEffect">
+                                  <p:stCondLst>
+                                    <p:cond delay="0"/>
+                                  </p:stCondLst>
+                                  <p:childTnLst>
+                                    <p:set>
+                                      <p:cBhvr>
+                                        <p:cTn id="10" dur="1" fill="hold">
+                                          <p:stCondLst>
+                                            <p:cond delay="0"/>
+                                          </p:stCondLst>
+                                        </p:cTn>
+                                        <p:tgtEl>
+                                          <p:spTgt spid="3">
+                                            <p:txEl>
+                                              <p:pRg st="7" end="7"/>
+                                            </p:txEl>
+                                          </p:spTgt>
+                                        </p:tgtEl>
+                                        <p:attrNameLst>
+                                          <p:attrName>style.visibility</p:attrName>
+                                        </p:attrNameLst>
+                                      </p:cBhvr>
+                                      <p:to>
+                                        <p:strVal val="visible"/>
+                                      </p:to>
+                                    </p:set>
+                                    <p:anim calcmode="lin" valueType="num">
+                                      <p:cBhvr additive="base">
+                                        <p:cTn id="11" dur="500" fill="hold"/>
+                                        <p:tgtEl>
+                                          <p:spTgt spid="3">
+                                            <p:txEl>
+                                              <p:pRg st="7" end="7"/>
+                                            </p:txEl>
+                                          </p:spTgt>
+                                        </p:tgtEl>
+                                        <p:attrNameLst>
+                                          <p:attrName>ppt_x</p:attrName>
+                                        </p:attrNameLst>
+                                      </p:cBhvr>
+                                      <p:tavLst>
+                                        <p:tav tm="0">
+                                          <p:val>
+                                            <p:strVal val="#ppt_x"/>
+                                          </p:val>
+                                        </p:tav>
+                                        <p:tav tm="100000">
+                                          <p:val>
+                                            <p:strVal val="#ppt_x"/>
+                                          </p:val>
+                                        </p:tav>
+                                      </p:tavLst>
+                                    </p:anim>
+                                    <p:anim calcmode="lin" valueType="num">
+                                      <p:cBhvr additive="base">
+                                        <p:cTn id="12" dur="500" fill="hold"/>
+                                        <p:tgtEl>
+                                          <p:spTgt spid="3">
+                                            <p:txEl>
+                                              <p:pRg st="7" end="7"/>
+                                            </p:txEl>
+                                          </p:spTgt>
+                                        </p:tgtEl>
+                                        <p:attrNameLst>
+                                          <p:attrName>ppt_y</p:attrName>
+                                        </p:attrNameLst>
+                                      </p:cBhvr>
+                                      <p:tavLst>
+                                        <p:tav tm="0">
+                                          <p:val>
+                                            <p:strVal val="1+#ppt_h/2"/>
+                                          </p:val>
+                                        </p:tav>
+                                        <p:tav tm="100000">
+                                          <p:val>
+                                            <p:strVal val="#ppt_y"/>
+                                          </p:val>
+                                        </p:tav>
+                                      </p:tavLst>
+                                    </p:anim>
+                                  </p:childTnLst>
+                                </p:cTn>
+                              </p:par>
+                              <p:par>
+                                <p:cTn id="13" presetID="2" presetClass="entr" presetSubtype="4" fill="hold" nodeType="withEffect">
+                                  <p:stCondLst>
+                                    <p:cond delay="0"/>
+                                  </p:stCondLst>
+                                  <p:childTnLst>
+                                    <p:set>
+                                      <p:cBhvr>
+                                        <p:cTn id="14" dur="1" fill="hold">
+                                          <p:stCondLst>
+                                            <p:cond delay="0"/>
+                                          </p:stCondLst>
+                                        </p:cTn>
+                                        <p:tgtEl>
+                                          <p:spTgt spid="3">
+                                            <p:txEl>
+                                              <p:pRg st="8" end="8"/>
+                                            </p:txEl>
+                                          </p:spTgt>
+                                        </p:tgtEl>
+                                        <p:attrNameLst>
+                                          <p:attrName>style.visibility</p:attrName>
+                                        </p:attrNameLst>
+                                      </p:cBhvr>
+                                      <p:to>
+                                        <p:strVal val="visible"/>
+                                      </p:to>
+                                    </p:set>
+                                    <p:anim calcmode="lin" valueType="num">
+                                      <p:cBhvr additive="base">
+                                        <p:cTn id="15" dur="500" fill="hold"/>
+                                        <p:tgtEl>
+                                          <p:spTgt spid="3">
+                                            <p:txEl>
+                                              <p:pRg st="8" end="8"/>
+                                            </p:txEl>
+                                          </p:spTgt>
+                                        </p:tgtEl>
+                                        <p:attrNameLst>
+                                          <p:attrName>ppt_x</p:attrName>
+                                        </p:attrNameLst>
+                                      </p:cBhvr>
+                                      <p:tavLst>
+                                        <p:tav tm="0">
+                                          <p:val>
+                                            <p:strVal val="#ppt_x"/>
+                                          </p:val>
+                                        </p:tav>
+                                        <p:tav tm="100000">
+                                          <p:val>
+                                            <p:strVal val="#ppt_x"/>
+                                          </p:val>
+                                        </p:tav>
+                                      </p:tavLst>
+                                    </p:anim>
+                                    <p:anim calcmode="lin" valueType="num">
+                                      <p:cBhvr additive="base">
+                                        <p:cTn id="16" dur="500" fill="hold"/>
+                                        <p:tgtEl>
+                                          <p:spTgt spid="3">
+                                            <p:txEl>
+                                              <p:pRg st="8" end="8"/>
+                                            </p:txEl>
+                                          </p:spTgt>
+                                        </p:tgtEl>
+                                        <p:attrNameLst>
+                                          <p:attrName>ppt_y</p:attrName>
+                                        </p:attrNameLst>
+                                      </p:cBhvr>
+                                      <p:tavLst>
+                                        <p:tav tm="0">
+                                          <p:val>
+                                            <p:strVal val="1+#ppt_h/2"/>
+                                          </p:val>
+                                        </p:tav>
+                                        <p:tav tm="100000">
+                                          <p:val>
+                                            <p:strVal val="#ppt_y"/>
+                                          </p:val>
+                                        </p:tav>
+                                      </p:tavLst>
+                                    </p:anim>
+                                  </p:childTnLst>
+                                </p:cTn>
+                              </p:par>
+                              <p:par>
+                                <p:cTn id="17" presetID="2" presetClass="entr" presetSubtype="4" fill="hold" nodeType="withEffect">
+                                  <p:stCondLst>
+                                    <p:cond delay="0"/>
+                                  </p:stCondLst>
+                                  <p:childTnLst>
+                                    <p:set>
+                                      <p:cBhvr>
+                                        <p:cTn id="18" dur="1" fill="hold">
+                                          <p:stCondLst>
+                                            <p:cond delay="0"/>
+                                          </p:stCondLst>
+                                        </p:cTn>
+                                        <p:tgtEl>
+                                          <p:spTgt spid="3">
+                                            <p:txEl>
+                                              <p:pRg st="9" end="9"/>
+                                            </p:txEl>
+                                          </p:spTgt>
+                                        </p:tgtEl>
+                                        <p:attrNameLst>
+                                          <p:attrName>style.visibility</p:attrName>
+                                        </p:attrNameLst>
+                                      </p:cBhvr>
+                                      <p:to>
+                                        <p:strVal val="visible"/>
+                                      </p:to>
+                                    </p:set>
+                                    <p:anim calcmode="lin" valueType="num">
+                                      <p:cBhvr additive="base">
+                                        <p:cTn id="19" dur="500" fill="hold"/>
+                                        <p:tgtEl>
+                                          <p:spTgt spid="3">
+                                            <p:txEl>
+                                              <p:pRg st="9" end="9"/>
+                                            </p:txEl>
+                                          </p:spTgt>
+                                        </p:tgtEl>
+                                        <p:attrNameLst>
+                                          <p:attrName>ppt_x</p:attrName>
+                                        </p:attrNameLst>
+                                      </p:cBhvr>
+                                      <p:tavLst>
+                                        <p:tav tm="0">
+                                          <p:val>
+                                            <p:strVal val="#ppt_x"/>
+                                          </p:val>
+                                        </p:tav>
+                                        <p:tav tm="100000">
+                                          <p:val>
+                                            <p:strVal val="#ppt_x"/>
+                                          </p:val>
+                                        </p:tav>
+                                      </p:tavLst>
+                                    </p:anim>
+                                    <p:anim calcmode="lin" valueType="num">
+                                      <p:cBhvr additive="base">
+                                        <p:cTn id="20" dur="500" fill="hold"/>
+                                        <p:tgtEl>
+                                          <p:spTgt spid="3">
+                                            <p:txEl>
+                                              <p:pRg st="9" end="9"/>
+                                            </p:txEl>
+                                          </p:spTgt>
+                                        </p:tgtEl>
+                                        <p:attrNameLst>
+                                          <p:attrName>ppt_y</p:attrName>
+                                        </p:attrNameLst>
+                                      </p:cBhvr>
+                                      <p:tavLst>
+                                        <p:tav tm="0">
+                                          <p:val>
+                                            <p:strVal val="1+#ppt_h/2"/>
+                                          </p:val>
+                                        </p:tav>
+                                        <p:tav tm="100000">
+                                          <p:val>
+                                            <p:strVal val="#ppt_y"/>
+                                          </p:val>
+                                        </p:tav>
+                                      </p:tavLst>
+                                    </p:anim>
+                                  </p:childTnLst>
+                                </p:cTn>
+                              </p:par>
+                              <p:par>
+                                <p:cTn id="21" presetID="2" presetClass="entr" presetSubtype="4" fill="hold" nodeType="withEffect">
+                                  <p:stCondLst>
+                                    <p:cond delay="0"/>
+                                  </p:stCondLst>
+                                  <p:childTnLst>
+                                    <p:set>
+                                      <p:cBhvr>
+                                        <p:cTn id="22" dur="1" fill="hold">
+                                          <p:stCondLst>
+                                            <p:cond delay="0"/>
+                                          </p:stCondLst>
+                                        </p:cTn>
+                                        <p:tgtEl>
+                                          <p:spTgt spid="6"/>
+                                        </p:tgtEl>
+                                        <p:attrNameLst>
+                                          <p:attrName>style.visibility</p:attrName>
+                                        </p:attrNameLst>
+                                      </p:cBhvr>
+                                      <p:to>
+                                        <p:strVal val="visible"/>
+                                      </p:to>
+                                    </p:set>
+                                    <p:anim calcmode="lin" valueType="num">
+                                      <p:cBhvr additive="base">
+                                        <p:cTn id="23" dur="500" fill="hold"/>
+                                        <p:tgtEl>
+                                          <p:spTgt spid="6"/>
+                                        </p:tgtEl>
+                                        <p:attrNameLst>
+                                          <p:attrName>ppt_x</p:attrName>
+                                        </p:attrNameLst>
+                                      </p:cBhvr>
+                                      <p:tavLst>
+                                        <p:tav tm="0">
+                                          <p:val>
+                                            <p:strVal val="#ppt_x"/>
+                                          </p:val>
+                                        </p:tav>
+                                        <p:tav tm="100000">
+                                          <p:val>
+                                            <p:strVal val="#ppt_x"/>
+                                          </p:val>
+                                        </p:tav>
+                                      </p:tavLst>
+                                    </p:anim>
+                                    <p:anim calcmode="lin" valueType="num">
+                                      <p:cBhvr additive="base">
+                                        <p:cTn id="24" dur="500" fill="hold"/>
+                                        <p:tgtEl>
+                                          <p:spTgt spid="6"/>
+                                        </p:tgtEl>
+                                        <p:attrNameLst>
+                                          <p:attrName>ppt_y</p:attrName>
+                                        </p:attrNameLst>
+                                      </p:cBhvr>
+                                      <p:tavLst>
+                                        <p:tav tm="0">
+                                          <p:val>
+                                            <p:strVal val="1+#ppt_h/2"/>
+                                          </p:val>
+                                        </p:tav>
+                                        <p:tav tm="100000">
+                                          <p:val>
+                                            <p:strVal val="#ppt_y"/>
+                                          </p:val>
+                                        </p:tav>
+                                      </p:tavLst>
+                                    </p:anim>
+                                  </p:childTnLst>
+                                </p:cTn>
+                              </p:par>
+                              <p:par>
+                                <p:cTn id="25" presetID="2" presetClass="entr" presetSubtype="4" fill="hold" nodeType="withEffect">
+                                  <p:stCondLst>
+                                    <p:cond delay="0"/>
+                                  </p:stCondLst>
+                                  <p:childTnLst>
+                                    <p:set>
+                                      <p:cBhvr>
+                                        <p:cTn id="26" dur="1" fill="hold">
+                                          <p:stCondLst>
+                                            <p:cond delay="0"/>
+                                          </p:stCondLst>
+                                        </p:cTn>
+                                        <p:tgtEl>
+                                          <p:spTgt spid="29698"/>
+                                        </p:tgtEl>
+                                        <p:attrNameLst>
+                                          <p:attrName>style.visibility</p:attrName>
+                                        </p:attrNameLst>
+                                      </p:cBhvr>
+                                      <p:to>
+                                        <p:strVal val="visible"/>
+                                      </p:to>
+                                    </p:set>
+                                    <p:anim calcmode="lin" valueType="num">
+                                      <p:cBhvr additive="base">
+                                        <p:cTn id="27" dur="500" fill="hold"/>
+                                        <p:tgtEl>
+                                          <p:spTgt spid="29698"/>
+                                        </p:tgtEl>
+                                        <p:attrNameLst>
+                                          <p:attrName>ppt_x</p:attrName>
+                                        </p:attrNameLst>
+                                      </p:cBhvr>
+                                      <p:tavLst>
+                                        <p:tav tm="0">
+                                          <p:val>
+                                            <p:strVal val="#ppt_x"/>
+                                          </p:val>
+                                        </p:tav>
+                                        <p:tav tm="100000">
+                                          <p:val>
+                                            <p:strVal val="#ppt_x"/>
+                                          </p:val>
+                                        </p:tav>
+                                      </p:tavLst>
+                                    </p:anim>
+                                    <p:anim calcmode="lin" valueType="num">
+                                      <p:cBhvr additive="base">
+                                        <p:cTn id="28" dur="500" fill="hold"/>
+                                        <p:tgtEl>
+                                          <p:spTgt spid="29698"/>
+                                        </p:tgtEl>
+                                        <p:attrNameLst>
+                                          <p:attrName>ppt_y</p:attrName>
+                                        </p:attrNameLst>
+                                      </p:cBhvr>
+                                      <p:tavLst>
+                                        <p:tav tm="0">
+                                          <p:val>
+                                            <p:strVal val="1+#ppt_h/2"/>
+                                          </p:val>
+                                        </p:tav>
+                                        <p:tav tm="100000">
+                                          <p:val>
+                                            <p:strVal val="#ppt_y"/>
+                                          </p:val>
+                                        </p:tav>
+                                      </p:tavLst>
+                                    </p:anim>
+                                  </p:childTnLst>
+                                </p:cTn>
+                              </p:par>
+                              <p:par>
+                                <p:cTn id="29" presetID="2" presetClass="entr" presetSubtype="4" fill="hold" nodeType="withEffect">
+                                  <p:stCondLst>
+                                    <p:cond delay="0"/>
+                                  </p:stCondLst>
+                                  <p:childTnLst>
+                                    <p:set>
+                                      <p:cBhvr>
+                                        <p:cTn id="30" dur="1" fill="hold">
+                                          <p:stCondLst>
+                                            <p:cond delay="0"/>
+                                          </p:stCondLst>
+                                        </p:cTn>
+                                        <p:tgtEl>
+                                          <p:spTgt spid="5"/>
+                                        </p:tgtEl>
+                                        <p:attrNameLst>
+                                          <p:attrName>style.visibility</p:attrName>
+                                        </p:attrNameLst>
+                                      </p:cBhvr>
+                                      <p:to>
+                                        <p:strVal val="visible"/>
+                                      </p:to>
+                                    </p:set>
+                                    <p:anim calcmode="lin" valueType="num">
+                                      <p:cBhvr additive="base">
+                                        <p:cTn id="31" dur="500" fill="hold"/>
+                                        <p:tgtEl>
+                                          <p:spTgt spid="5"/>
+                                        </p:tgtEl>
+                                        <p:attrNameLst>
+                                          <p:attrName>ppt_x</p:attrName>
+                                        </p:attrNameLst>
+                                      </p:cBhvr>
+                                      <p:tavLst>
+                                        <p:tav tm="0">
+                                          <p:val>
+                                            <p:strVal val="#ppt_x"/>
+                                          </p:val>
+                                        </p:tav>
+                                        <p:tav tm="100000">
+                                          <p:val>
+                                            <p:strVal val="#ppt_x"/>
+                                          </p:val>
+                                        </p:tav>
+                                      </p:tavLst>
+                                    </p:anim>
+                                    <p:anim calcmode="lin" valueType="num">
+                                      <p:cBhvr additive="base">
+                                        <p:cTn id="32" dur="500" fill="hold"/>
+                                        <p:tgtEl>
+                                          <p:spTgt spid="5"/>
+                                        </p:tgtEl>
+                                        <p:attrNameLst>
+                                          <p:attrName>ppt_y</p:attrName>
+                                        </p:attrNameLst>
+                                      </p:cBhvr>
+                                      <p:tavLst>
+                                        <p:tav tm="0">
+                                          <p:val>
+                                            <p:strVal val="1+#ppt_h/2"/>
+                                          </p:val>
+                                        </p:tav>
+                                        <p:tav tm="100000">
+                                          <p:val>
+                                            <p:strVal val="#ppt_y"/>
+                                          </p:val>
+                                        </p:tav>
+                                      </p:tavLst>
+                                    </p:anim>
+                                  </p:childTnLst>
+                                </p:cTn>
+                              </p:par>
+                            </p:childTnLst>
+                          </p:cTn>
+                        </p:par>
+                      </p:childTnLst>
+                    </p:cTn>
+                  </p:par>
+                </p:childTnLst>
+              </p:cTn>
+              <p:prevCondLst>
+                <p:cond evt="onPrev" delay="0">
+                  <p:tgtEl>
+                    <p:sldTgt/>
+                  </p:tgtEl>
+                </p:cond>
+              </p:prevCondLst>
+              <p:nextCondLst>
+                <p:cond evt="onNext" delay="0">
+                  <p:tgtEl>
+                    <p:sldTgt/>
+                  </p:tgtEl>
+                </p:cond>
+              </p:nextCondLst>
+            </p:seq>
+          </p:childTnLst>
+        </p:cTn>
       </p:par>
     </p:tnLst>
   </p:timing>
@@ -13172,17 +13046,10 @@
           <a:lstStyle/>
           <a:p>
             <a:r>
-              <a:rPr lang="en-US" dirty="0" err="1" smtClean="0"/>
-              <a:t>Scopuri</a:t>
-            </a:r>
-            <a:r>
-              <a:rPr lang="en-US" dirty="0" smtClean="0"/>
-              <a:t> </a:t>
-            </a:r>
-            <a:r>
               <a:rPr lang="ro-RO" dirty="0" smtClean="0"/>
-              <a:t>: </a:t>
-            </a:r>
+              <a:t>Obiective: </a:t>
+            </a:r>
+            <a:endParaRPr lang="ro-RO" dirty="0" smtClean="0"/>
           </a:p>
           <a:p>
             <a:pPr lvl="1"/>
@@ -13211,11 +13078,7 @@
             </a:r>
             <a:r>
               <a:rPr lang="en-US" sz="1600" dirty="0" smtClean="0"/>
-              <a:t> </a:t>
-            </a:r>
-            <a:r>
-              <a:rPr lang="en-US" sz="1600" dirty="0" smtClean="0"/>
-              <a:t>cu </a:t>
+              <a:t> cu </a:t>
             </a:r>
             <a:r>
               <a:rPr lang="en-US" sz="1600" dirty="0" err="1" smtClean="0"/>
@@ -13323,27 +13186,45 @@
             <a:pPr lvl="1"/>
             <a:r>
               <a:rPr lang="ro-RO" dirty="0" smtClean="0"/>
-              <a:t>Anazliza date exportate </a:t>
-            </a:r>
+              <a:t>Suport </a:t>
+            </a:r>
+            <a:r>
+              <a:rPr lang="ro-RO" dirty="0" smtClean="0"/>
+              <a:t>a</a:t>
+            </a:r>
+            <a:r>
+              <a:rPr lang="en-US" dirty="0" err="1" smtClean="0"/>
+              <a:t>na</a:t>
+            </a:r>
+            <a:r>
+              <a:rPr lang="ro-RO" dirty="0" smtClean="0"/>
+              <a:t>liză date </a:t>
+            </a:r>
+            <a:r>
+              <a:rPr lang="ro-RO" dirty="0" smtClean="0"/>
+              <a:t>exportate </a:t>
+            </a:r>
+            <a:endParaRPr lang="ro-RO" dirty="0" smtClean="0"/>
           </a:p>
           <a:p>
             <a:pPr lvl="2"/>
             <a:r>
-              <a:rPr lang="ro-RO" dirty="0" smtClean="0"/>
-              <a:t>Observare variații poluanți în diferite medii</a:t>
-            </a:r>
+              <a:rPr lang="ro-RO" sz="1600" dirty="0" smtClean="0"/>
+              <a:t>Cercetare în cadrul facultății</a:t>
+            </a:r>
+            <a:endParaRPr lang="ro-RO" sz="1600" dirty="0" smtClean="0"/>
           </a:p>
           <a:p>
             <a:pPr lvl="2"/>
             <a:r>
-              <a:rPr lang="ro-RO" dirty="0" smtClean="0"/>
-              <a:t>Studiul comparativ al performanței snezorilor </a:t>
-            </a:r>
-            <a:r>
-              <a:rPr lang="en-US" dirty="0" smtClean="0"/>
-              <a:t> - 2 module</a:t>
-            </a:r>
-            <a:endParaRPr lang="ro-RO" dirty="0" smtClean="0"/>
+              <a:rPr lang="ro-RO" sz="1600" dirty="0" smtClean="0"/>
+              <a:t>Observare variații </a:t>
+            </a:r>
+            <a:r>
+              <a:rPr lang="ro-RO" sz="1600" dirty="0" smtClean="0"/>
+              <a:t>poluanți – studiu comparativ senzori</a:t>
+            </a:r>
+            <a:endParaRPr lang="ro-RO" sz="1600" dirty="0" smtClean="0"/>
           </a:p>
         </p:txBody>
       </p:sp>
@@ -13368,8 +13249,8 @@
               <a:t>5</a:t>
             </a:fld>
             <a:r>
-              <a:rPr lang="ro-RO" smtClean="0"/>
-              <a:t> of 10</a:t>
+              <a:rPr lang="en-US" dirty="0" smtClean="0"/>
+              <a:t>/13</a:t>
             </a:r>
             <a:endParaRPr lang="en-US" dirty="0"/>
           </a:p>
@@ -13392,7 +13273,7 @@
         </p:blipFill>
         <p:spPr bwMode="auto">
           <a:xfrm>
-            <a:off x="7467600" y="1447800"/>
+            <a:off x="7467600" y="2286000"/>
             <a:ext cx="1154628" cy="1157288"/>
           </a:xfrm>
           <a:prstGeom prst="rect">
@@ -13502,39 +13383,123 @@
             <p:ph sz="quarter" idx="1"/>
           </p:nvPr>
         </p:nvSpPr>
-        <p:spPr/>
+        <p:spPr>
+          <a:xfrm>
+            <a:off x="457200" y="1219200"/>
+            <a:ext cx="8229600" cy="5254752"/>
+          </a:xfrm>
+        </p:spPr>
         <p:txBody>
           <a:bodyPr/>
           <a:lstStyle/>
           <a:p>
             <a:r>
               <a:rPr lang="ro-RO" dirty="0" smtClean="0"/>
-              <a:t>Calcul Indice de calitate a aerului(AQI)</a:t>
-            </a:r>
+              <a:t>Calcul Indice de calitate a aerului(AQI</a:t>
+            </a:r>
+            <a:r>
+              <a:rPr lang="ro-RO" dirty="0" smtClean="0"/>
+              <a:t>)</a:t>
+            </a:r>
+            <a:endParaRPr lang="ro-RO" dirty="0" smtClean="0"/>
           </a:p>
           <a:p>
             <a:pPr lvl="1"/>
             <a:r>
               <a:rPr lang="ro-RO" sz="1600" dirty="0" smtClean="0"/>
-              <a:t>Bazat pe AQI SUA, EPA</a:t>
-            </a:r>
-          </a:p>
-          <a:p>
-            <a:pPr lvl="1"/>
+              <a:t>Date Brute -</a:t>
+            </a:r>
+            <a:r>
+              <a:rPr lang="en-US" sz="1600" dirty="0" smtClean="0"/>
+              <a:t>&gt; </a:t>
+            </a:r>
+            <a:r>
+              <a:rPr lang="en-US" sz="1600" dirty="0" err="1" smtClean="0"/>
+              <a:t>Formule</a:t>
+            </a:r>
+            <a:r>
+              <a:rPr lang="en-US" sz="1600" dirty="0" smtClean="0"/>
+              <a:t>(</a:t>
+            </a:r>
+            <a:r>
+              <a:rPr lang="en-US" sz="1600" dirty="0" err="1" smtClean="0"/>
+              <a:t>caracteristici</a:t>
+            </a:r>
+            <a:r>
+              <a:rPr lang="en-US" sz="1600" dirty="0" smtClean="0"/>
+              <a:t> </a:t>
+            </a:r>
+            <a:r>
+              <a:rPr lang="en-US" sz="1600" dirty="0" err="1" smtClean="0"/>
+              <a:t>senzor</a:t>
+            </a:r>
+            <a:r>
+              <a:rPr lang="en-US" sz="1600" dirty="0" smtClean="0"/>
+              <a:t>, </a:t>
+            </a:r>
+            <a:r>
+              <a:rPr lang="en-US" sz="1600" dirty="0" err="1" smtClean="0"/>
+              <a:t>modul</a:t>
+            </a:r>
+            <a:r>
+              <a:rPr lang="en-US" sz="1600" dirty="0" smtClean="0"/>
+              <a:t>) -&gt; Concentra</a:t>
+            </a:r>
             <a:r>
               <a:rPr lang="ro-RO" sz="1600" dirty="0" smtClean="0"/>
-              <a:t>6 nivele </a:t>
-            </a:r>
-          </a:p>
-          <a:p>
-            <a:pPr lvl="1"/>
-            <a:r>
-              <a:rPr lang="ro-RO" sz="1600" dirty="0" smtClean="0"/>
-              <a:t>Efecte pentru </a:t>
-            </a:r>
-            <a:r>
-              <a:rPr lang="ro-RO" sz="1600" dirty="0" smtClean="0"/>
-              <a:t>sănătate</a:t>
+              <a:t>ție poluant -</a:t>
+            </a:r>
+            <a:r>
+              <a:rPr lang="en-US" sz="1600" dirty="0" smtClean="0"/>
+              <a:t>&gt; </a:t>
+            </a:r>
+            <a:r>
+              <a:rPr lang="en-US" sz="1600" dirty="0" err="1" smtClean="0"/>
+              <a:t>Valoare</a:t>
+            </a:r>
+            <a:r>
+              <a:rPr lang="en-US" sz="1600" dirty="0" smtClean="0"/>
+              <a:t> AQI </a:t>
+            </a:r>
+            <a:r>
+              <a:rPr lang="en-US" sz="1600" dirty="0" err="1" smtClean="0"/>
+              <a:t>prin</a:t>
+            </a:r>
+            <a:r>
+              <a:rPr lang="en-US" sz="1600" dirty="0" smtClean="0"/>
+              <a:t> </a:t>
+            </a:r>
+            <a:r>
+              <a:rPr lang="en-US" sz="1600" dirty="0" err="1" smtClean="0"/>
+              <a:t>Algoritm</a:t>
+            </a:r>
+            <a:r>
+              <a:rPr lang="en-US" sz="1600" dirty="0" smtClean="0"/>
+              <a:t> AQI:</a:t>
+            </a:r>
+            <a:endParaRPr lang="ro-RO" sz="1600" dirty="0" smtClean="0"/>
+          </a:p>
+          <a:p>
+            <a:pPr lvl="2"/>
+            <a:r>
+              <a:rPr lang="ro-RO" sz="1300" dirty="0" smtClean="0"/>
+              <a:t>AQI SUA,EPA : 6 </a:t>
+            </a:r>
+            <a:r>
+              <a:rPr lang="ro-RO" sz="1300" dirty="0" smtClean="0"/>
+              <a:t>nivele </a:t>
+            </a:r>
+            <a:r>
+              <a:rPr lang="en-US" sz="1300" dirty="0" smtClean="0"/>
+              <a:t>+ e</a:t>
+            </a:r>
+            <a:r>
+              <a:rPr lang="ro-RO" sz="1300" dirty="0" smtClean="0"/>
+              <a:t>fecte </a:t>
+            </a:r>
+            <a:r>
+              <a:rPr lang="ro-RO" sz="1300" dirty="0" smtClean="0"/>
+              <a:t>pentru sănătate</a:t>
             </a:r>
           </a:p>
           <a:p>
@@ -13548,8 +13513,26 @@
             <a:endParaRPr lang="ro-RO" sz="1600" dirty="0" smtClean="0"/>
           </a:p>
           <a:p>
-            <a:pPr lvl="1"/>
-            <a:endParaRPr lang="ro-RO" sz="1600" dirty="0" smtClean="0"/>
+            <a:pPr lvl="8"/>
+            <a:endParaRPr lang="ro-RO" sz="900" dirty="0" smtClean="0"/>
+          </a:p>
+          <a:p>
+            <a:pPr lvl="1">
+              <a:buNone/>
+            </a:pPr>
+            <a:r>
+              <a:rPr lang="ro-RO" dirty="0" smtClean="0"/>
+              <a:t>                                                                                       </a:t>
+            </a:r>
+            <a:r>
+              <a:rPr lang="ro-RO" sz="1400" dirty="0" smtClean="0"/>
+              <a:t>Obținere A</a:t>
+            </a:r>
+            <a:r>
+              <a:rPr lang="ro-RO" sz="1400" dirty="0" smtClean="0"/>
+              <a:t>QI din concentrație:</a:t>
+            </a:r>
+            <a:endParaRPr lang="ro-RO" dirty="0" smtClean="0"/>
           </a:p>
           <a:p>
             <a:pPr lvl="1">
@@ -13558,16 +13541,34 @@
             <a:endParaRPr lang="ro-RO" dirty="0" smtClean="0"/>
           </a:p>
           <a:p>
-            <a:pPr lvl="1">
-              <a:buNone/>
-            </a:pPr>
-            <a:endParaRPr lang="ro-RO" dirty="0" smtClean="0"/>
-          </a:p>
-          <a:p>
             <a:pPr>
               <a:buNone/>
             </a:pPr>
-            <a:endParaRPr lang="en-US" dirty="0"/>
+            <a:r>
+              <a:rPr lang="en-US" dirty="0" smtClean="0"/>
+              <a:t>	</a:t>
+            </a:r>
+          </a:p>
+          <a:p>
+            <a:pPr>
+              <a:buNone/>
+            </a:pPr>
+            <a:endParaRPr lang="en-US" dirty="0" smtClean="0"/>
+          </a:p>
+          <a:p>
+            <a:pPr>
+              <a:buFont typeface="Courier New" pitchFamily="49" charset="0"/>
+              <a:buChar char="o"/>
+            </a:pPr>
+            <a:r>
+              <a:rPr lang="en-US" sz="1600" dirty="0" smtClean="0"/>
+              <a:t> Ob</a:t>
+            </a:r>
+            <a:r>
+              <a:rPr lang="ro-RO" sz="1600" dirty="0" smtClean="0"/>
+              <a:t>ținere concentrație din valoare brută:</a:t>
+            </a:r>
+            <a:endParaRPr lang="en-US" sz="1600" dirty="0"/>
           </a:p>
         </p:txBody>
       </p:sp>
@@ -13592,8 +13593,8 @@
               <a:t>6</a:t>
             </a:fld>
             <a:r>
-              <a:rPr lang="ro-RO" smtClean="0"/>
-              <a:t> of 10</a:t>
+              <a:rPr lang="en-US" dirty="0" smtClean="0"/>
+              <a:t>/13</a:t>
             </a:r>
             <a:endParaRPr lang="en-US" dirty="0"/>
           </a:p>
@@ -13608,7 +13609,7 @@
           <p:nvPr/>
         </p:nvGraphicFramePr>
         <p:xfrm>
-          <a:off x="2057400" y="3200400"/>
+          <a:off x="1600200" y="2590800"/>
           <a:ext cx="4419600" cy="2209797"/>
         </p:xfrm>
         <a:graphic>
@@ -13846,7 +13847,7 @@
                         </a:spcAft>
                       </a:pPr>
                       <a:r>
-                        <a:rPr lang="en-US" sz="1150" dirty="0">
+                        <a:rPr lang="en-US" sz="1150" b="1" dirty="0">
                           <a:solidFill>
                             <a:srgbClr val="222222"/>
                           </a:solidFill>
@@ -13856,7 +13857,7 @@
                         </a:rPr>
                         <a:t>0 la 50</a:t>
                       </a:r>
-                      <a:endParaRPr lang="en-US" sz="1100" dirty="0">
+                      <a:endParaRPr lang="en-US" sz="1100" b="1" dirty="0">
                         <a:latin typeface="Calibri"/>
                         <a:ea typeface="Calibri"/>
                         <a:cs typeface="Times New Roman"/>
@@ -13922,7 +13923,7 @@
                         </a:spcAft>
                       </a:pPr>
                       <a:r>
-                        <a:rPr lang="en-US" sz="1150">
+                        <a:rPr lang="en-US" sz="1150" b="1" dirty="0">
                           <a:solidFill>
                             <a:srgbClr val="222222"/>
                           </a:solidFill>
@@ -13932,7 +13933,7 @@
                         </a:rPr>
                         <a:t>Bun</a:t>
                       </a:r>
-                      <a:endParaRPr lang="en-US" sz="1100">
+                      <a:endParaRPr lang="en-US" sz="1100" b="1" dirty="0">
                         <a:latin typeface="Calibri"/>
                         <a:ea typeface="Calibri"/>
                         <a:cs typeface="Times New Roman"/>
@@ -14000,7 +14001,7 @@
                         </a:spcAft>
                       </a:pPr>
                       <a:r>
-                        <a:rPr lang="en-US" sz="1150">
+                        <a:rPr lang="en-US" sz="1150" b="1" dirty="0">
                           <a:solidFill>
                             <a:srgbClr val="222222"/>
                           </a:solidFill>
@@ -14010,7 +14011,7 @@
                         </a:rPr>
                         <a:t>51 la 100</a:t>
                       </a:r>
-                      <a:endParaRPr lang="en-US" sz="1100">
+                      <a:endParaRPr lang="en-US" sz="1100" b="1" dirty="0">
                         <a:latin typeface="Calibri"/>
                         <a:ea typeface="Calibri"/>
                         <a:cs typeface="Times New Roman"/>
@@ -14076,7 +14077,7 @@
                         </a:spcAft>
                       </a:pPr>
                       <a:r>
-                        <a:rPr lang="en-US" sz="1150">
+                        <a:rPr lang="en-US" sz="1150" b="1" dirty="0" err="1">
                           <a:solidFill>
                             <a:srgbClr val="222222"/>
                           </a:solidFill>
@@ -14086,7 +14087,7 @@
                         </a:rPr>
                         <a:t>Moderat</a:t>
                       </a:r>
-                      <a:endParaRPr lang="en-US" sz="1100">
+                      <a:endParaRPr lang="en-US" sz="1100" b="1" dirty="0">
                         <a:latin typeface="Calibri"/>
                         <a:ea typeface="Calibri"/>
                         <a:cs typeface="Times New Roman"/>
@@ -14154,7 +14155,7 @@
                         </a:spcAft>
                       </a:pPr>
                       <a:r>
-                        <a:rPr lang="en-US" sz="1150">
+                        <a:rPr lang="en-US" sz="1150" b="1" dirty="0">
                           <a:solidFill>
                             <a:srgbClr val="222222"/>
                           </a:solidFill>
@@ -14164,7 +14165,7 @@
                         </a:rPr>
                         <a:t>101 la 150</a:t>
                       </a:r>
-                      <a:endParaRPr lang="en-US" sz="1100">
+                      <a:endParaRPr lang="en-US" sz="1100" b="1" dirty="0">
                         <a:latin typeface="Calibri"/>
                         <a:ea typeface="Calibri"/>
                         <a:cs typeface="Times New Roman"/>
@@ -14230,7 +14231,7 @@
                         </a:spcAft>
                       </a:pPr>
                       <a:r>
-                        <a:rPr lang="en-US" sz="1150">
+                        <a:rPr lang="en-US" sz="1150" b="1" dirty="0" err="1">
                           <a:solidFill>
                             <a:srgbClr val="222222"/>
                           </a:solidFill>
@@ -14238,9 +14239,75 @@
                           <a:ea typeface="Times New Roman"/>
                           <a:cs typeface="Times New Roman"/>
                         </a:rPr>
-                        <a:t>Nesănătos pentru grupuri sensibile</a:t>
+                        <a:t>Nesănătos</a:t>
                       </a:r>
-                      <a:endParaRPr lang="en-US" sz="1100">
+                      <a:r>
+                        <a:rPr lang="en-US" sz="1150" b="1" dirty="0">
+                          <a:solidFill>
+                            <a:srgbClr val="222222"/>
+                          </a:solidFill>
+                          <a:latin typeface="Arial"/>
+                          <a:ea typeface="Times New Roman"/>
+                          <a:cs typeface="Times New Roman"/>
+                        </a:rPr>
+                        <a:t> </a:t>
+                      </a:r>
+                      <a:r>
+                        <a:rPr lang="en-US" sz="1150" b="1" dirty="0" err="1">
+                          <a:solidFill>
+                            <a:srgbClr val="222222"/>
+                          </a:solidFill>
+                          <a:latin typeface="Arial"/>
+                          <a:ea typeface="Times New Roman"/>
+                          <a:cs typeface="Times New Roman"/>
+                        </a:rPr>
+                        <a:t>pentru</a:t>
+                      </a:r>
+                      <a:r>
+                        <a:rPr lang="en-US" sz="1150" b="1" dirty="0">
+                          <a:solidFill>
+                            <a:srgbClr val="222222"/>
+                          </a:solidFill>
+                          <a:latin typeface="Arial"/>
+                          <a:ea typeface="Times New Roman"/>
+                          <a:cs typeface="Times New Roman"/>
+                        </a:rPr>
+                        <a:t> </a:t>
+                      </a:r>
+                      <a:r>
+                        <a:rPr lang="en-US" sz="1150" b="1" dirty="0" err="1">
+                          <a:solidFill>
+                            <a:srgbClr val="222222"/>
+                          </a:solidFill>
+                          <a:latin typeface="Arial"/>
+                          <a:ea typeface="Times New Roman"/>
+                          <a:cs typeface="Times New Roman"/>
+                        </a:rPr>
+                        <a:t>grupuri</a:t>
+                      </a:r>
+                      <a:r>
+                        <a:rPr lang="en-US" sz="1150" b="1" dirty="0">
+                          <a:solidFill>
+                            <a:srgbClr val="222222"/>
+                          </a:solidFill>
+                          <a:latin typeface="Arial"/>
+                          <a:ea typeface="Times New Roman"/>
+                          <a:cs typeface="Times New Roman"/>
+                        </a:rPr>
+                        <a:t> </a:t>
+                      </a:r>
+                      <a:r>
+                        <a:rPr lang="en-US" sz="1150" b="1" dirty="0" err="1">
+                          <a:solidFill>
+                            <a:srgbClr val="222222"/>
+                          </a:solidFill>
+                          <a:latin typeface="Arial"/>
+                          <a:ea typeface="Times New Roman"/>
+                          <a:cs typeface="Times New Roman"/>
+                        </a:rPr>
+                        <a:t>sensibile</a:t>
+                      </a:r>
+                      <a:endParaRPr lang="en-US" sz="1100" b="1" dirty="0">
                         <a:latin typeface="Calibri"/>
                         <a:ea typeface="Calibri"/>
                         <a:cs typeface="Times New Roman"/>
@@ -14308,7 +14375,7 @@
                         </a:spcAft>
                       </a:pPr>
                       <a:r>
-                        <a:rPr lang="en-US" sz="1150">
+                        <a:rPr lang="en-US" sz="1150" b="1" dirty="0">
                           <a:solidFill>
                             <a:srgbClr val="FFFFFF"/>
                           </a:solidFill>
@@ -14316,9 +14383,31 @@
                           <a:ea typeface="Times New Roman"/>
                           <a:cs typeface="Times New Roman"/>
                         </a:rPr>
-                        <a:t>151 până la 200</a:t>
+                        <a:t>151 </a:t>
                       </a:r>
-                      <a:endParaRPr lang="en-US" sz="1100">
+                      <a:r>
+                        <a:rPr lang="en-US" sz="1150" b="1" dirty="0" err="1">
+                          <a:solidFill>
+                            <a:srgbClr val="FFFFFF"/>
+                          </a:solidFill>
+                          <a:latin typeface="Arial"/>
+                          <a:ea typeface="Times New Roman"/>
+                          <a:cs typeface="Times New Roman"/>
+                        </a:rPr>
+                        <a:t>până</a:t>
+                      </a:r>
+                      <a:r>
+                        <a:rPr lang="en-US" sz="1150" b="1" dirty="0">
+                          <a:solidFill>
+                            <a:srgbClr val="FFFFFF"/>
+                          </a:solidFill>
+                          <a:latin typeface="Arial"/>
+                          <a:ea typeface="Times New Roman"/>
+                          <a:cs typeface="Times New Roman"/>
+                        </a:rPr>
+                        <a:t> la 200</a:t>
+                      </a:r>
+                      <a:endParaRPr lang="en-US" sz="1100" b="1" dirty="0">
                         <a:latin typeface="Calibri"/>
                         <a:ea typeface="Calibri"/>
                         <a:cs typeface="Times New Roman"/>
@@ -14384,7 +14473,7 @@
                         </a:spcAft>
                       </a:pPr>
                       <a:r>
-                        <a:rPr lang="en-US" sz="1150">
+                        <a:rPr lang="en-US" sz="1150" b="1" dirty="0" err="1">
                           <a:solidFill>
                             <a:srgbClr val="FFFFFF"/>
                           </a:solidFill>
@@ -14394,7 +14483,7 @@
                         </a:rPr>
                         <a:t>Nesănătos</a:t>
                       </a:r>
-                      <a:endParaRPr lang="en-US" sz="1100">
+                      <a:endParaRPr lang="en-US" sz="1100" b="1" dirty="0">
                         <a:latin typeface="Calibri"/>
                         <a:ea typeface="Calibri"/>
                         <a:cs typeface="Times New Roman"/>
@@ -14462,7 +14551,7 @@
                         </a:spcAft>
                       </a:pPr>
                       <a:r>
-                        <a:rPr lang="en-US" sz="1150">
+                        <a:rPr lang="en-US" sz="1150" b="1">
                           <a:solidFill>
                             <a:srgbClr val="FFFFFF"/>
                           </a:solidFill>
@@ -14472,7 +14561,7 @@
                         </a:rPr>
                         <a:t>201 până la 300</a:t>
                       </a:r>
-                      <a:endParaRPr lang="en-US" sz="1100">
+                      <a:endParaRPr lang="en-US" sz="1100" b="1">
                         <a:latin typeface="Calibri"/>
                         <a:ea typeface="Calibri"/>
                         <a:cs typeface="Times New Roman"/>
@@ -14538,7 +14627,7 @@
                         </a:spcAft>
                       </a:pPr>
                       <a:r>
-                        <a:rPr lang="en-US" sz="1150">
+                        <a:rPr lang="en-US" sz="1150" b="1" dirty="0" err="1">
                           <a:solidFill>
                             <a:srgbClr val="FFFFFF"/>
                           </a:solidFill>
@@ -14546,9 +14635,31 @@
                           <a:ea typeface="Times New Roman"/>
                           <a:cs typeface="Times New Roman"/>
                         </a:rPr>
-                        <a:t>Foarte nesănătoas</a:t>
+                        <a:t>Foarte</a:t>
                       </a:r>
-                      <a:endParaRPr lang="en-US" sz="1100">
+                      <a:r>
+                        <a:rPr lang="en-US" sz="1150" b="1" dirty="0">
+                          <a:solidFill>
+                            <a:srgbClr val="FFFFFF"/>
+                          </a:solidFill>
+                          <a:latin typeface="Arial"/>
+                          <a:ea typeface="Times New Roman"/>
+                          <a:cs typeface="Times New Roman"/>
+                        </a:rPr>
+                        <a:t> </a:t>
+                      </a:r>
+                      <a:r>
+                        <a:rPr lang="en-US" sz="1150" b="1" dirty="0" err="1" smtClean="0">
+                          <a:solidFill>
+                            <a:srgbClr val="FFFFFF"/>
+                          </a:solidFill>
+                          <a:latin typeface="Arial"/>
+                          <a:ea typeface="Times New Roman"/>
+                          <a:cs typeface="Times New Roman"/>
+                        </a:rPr>
+                        <a:t>nesănătos</a:t>
+                      </a:r>
+                      <a:endParaRPr lang="en-US" sz="1100" b="1" dirty="0">
                         <a:latin typeface="Calibri"/>
                         <a:ea typeface="Calibri"/>
                         <a:cs typeface="Times New Roman"/>
@@ -14616,7 +14727,7 @@
                         </a:spcAft>
                       </a:pPr>
                       <a:r>
-                        <a:rPr lang="en-US" sz="1150">
+                        <a:rPr lang="en-US" sz="1150" b="1" dirty="0">
                           <a:solidFill>
                             <a:srgbClr val="FFFFFF"/>
                           </a:solidFill>
@@ -14626,7 +14737,7 @@
                         </a:rPr>
                         <a:t>301 - 500</a:t>
                       </a:r>
-                      <a:endParaRPr lang="en-US" sz="1100">
+                      <a:endParaRPr lang="en-US" sz="1100" b="1" dirty="0">
                         <a:latin typeface="Calibri"/>
                         <a:ea typeface="Calibri"/>
                         <a:cs typeface="Times New Roman"/>
@@ -14692,7 +14803,7 @@
                         </a:spcAft>
                       </a:pPr>
                       <a:r>
-                        <a:rPr lang="en-US" sz="1150" dirty="0" err="1">
+                        <a:rPr lang="en-US" sz="1150" b="1" dirty="0" err="1">
                           <a:solidFill>
                             <a:srgbClr val="FFFFFF"/>
                           </a:solidFill>
@@ -14702,7 +14813,7 @@
                         </a:rPr>
                         <a:t>Riscant</a:t>
                       </a:r>
-                      <a:endParaRPr lang="en-US" sz="1100" dirty="0">
+                      <a:endParaRPr lang="en-US" sz="1100" b="1" dirty="0">
                         <a:latin typeface="Calibri"/>
                         <a:ea typeface="Calibri"/>
                         <a:cs typeface="Times New Roman"/>
@@ -14898,7 +15009,7 @@
         </p:blipFill>
         <p:spPr bwMode="auto">
           <a:xfrm>
-            <a:off x="3048000" y="5562600"/>
+            <a:off x="6172200" y="3657600"/>
             <a:ext cx="2447925" cy="409575"/>
           </a:xfrm>
           <a:prstGeom prst="rect">
@@ -14907,6 +15018,51 @@
           <a:noFill/>
         </p:spPr>
       </p:pic>
+      <p:sp>
+        <p:nvSpPr>
+          <p:cNvPr id="10" name="Rectangle 9"/>
+          <p:cNvSpPr/>
+          <p:nvPr/>
+        </p:nvSpPr>
+        <p:spPr>
+          <a:xfrm>
+            <a:off x="1143000" y="5181600"/>
+            <a:ext cx="6553200" cy="307777"/>
+          </a:xfrm>
+          <a:prstGeom prst="rect">
+            <a:avLst/>
+          </a:prstGeom>
+        </p:spPr>
+        <p:txBody>
+          <a:bodyPr wrap="square">
+            <a:spAutoFit/>
+          </a:bodyPr>
+          <a:lstStyle/>
+          <a:p>
+            <a:r>
+              <a:rPr lang="ro-RO" sz="1400" dirty="0" smtClean="0"/>
+              <a:t>Val(ppb) = ( ( V – Vref ) / 350000ohm ) / sensitivity( </a:t>
+            </a:r>
+            <a:r>
+              <a:rPr lang="ro-RO" sz="1400" dirty="0" smtClean="0"/>
+              <a:t>nA/ppm))</a:t>
+            </a:r>
+            <a:r>
+              <a:rPr lang="en-US" sz="1400" dirty="0" smtClean="0"/>
+              <a:t>,  V = </a:t>
+            </a:r>
+            <a:r>
+              <a:rPr lang="ro-RO" sz="1400" dirty="0" smtClean="0"/>
+              <a:t>valBrută* 298 </a:t>
+            </a:r>
+            <a:r>
+              <a:rPr lang="en-US" sz="1400" dirty="0" smtClean="0"/>
+              <a:t>.</a:t>
+            </a:r>
+            <a:endParaRPr lang="en-US" sz="1400" dirty="0"/>
+          </a:p>
+        </p:txBody>
+      </p:sp>
     </p:spTree>
   </p:cSld>
   <p:clrMapOvr>
@@ -15038,8 +15194,8 @@
               <a:t>7</a:t>
             </a:fld>
             <a:r>
-              <a:rPr lang="ro-RO" smtClean="0"/>
-              <a:t> of 10</a:t>
+              <a:rPr lang="en-US" dirty="0" smtClean="0"/>
+              <a:t>/13</a:t>
             </a:r>
             <a:endParaRPr lang="en-US" dirty="0"/>
           </a:p>
@@ -15060,7 +15216,7 @@
         </p:blipFill>
         <p:spPr bwMode="auto">
           <a:xfrm>
-            <a:off x="457200" y="1600200"/>
+            <a:off x="533400" y="1600200"/>
             <a:ext cx="7543800" cy="4876800"/>
           </a:xfrm>
           <a:prstGeom prst="rect">
@@ -15094,7 +15250,7 @@
         </p:blipFill>
         <p:spPr bwMode="auto">
           <a:xfrm>
-            <a:off x="457201" y="2209800"/>
+            <a:off x="533400" y="2209800"/>
             <a:ext cx="7467600" cy="3429000"/>
           </a:xfrm>
           <a:prstGeom prst="rect">
@@ -15125,7 +15281,7 @@
         </p:blipFill>
         <p:spPr bwMode="auto">
           <a:xfrm>
-            <a:off x="457200" y="1600200"/>
+            <a:off x="533400" y="1600200"/>
             <a:ext cx="7467600" cy="4876800"/>
           </a:xfrm>
           <a:prstGeom prst="rect">
@@ -15522,9 +15678,16 @@
           <a:bodyPr/>
           <a:lstStyle/>
           <a:p>
+            <a:endParaRPr lang="en-US" dirty="0" smtClean="0"/>
+          </a:p>
+          <a:p>
             <a:r>
               <a:rPr lang="ro-RO" dirty="0" smtClean="0"/>
-              <a:t>Video 2min ...</a:t>
+              <a:t>Video </a:t>
+            </a:r>
+            <a:r>
+              <a:rPr lang="en-US" dirty="0" smtClean="0"/>
+              <a:t>extern … </a:t>
             </a:r>
             <a:endParaRPr lang="en-US" dirty="0"/>
           </a:p>
@@ -15545,47 +15708,14 @@
           <a:bodyPr/>
           <a:lstStyle/>
           <a:p>
-            <a:fld id="{B6F15528-21DE-4FAA-801E-634DDDAF4B2B}" type="slidenum">
-              <a:rPr lang="en-US" smtClean="0"/>
-              <a:pPr/>
-              <a:t>8</a:t>
-            </a:fld>
-            <a:r>
-              <a:rPr lang="ro-RO" smtClean="0"/>
-              <a:t> of 10</a:t>
+            <a:r>
+              <a:rPr lang="en-US" dirty="0" smtClean="0"/>
+              <a:t>8/13</a:t>
             </a:r>
             <a:endParaRPr lang="en-US" dirty="0"/>
           </a:p>
         </p:txBody>
       </p:sp>
-      <p:pic>
-        <p:nvPicPr>
-          <p:cNvPr id="5" name="TarcePaul_VideoAplicatieMobilaDisertatie.mp4">
-            <a:hlinkClick r:id="" action="ppaction://media"/>
-          </p:cNvPr>
-          <p:cNvPicPr>
-            <a:picLocks noRot="1" noChangeAspect="1"/>
-          </p:cNvPicPr>
-          <p:nvPr>
-            <a:videoFile r:link="rId1"/>
-          </p:nvPr>
-        </p:nvPicPr>
-        <p:blipFill>
-          <a:blip r:embed="rId4" cstate="print"/>
-          <a:stretch>
-            <a:fillRect/>
-          </a:stretch>
-        </p:blipFill>
-        <p:spPr>
-          <a:xfrm>
-            <a:off x="533400" y="990600"/>
-            <a:ext cx="7620000" cy="5715000"/>
-          </a:xfrm>
-          <a:prstGeom prst="rect">
-            <a:avLst/>
-          </a:prstGeom>
-        </p:spPr>
-      </p:pic>
     </p:spTree>
   </p:cSld>
   <p:clrMapOvr>
@@ -15594,92 +15724,7 @@
   <p:timing>
     <p:tnLst>
       <p:par>
-        <p:cTn id="1" dur="indefinite" restart="never" nodeType="tmRoot">
-          <p:childTnLst>
-            <p:seq concurrent="1" nextAc="seek">
-              <p:cTn id="2" restart="whenNotActive" fill="hold" evtFilter="cancelBubble" nodeType="interactiveSeq">
-                <p:stCondLst>
-                  <p:cond evt="onClick" delay="0">
-                    <p:tgtEl>
-                      <p:spTgt spid="5"/>
-                    </p:tgtEl>
-                  </p:cond>
-                </p:stCondLst>
-                <p:endSync evt="end" delay="0">
-                  <p:rtn val="all"/>
-                </p:endSync>
-                <p:childTnLst>
-                  <p:par>
-                    <p:cTn id="3" fill="hold">
-                      <p:stCondLst>
-                        <p:cond delay="0"/>
-                      </p:stCondLst>
-                      <p:childTnLst>
-                        <p:par>
-                          <p:cTn id="4" fill="hold">
-                            <p:stCondLst>
-                              <p:cond delay="0"/>
-                            </p:stCondLst>
-                            <p:childTnLst>
-                              <p:par>
-                                <p:cTn id="5" presetID="2" presetClass="mediacall" presetSubtype="0" fill="hold" nodeType="clickEffect">
-                                  <p:stCondLst>
-                                    <p:cond delay="0"/>
-                                  </p:stCondLst>
-                                  <p:childTnLst>
-                                    <p:cmd type="call" cmd="togglePause">
-                                      <p:cBhvr>
-                                        <p:cTn id="6" dur="1" fill="hold"/>
-                                        <p:tgtEl>
-                                          <p:spTgt spid="5"/>
-                                        </p:tgtEl>
-                                      </p:cBhvr>
-                                    </p:cmd>
-                                  </p:childTnLst>
-                                </p:cTn>
-                              </p:par>
-                            </p:childTnLst>
-                          </p:cTn>
-                        </p:par>
-                      </p:childTnLst>
-                    </p:cTn>
-                  </p:par>
-                </p:childTnLst>
-              </p:cTn>
-              <p:nextCondLst>
-                <p:cond evt="onClick" delay="0">
-                  <p:tgtEl>
-                    <p:spTgt spid="5"/>
-                  </p:tgtEl>
-                </p:cond>
-              </p:nextCondLst>
-            </p:seq>
-            <p:video>
-              <p:cMediaNode>
-                <p:cTn id="7" fill="hold" display="0">
-                  <p:stCondLst>
-                    <p:cond delay="indefinite"/>
-                  </p:stCondLst>
-                  <p:endCondLst>
-                    <p:cond evt="onNext" delay="0">
-                      <p:tgtEl>
-                        <p:sldTgt/>
-                      </p:tgtEl>
-                    </p:cond>
-                    <p:cond evt="onPrev" delay="0">
-                      <p:tgtEl>
-                        <p:sldTgt/>
-                      </p:tgtEl>
-                    </p:cond>
-                  </p:endCondLst>
-                </p:cTn>
-                <p:tgtEl>
-                  <p:spTgt spid="5"/>
-                </p:tgtEl>
-              </p:cMediaNode>
-            </p:video>
-          </p:childTnLst>
-        </p:cTn>
+        <p:cTn id="1" dur="indefinite" restart="never" nodeType="tmRoot"/>
       </p:par>
     </p:tnLst>
   </p:timing>
@@ -15817,8 +15862,20 @@
               <a:t>9</a:t>
             </a:fld>
             <a:r>
-              <a:rPr lang="ro-RO" smtClean="0"/>
-              <a:t> of 10</a:t>
+              <a:rPr lang="ro-RO" dirty="0" smtClean="0"/>
+              <a:t> </a:t>
+            </a:r>
+            <a:r>
+              <a:rPr lang="en-US" dirty="0" smtClean="0"/>
+              <a:t>/</a:t>
+            </a:r>
+            <a:r>
+              <a:rPr lang="ro-RO" dirty="0" smtClean="0"/>
+              <a:t>1</a:t>
+            </a:r>
+            <a:r>
+              <a:rPr lang="en-US" dirty="0" smtClean="0"/>
+              <a:t>3</a:t>
             </a:r>
             <a:endParaRPr lang="en-US" dirty="0"/>
           </a:p>
